--- a/Open Day Poster.pptx
+++ b/Open Day Poster.pptx
@@ -330,7 +330,7 @@
     </p:spTree>
     <p:extLst>
       <p:ext uri="{BB962C8B-B14F-4D97-AF65-F5344CB8AC3E}">
-        <p14:creationId xmlns:p14="http://schemas.microsoft.com/office/powerpoint/2010/main" xmlns="" val="1642703577"/>
+        <p14:creationId xmlns="" xmlns:p14="http://schemas.microsoft.com/office/powerpoint/2010/main" val="1642703577"/>
       </p:ext>
     </p:extLst>
   </p:cSld>
@@ -515,7 +515,7 @@
     </p:spTree>
     <p:extLst>
       <p:ext uri="{BB962C8B-B14F-4D97-AF65-F5344CB8AC3E}">
-        <p14:creationId xmlns:p14="http://schemas.microsoft.com/office/powerpoint/2010/main" xmlns="" val="1526960726"/>
+        <p14:creationId xmlns="" xmlns:p14="http://schemas.microsoft.com/office/powerpoint/2010/main" val="1526960726"/>
       </p:ext>
     </p:extLst>
   </p:cSld>
@@ -710,7 +710,7 @@
     </p:spTree>
     <p:extLst>
       <p:ext uri="{BB962C8B-B14F-4D97-AF65-F5344CB8AC3E}">
-        <p14:creationId xmlns:p14="http://schemas.microsoft.com/office/powerpoint/2010/main" xmlns="" val="1199340232"/>
+        <p14:creationId xmlns="" xmlns:p14="http://schemas.microsoft.com/office/powerpoint/2010/main" val="1199340232"/>
       </p:ext>
     </p:extLst>
   </p:cSld>
@@ -895,7 +895,7 @@
     </p:spTree>
     <p:extLst>
       <p:ext uri="{BB962C8B-B14F-4D97-AF65-F5344CB8AC3E}">
-        <p14:creationId xmlns:p14="http://schemas.microsoft.com/office/powerpoint/2010/main" xmlns="" val="869252807"/>
+        <p14:creationId xmlns="" xmlns:p14="http://schemas.microsoft.com/office/powerpoint/2010/main" val="869252807"/>
       </p:ext>
     </p:extLst>
   </p:cSld>
@@ -1102,7 +1102,7 @@
     </p:spTree>
     <p:extLst>
       <p:ext uri="{BB962C8B-B14F-4D97-AF65-F5344CB8AC3E}">
-        <p14:creationId xmlns:p14="http://schemas.microsoft.com/office/powerpoint/2010/main" xmlns="" val="200676708"/>
+        <p14:creationId xmlns="" xmlns:p14="http://schemas.microsoft.com/office/powerpoint/2010/main" val="200676708"/>
       </p:ext>
     </p:extLst>
   </p:cSld>
@@ -1405,7 +1405,7 @@
     </p:spTree>
     <p:extLst>
       <p:ext uri="{BB962C8B-B14F-4D97-AF65-F5344CB8AC3E}">
-        <p14:creationId xmlns:p14="http://schemas.microsoft.com/office/powerpoint/2010/main" xmlns="" val="1224105566"/>
+        <p14:creationId xmlns="" xmlns:p14="http://schemas.microsoft.com/office/powerpoint/2010/main" val="1224105566"/>
       </p:ext>
     </p:extLst>
   </p:cSld>
@@ -1842,7 +1842,7 @@
     </p:spTree>
     <p:extLst>
       <p:ext uri="{BB962C8B-B14F-4D97-AF65-F5344CB8AC3E}">
-        <p14:creationId xmlns:p14="http://schemas.microsoft.com/office/powerpoint/2010/main" xmlns="" val="648909502"/>
+        <p14:creationId xmlns="" xmlns:p14="http://schemas.microsoft.com/office/powerpoint/2010/main" val="648909502"/>
       </p:ext>
     </p:extLst>
   </p:cSld>
@@ -1975,7 +1975,7 @@
     </p:spTree>
     <p:extLst>
       <p:ext uri="{BB962C8B-B14F-4D97-AF65-F5344CB8AC3E}">
-        <p14:creationId xmlns:p14="http://schemas.microsoft.com/office/powerpoint/2010/main" xmlns="" val="1300040648"/>
+        <p14:creationId xmlns="" xmlns:p14="http://schemas.microsoft.com/office/powerpoint/2010/main" val="1300040648"/>
       </p:ext>
     </p:extLst>
   </p:cSld>
@@ -2085,7 +2085,7 @@
     </p:spTree>
     <p:extLst>
       <p:ext uri="{BB962C8B-B14F-4D97-AF65-F5344CB8AC3E}">
-        <p14:creationId xmlns:p14="http://schemas.microsoft.com/office/powerpoint/2010/main" xmlns="" val="1284546358"/>
+        <p14:creationId xmlns="" xmlns:p14="http://schemas.microsoft.com/office/powerpoint/2010/main" val="1284546358"/>
       </p:ext>
     </p:extLst>
   </p:cSld>
@@ -2377,7 +2377,7 @@
     </p:spTree>
     <p:extLst>
       <p:ext uri="{BB962C8B-B14F-4D97-AF65-F5344CB8AC3E}">
-        <p14:creationId xmlns:p14="http://schemas.microsoft.com/office/powerpoint/2010/main" xmlns="" val="717535615"/>
+        <p14:creationId xmlns="" xmlns:p14="http://schemas.microsoft.com/office/powerpoint/2010/main" val="717535615"/>
       </p:ext>
     </p:extLst>
   </p:cSld>
@@ -2650,7 +2650,7 @@
     </p:spTree>
     <p:extLst>
       <p:ext uri="{BB962C8B-B14F-4D97-AF65-F5344CB8AC3E}">
-        <p14:creationId xmlns:p14="http://schemas.microsoft.com/office/powerpoint/2010/main" xmlns="" val="1500403400"/>
+        <p14:creationId xmlns="" xmlns:p14="http://schemas.microsoft.com/office/powerpoint/2010/main" val="1500403400"/>
       </p:ext>
     </p:extLst>
   </p:cSld>
@@ -2709,14 +2709,14 @@
           </a:ln>
           <a:extLst>
             <a:ext uri="{909E8E84-426E-40DD-AFC4-6F175D3DCCD1}">
-              <a14:hiddenFill xmlns:a14="http://schemas.microsoft.com/office/drawing/2010/main" xmlns="">
+              <a14:hiddenFill xmlns="" xmlns:a14="http://schemas.microsoft.com/office/drawing/2010/main">
                 <a:solidFill>
                   <a:srgbClr val="FFFFFF"/>
                 </a:solidFill>
               </a14:hiddenFill>
             </a:ext>
             <a:ext uri="{91240B29-F687-4F45-9708-019B960494DF}">
-              <a14:hiddenLine xmlns:a14="http://schemas.microsoft.com/office/drawing/2010/main" xmlns="" w="9525">
+              <a14:hiddenLine xmlns="" xmlns:a14="http://schemas.microsoft.com/office/drawing/2010/main" w="9525">
                 <a:solidFill>
                   <a:srgbClr val="000000"/>
                 </a:solidFill>
@@ -2726,7 +2726,7 @@
               </a14:hiddenLine>
             </a:ext>
             <a:ext uri="{FAA26D3D-D897-4be2-8F04-BA451C77F1D7}">
-              <ma14:placeholderFlag xmlns:ma14="http://schemas.microsoft.com/office/mac/drawingml/2011/main" xmlns="" val="1"/>
+              <ma14:placeholderFlag xmlns="" xmlns:ma14="http://schemas.microsoft.com/office/mac/drawingml/2011/main" val="1"/>
             </a:ext>
           </a:extLst>
         </p:spPr>
@@ -2771,14 +2771,14 @@
           </a:ln>
           <a:extLst>
             <a:ext uri="{909E8E84-426E-40DD-AFC4-6F175D3DCCD1}">
-              <a14:hiddenFill xmlns:a14="http://schemas.microsoft.com/office/drawing/2010/main" xmlns="">
+              <a14:hiddenFill xmlns="" xmlns:a14="http://schemas.microsoft.com/office/drawing/2010/main">
                 <a:solidFill>
                   <a:srgbClr val="FFFFFF"/>
                 </a:solidFill>
               </a14:hiddenFill>
             </a:ext>
             <a:ext uri="{91240B29-F687-4F45-9708-019B960494DF}">
-              <a14:hiddenLine xmlns:a14="http://schemas.microsoft.com/office/drawing/2010/main" xmlns="" w="9525">
+              <a14:hiddenLine xmlns="" xmlns:a14="http://schemas.microsoft.com/office/drawing/2010/main" w="9525">
                 <a:solidFill>
                   <a:srgbClr val="000000"/>
                 </a:solidFill>
@@ -2788,7 +2788,7 @@
               </a14:hiddenLine>
             </a:ext>
             <a:ext uri="{FAA26D3D-D897-4be2-8F04-BA451C77F1D7}">
-              <ma14:placeholderFlag xmlns:ma14="http://schemas.microsoft.com/office/mac/drawingml/2011/main" xmlns="" val="1"/>
+              <ma14:placeholderFlag xmlns="" xmlns:ma14="http://schemas.microsoft.com/office/mac/drawingml/2011/main" val="1"/>
             </a:ext>
           </a:extLst>
         </p:spPr>
@@ -3405,7 +3405,7 @@
           </a:ln>
           <a:extLst>
             <a:ext uri="{909E8E84-426E-40DD-AFC4-6F175D3DCCD1}">
-              <a14:hiddenFill xmlns:a14="http://schemas.microsoft.com/office/drawing/2010/main" xmlns="">
+              <a14:hiddenFill xmlns="" xmlns:a14="http://schemas.microsoft.com/office/drawing/2010/main">
                 <a:noFill/>
               </a14:hiddenFill>
             </a:ext>
@@ -3431,7 +3431,7 @@
           <a:blip r:embed="rId2" cstate="print">
             <a:extLst>
               <a:ext uri="{28A0092B-C50C-407E-A947-70E740481C1C}">
-                <a14:useLocalDpi xmlns:a14="http://schemas.microsoft.com/office/drawing/2010/main" xmlns="" val="0"/>
+                <a14:useLocalDpi xmlns="" xmlns:a14="http://schemas.microsoft.com/office/drawing/2010/main" val="0"/>
               </a:ext>
             </a:extLst>
           </a:blip>
@@ -3454,14 +3454,14 @@
           </a:ln>
           <a:extLst>
             <a:ext uri="{909E8E84-426E-40DD-AFC4-6F175D3DCCD1}">
-              <a14:hiddenFill xmlns:a14="http://schemas.microsoft.com/office/drawing/2010/main" xmlns="">
+              <a14:hiddenFill xmlns="" xmlns:a14="http://schemas.microsoft.com/office/drawing/2010/main">
                 <a:solidFill>
                   <a:srgbClr val="FFFFFF"/>
                 </a:solidFill>
               </a14:hiddenFill>
             </a:ext>
             <a:ext uri="{91240B29-F687-4F45-9708-019B960494DF}">
-              <a14:hiddenLine xmlns:a14="http://schemas.microsoft.com/office/drawing/2010/main" xmlns="" w="9525">
+              <a14:hiddenLine xmlns="" xmlns:a14="http://schemas.microsoft.com/office/drawing/2010/main" w="9525">
                 <a:solidFill>
                   <a:srgbClr val="000000"/>
                 </a:solidFill>
@@ -3497,7 +3497,7 @@
           </a:ln>
           <a:extLst>
             <a:ext uri="{91240B29-F687-4F45-9708-019B960494DF}">
-              <a14:hiddenLine xmlns:a14="http://schemas.microsoft.com/office/drawing/2010/main" xmlns="" w="9525">
+              <a14:hiddenLine xmlns="" xmlns:a14="http://schemas.microsoft.com/office/drawing/2010/main" w="9525">
                 <a:solidFill>
                   <a:srgbClr val="000000"/>
                 </a:solidFill>
@@ -3626,7 +3626,7 @@
           <a:blip r:embed="rId3" cstate="print">
             <a:extLst>
               <a:ext uri="{28A0092B-C50C-407E-A947-70E740481C1C}">
-                <a14:useLocalDpi xmlns:a14="http://schemas.microsoft.com/office/drawing/2010/main" xmlns="" val="0"/>
+                <a14:useLocalDpi xmlns="" xmlns:a14="http://schemas.microsoft.com/office/drawing/2010/main" val="0"/>
               </a:ext>
             </a:extLst>
           </a:blip>
@@ -3649,14 +3649,14 @@
           </a:ln>
           <a:extLst>
             <a:ext uri="{909E8E84-426E-40DD-AFC4-6F175D3DCCD1}">
-              <a14:hiddenFill xmlns:a14="http://schemas.microsoft.com/office/drawing/2010/main" xmlns="">
+              <a14:hiddenFill xmlns="" xmlns:a14="http://schemas.microsoft.com/office/drawing/2010/main">
                 <a:solidFill>
                   <a:srgbClr val="FFFFFF"/>
                 </a:solidFill>
               </a14:hiddenFill>
             </a:ext>
             <a:ext uri="{91240B29-F687-4F45-9708-019B960494DF}">
-              <a14:hiddenLine xmlns:a14="http://schemas.microsoft.com/office/drawing/2010/main" xmlns="" w="9525">
+              <a14:hiddenLine xmlns="" xmlns:a14="http://schemas.microsoft.com/office/drawing/2010/main" w="9525">
                 <a:solidFill>
                   <a:srgbClr val="000000"/>
                 </a:solidFill>
@@ -3690,14 +3690,14 @@
           </a:ln>
           <a:extLst>
             <a:ext uri="{909E8E84-426E-40DD-AFC4-6F175D3DCCD1}">
-              <a14:hiddenFill xmlns:a14="http://schemas.microsoft.com/office/drawing/2010/main" xmlns="">
+              <a14:hiddenFill xmlns="" xmlns:a14="http://schemas.microsoft.com/office/drawing/2010/main">
                 <a:solidFill>
                   <a:srgbClr val="FFFFFF"/>
                 </a:solidFill>
               </a14:hiddenFill>
             </a:ext>
             <a:ext uri="{91240B29-F687-4F45-9708-019B960494DF}">
-              <a14:hiddenLine xmlns:a14="http://schemas.microsoft.com/office/drawing/2010/main" xmlns="" w="9525">
+              <a14:hiddenLine xmlns="" xmlns:a14="http://schemas.microsoft.com/office/drawing/2010/main" w="9525">
                 <a:solidFill>
                   <a:srgbClr val="000000"/>
                 </a:solidFill>
@@ -3829,140 +3829,6 @@
                 <a:schemeClr val="bg1"/>
               </a:solidFill>
             </a:endParaRPr>
-          </a:p>
-        </p:txBody>
-      </p:sp>
-      <p:sp>
-        <p:nvSpPr>
-          <p:cNvPr id="2056" name="Rectangle 8"/>
-          <p:cNvSpPr>
-            <a:spLocks noChangeArrowheads="1"/>
-          </p:cNvSpPr>
-          <p:nvPr/>
-        </p:nvSpPr>
-        <p:spPr bwMode="auto">
-          <a:xfrm>
-            <a:off x="144438" y="2394372"/>
-            <a:ext cx="7344816" cy="3899965"/>
-          </a:xfrm>
-          <a:prstGeom prst="rect">
-            <a:avLst/>
-          </a:prstGeom>
-          <a:solidFill>
-            <a:schemeClr val="bg1"/>
-          </a:solidFill>
-          <a:ln w="9525">
-            <a:solidFill>
-              <a:schemeClr val="tx1"/>
-            </a:solidFill>
-            <a:miter lim="800000"/>
-            <a:headEnd/>
-            <a:tailEnd/>
-          </a:ln>
-        </p:spPr>
-        <p:txBody>
-          <a:bodyPr/>
-          <a:lstStyle>
-            <a:lvl1pPr eaLnBrk="0" hangingPunct="0">
-              <a:defRPr sz="2900">
-                <a:solidFill>
-                  <a:schemeClr val="tx1"/>
-                </a:solidFill>
-                <a:latin typeface="Arial" charset="0"/>
-              </a:defRPr>
-            </a:lvl1pPr>
-            <a:lvl2pPr marL="742950" indent="-285750" eaLnBrk="0" hangingPunct="0">
-              <a:defRPr sz="2900">
-                <a:solidFill>
-                  <a:schemeClr val="tx1"/>
-                </a:solidFill>
-                <a:latin typeface="Arial" charset="0"/>
-              </a:defRPr>
-            </a:lvl2pPr>
-            <a:lvl3pPr marL="1143000" indent="-228600" eaLnBrk="0" hangingPunct="0">
-              <a:defRPr sz="2900">
-                <a:solidFill>
-                  <a:schemeClr val="tx1"/>
-                </a:solidFill>
-                <a:latin typeface="Arial" charset="0"/>
-              </a:defRPr>
-            </a:lvl3pPr>
-            <a:lvl4pPr marL="1600200" indent="-228600" eaLnBrk="0" hangingPunct="0">
-              <a:defRPr sz="2900">
-                <a:solidFill>
-                  <a:schemeClr val="tx1"/>
-                </a:solidFill>
-                <a:latin typeface="Arial" charset="0"/>
-              </a:defRPr>
-            </a:lvl4pPr>
-            <a:lvl5pPr marL="2057400" indent="-228600" eaLnBrk="0" hangingPunct="0">
-              <a:defRPr sz="2900">
-                <a:solidFill>
-                  <a:schemeClr val="tx1"/>
-                </a:solidFill>
-                <a:latin typeface="Arial" charset="0"/>
-              </a:defRPr>
-            </a:lvl5pPr>
-            <a:lvl6pPr marL="2514600" indent="-228600" eaLnBrk="0" fontAlgn="base" hangingPunct="0">
-              <a:spcBef>
-                <a:spcPct val="0"/>
-              </a:spcBef>
-              <a:spcAft>
-                <a:spcPct val="0"/>
-              </a:spcAft>
-              <a:defRPr sz="2900">
-                <a:solidFill>
-                  <a:schemeClr val="tx1"/>
-                </a:solidFill>
-                <a:latin typeface="Arial" charset="0"/>
-              </a:defRPr>
-            </a:lvl6pPr>
-            <a:lvl7pPr marL="2971800" indent="-228600" eaLnBrk="0" fontAlgn="base" hangingPunct="0">
-              <a:spcBef>
-                <a:spcPct val="0"/>
-              </a:spcBef>
-              <a:spcAft>
-                <a:spcPct val="0"/>
-              </a:spcAft>
-              <a:defRPr sz="2900">
-                <a:solidFill>
-                  <a:schemeClr val="tx1"/>
-                </a:solidFill>
-                <a:latin typeface="Arial" charset="0"/>
-              </a:defRPr>
-            </a:lvl7pPr>
-            <a:lvl8pPr marL="3429000" indent="-228600" eaLnBrk="0" fontAlgn="base" hangingPunct="0">
-              <a:spcBef>
-                <a:spcPct val="0"/>
-              </a:spcBef>
-              <a:spcAft>
-                <a:spcPct val="0"/>
-              </a:spcAft>
-              <a:defRPr sz="2900">
-                <a:solidFill>
-                  <a:schemeClr val="tx1"/>
-                </a:solidFill>
-                <a:latin typeface="Arial" charset="0"/>
-              </a:defRPr>
-            </a:lvl8pPr>
-            <a:lvl9pPr marL="3886200" indent="-228600" eaLnBrk="0" fontAlgn="base" hangingPunct="0">
-              <a:spcBef>
-                <a:spcPct val="0"/>
-              </a:spcBef>
-              <a:spcAft>
-                <a:spcPct val="0"/>
-              </a:spcAft>
-              <a:defRPr sz="2900">
-                <a:solidFill>
-                  <a:schemeClr val="tx1"/>
-                </a:solidFill>
-                <a:latin typeface="Arial" charset="0"/>
-              </a:defRPr>
-            </a:lvl9pPr>
-          </a:lstStyle>
-          <a:p>
-            <a:pPr eaLnBrk="1" hangingPunct="1"/>
-            <a:endParaRPr lang="x-none" altLang="x-none" sz="2000"/>
           </a:p>
         </p:txBody>
       </p:sp>
@@ -4122,14 +3988,14 @@
           </a:ln>
           <a:extLst>
             <a:ext uri="{909E8E84-426E-40DD-AFC4-6F175D3DCCD1}">
-              <a14:hiddenFill xmlns:a14="http://schemas.microsoft.com/office/drawing/2010/main" xmlns="">
+              <a14:hiddenFill xmlns="" xmlns:a14="http://schemas.microsoft.com/office/drawing/2010/main">
                 <a:solidFill>
                   <a:srgbClr val="FFFFFF"/>
                 </a:solidFill>
               </a14:hiddenFill>
             </a:ext>
             <a:ext uri="{91240B29-F687-4F45-9708-019B960494DF}">
-              <a14:hiddenLine xmlns:a14="http://schemas.microsoft.com/office/drawing/2010/main" xmlns="" w="9525">
+              <a14:hiddenLine xmlns="" xmlns:a14="http://schemas.microsoft.com/office/drawing/2010/main" w="9525">
                 <a:solidFill>
                   <a:srgbClr val="000000"/>
                 </a:solidFill>
@@ -4274,14 +4140,14 @@
           </a:ln>
           <a:extLst>
             <a:ext uri="{909E8E84-426E-40DD-AFC4-6F175D3DCCD1}">
-              <a14:hiddenFill xmlns:a14="http://schemas.microsoft.com/office/drawing/2010/main" xmlns="">
+              <a14:hiddenFill xmlns="" xmlns:a14="http://schemas.microsoft.com/office/drawing/2010/main">
                 <a:solidFill>
                   <a:srgbClr val="FFFFFF"/>
                 </a:solidFill>
               </a14:hiddenFill>
             </a:ext>
             <a:ext uri="{91240B29-F687-4F45-9708-019B960494DF}">
-              <a14:hiddenLine xmlns:a14="http://schemas.microsoft.com/office/drawing/2010/main" xmlns="" w="9525">
+              <a14:hiddenLine xmlns="" xmlns:a14="http://schemas.microsoft.com/office/drawing/2010/main" w="9525">
                 <a:solidFill>
                   <a:srgbClr val="000000"/>
                 </a:solidFill>
@@ -4582,6 +4448,140 @@
           </a:p>
         </p:txBody>
       </p:sp>
+      <p:sp>
+        <p:nvSpPr>
+          <p:cNvPr id="19" name="Rectangle 10"/>
+          <p:cNvSpPr>
+            <a:spLocks noChangeArrowheads="1"/>
+          </p:cNvSpPr>
+          <p:nvPr/>
+        </p:nvSpPr>
+        <p:spPr bwMode="auto">
+          <a:xfrm>
+            <a:off x="144438" y="6426820"/>
+            <a:ext cx="10945216" cy="3899965"/>
+          </a:xfrm>
+          <a:prstGeom prst="rect">
+            <a:avLst/>
+          </a:prstGeom>
+          <a:solidFill>
+            <a:schemeClr val="bg1"/>
+          </a:solidFill>
+          <a:ln w="9525">
+            <a:solidFill>
+              <a:schemeClr val="tx1"/>
+            </a:solidFill>
+            <a:miter lim="800000"/>
+            <a:headEnd/>
+            <a:tailEnd/>
+          </a:ln>
+        </p:spPr>
+        <p:txBody>
+          <a:bodyPr/>
+          <a:lstStyle>
+            <a:lvl1pPr eaLnBrk="0" hangingPunct="0">
+              <a:defRPr sz="2900">
+                <a:solidFill>
+                  <a:schemeClr val="tx1"/>
+                </a:solidFill>
+                <a:latin typeface="Arial" charset="0"/>
+              </a:defRPr>
+            </a:lvl1pPr>
+            <a:lvl2pPr marL="742950" indent="-285750" eaLnBrk="0" hangingPunct="0">
+              <a:defRPr sz="2900">
+                <a:solidFill>
+                  <a:schemeClr val="tx1"/>
+                </a:solidFill>
+                <a:latin typeface="Arial" charset="0"/>
+              </a:defRPr>
+            </a:lvl2pPr>
+            <a:lvl3pPr marL="1143000" indent="-228600" eaLnBrk="0" hangingPunct="0">
+              <a:defRPr sz="2900">
+                <a:solidFill>
+                  <a:schemeClr val="tx1"/>
+                </a:solidFill>
+                <a:latin typeface="Arial" charset="0"/>
+              </a:defRPr>
+            </a:lvl3pPr>
+            <a:lvl4pPr marL="1600200" indent="-228600" eaLnBrk="0" hangingPunct="0">
+              <a:defRPr sz="2900">
+                <a:solidFill>
+                  <a:schemeClr val="tx1"/>
+                </a:solidFill>
+                <a:latin typeface="Arial" charset="0"/>
+              </a:defRPr>
+            </a:lvl4pPr>
+            <a:lvl5pPr marL="2057400" indent="-228600" eaLnBrk="0" hangingPunct="0">
+              <a:defRPr sz="2900">
+                <a:solidFill>
+                  <a:schemeClr val="tx1"/>
+                </a:solidFill>
+                <a:latin typeface="Arial" charset="0"/>
+              </a:defRPr>
+            </a:lvl5pPr>
+            <a:lvl6pPr marL="2514600" indent="-228600" eaLnBrk="0" fontAlgn="base" hangingPunct="0">
+              <a:spcBef>
+                <a:spcPct val="0"/>
+              </a:spcBef>
+              <a:spcAft>
+                <a:spcPct val="0"/>
+              </a:spcAft>
+              <a:defRPr sz="2900">
+                <a:solidFill>
+                  <a:schemeClr val="tx1"/>
+                </a:solidFill>
+                <a:latin typeface="Arial" charset="0"/>
+              </a:defRPr>
+            </a:lvl6pPr>
+            <a:lvl7pPr marL="2971800" indent="-228600" eaLnBrk="0" fontAlgn="base" hangingPunct="0">
+              <a:spcBef>
+                <a:spcPct val="0"/>
+              </a:spcBef>
+              <a:spcAft>
+                <a:spcPct val="0"/>
+              </a:spcAft>
+              <a:defRPr sz="2900">
+                <a:solidFill>
+                  <a:schemeClr val="tx1"/>
+                </a:solidFill>
+                <a:latin typeface="Arial" charset="0"/>
+              </a:defRPr>
+            </a:lvl7pPr>
+            <a:lvl8pPr marL="3429000" indent="-228600" eaLnBrk="0" fontAlgn="base" hangingPunct="0">
+              <a:spcBef>
+                <a:spcPct val="0"/>
+              </a:spcBef>
+              <a:spcAft>
+                <a:spcPct val="0"/>
+              </a:spcAft>
+              <a:defRPr sz="2900">
+                <a:solidFill>
+                  <a:schemeClr val="tx1"/>
+                </a:solidFill>
+                <a:latin typeface="Arial" charset="0"/>
+              </a:defRPr>
+            </a:lvl8pPr>
+            <a:lvl9pPr marL="3886200" indent="-228600" eaLnBrk="0" fontAlgn="base" hangingPunct="0">
+              <a:spcBef>
+                <a:spcPct val="0"/>
+              </a:spcBef>
+              <a:spcAft>
+                <a:spcPct val="0"/>
+              </a:spcAft>
+              <a:defRPr sz="2900">
+                <a:solidFill>
+                  <a:schemeClr val="tx1"/>
+                </a:solidFill>
+                <a:latin typeface="Arial" charset="0"/>
+              </a:defRPr>
+            </a:lvl9pPr>
+          </a:lstStyle>
+          <a:p>
+            <a:pPr eaLnBrk="1" hangingPunct="1"/>
+            <a:endParaRPr lang="x-none" altLang="x-none" sz="2000"/>
+          </a:p>
+        </p:txBody>
+      </p:sp>
       <p:pic>
         <p:nvPicPr>
           <p:cNvPr id="1027" name="Picture 3"/>
@@ -4599,8 +4599,8 @@
         </p:blipFill>
         <p:spPr bwMode="auto">
           <a:xfrm>
-            <a:off x="920198" y="2970436"/>
-            <a:ext cx="5848976" cy="3298438"/>
+            <a:off x="5689054" y="7146900"/>
+            <a:ext cx="5328592" cy="3004976"/>
           </a:xfrm>
           <a:prstGeom prst="rect">
             <a:avLst/>
@@ -4614,140 +4614,6 @@
           </a:ln>
         </p:spPr>
       </p:pic>
-      <p:sp>
-        <p:nvSpPr>
-          <p:cNvPr id="19" name="Rectangle 10"/>
-          <p:cNvSpPr>
-            <a:spLocks noChangeArrowheads="1"/>
-          </p:cNvSpPr>
-          <p:nvPr/>
-        </p:nvSpPr>
-        <p:spPr bwMode="auto">
-          <a:xfrm>
-            <a:off x="144438" y="6426820"/>
-            <a:ext cx="7344816" cy="3899965"/>
-          </a:xfrm>
-          <a:prstGeom prst="rect">
-            <a:avLst/>
-          </a:prstGeom>
-          <a:solidFill>
-            <a:schemeClr val="bg1"/>
-          </a:solidFill>
-          <a:ln w="9525">
-            <a:solidFill>
-              <a:schemeClr val="tx1"/>
-            </a:solidFill>
-            <a:miter lim="800000"/>
-            <a:headEnd/>
-            <a:tailEnd/>
-          </a:ln>
-        </p:spPr>
-        <p:txBody>
-          <a:bodyPr/>
-          <a:lstStyle>
-            <a:lvl1pPr eaLnBrk="0" hangingPunct="0">
-              <a:defRPr sz="2900">
-                <a:solidFill>
-                  <a:schemeClr val="tx1"/>
-                </a:solidFill>
-                <a:latin typeface="Arial" charset="0"/>
-              </a:defRPr>
-            </a:lvl1pPr>
-            <a:lvl2pPr marL="742950" indent="-285750" eaLnBrk="0" hangingPunct="0">
-              <a:defRPr sz="2900">
-                <a:solidFill>
-                  <a:schemeClr val="tx1"/>
-                </a:solidFill>
-                <a:latin typeface="Arial" charset="0"/>
-              </a:defRPr>
-            </a:lvl2pPr>
-            <a:lvl3pPr marL="1143000" indent="-228600" eaLnBrk="0" hangingPunct="0">
-              <a:defRPr sz="2900">
-                <a:solidFill>
-                  <a:schemeClr val="tx1"/>
-                </a:solidFill>
-                <a:latin typeface="Arial" charset="0"/>
-              </a:defRPr>
-            </a:lvl3pPr>
-            <a:lvl4pPr marL="1600200" indent="-228600" eaLnBrk="0" hangingPunct="0">
-              <a:defRPr sz="2900">
-                <a:solidFill>
-                  <a:schemeClr val="tx1"/>
-                </a:solidFill>
-                <a:latin typeface="Arial" charset="0"/>
-              </a:defRPr>
-            </a:lvl4pPr>
-            <a:lvl5pPr marL="2057400" indent="-228600" eaLnBrk="0" hangingPunct="0">
-              <a:defRPr sz="2900">
-                <a:solidFill>
-                  <a:schemeClr val="tx1"/>
-                </a:solidFill>
-                <a:latin typeface="Arial" charset="0"/>
-              </a:defRPr>
-            </a:lvl5pPr>
-            <a:lvl6pPr marL="2514600" indent="-228600" eaLnBrk="0" fontAlgn="base" hangingPunct="0">
-              <a:spcBef>
-                <a:spcPct val="0"/>
-              </a:spcBef>
-              <a:spcAft>
-                <a:spcPct val="0"/>
-              </a:spcAft>
-              <a:defRPr sz="2900">
-                <a:solidFill>
-                  <a:schemeClr val="tx1"/>
-                </a:solidFill>
-                <a:latin typeface="Arial" charset="0"/>
-              </a:defRPr>
-            </a:lvl6pPr>
-            <a:lvl7pPr marL="2971800" indent="-228600" eaLnBrk="0" fontAlgn="base" hangingPunct="0">
-              <a:spcBef>
-                <a:spcPct val="0"/>
-              </a:spcBef>
-              <a:spcAft>
-                <a:spcPct val="0"/>
-              </a:spcAft>
-              <a:defRPr sz="2900">
-                <a:solidFill>
-                  <a:schemeClr val="tx1"/>
-                </a:solidFill>
-                <a:latin typeface="Arial" charset="0"/>
-              </a:defRPr>
-            </a:lvl7pPr>
-            <a:lvl8pPr marL="3429000" indent="-228600" eaLnBrk="0" fontAlgn="base" hangingPunct="0">
-              <a:spcBef>
-                <a:spcPct val="0"/>
-              </a:spcBef>
-              <a:spcAft>
-                <a:spcPct val="0"/>
-              </a:spcAft>
-              <a:defRPr sz="2900">
-                <a:solidFill>
-                  <a:schemeClr val="tx1"/>
-                </a:solidFill>
-                <a:latin typeface="Arial" charset="0"/>
-              </a:defRPr>
-            </a:lvl8pPr>
-            <a:lvl9pPr marL="3886200" indent="-228600" eaLnBrk="0" fontAlgn="base" hangingPunct="0">
-              <a:spcBef>
-                <a:spcPct val="0"/>
-              </a:spcBef>
-              <a:spcAft>
-                <a:spcPct val="0"/>
-              </a:spcAft>
-              <a:defRPr sz="2900">
-                <a:solidFill>
-                  <a:schemeClr val="tx1"/>
-                </a:solidFill>
-                <a:latin typeface="Arial" charset="0"/>
-              </a:defRPr>
-            </a:lvl9pPr>
-          </a:lstStyle>
-          <a:p>
-            <a:pPr eaLnBrk="1" hangingPunct="1"/>
-            <a:endParaRPr lang="x-none" altLang="x-none" sz="2000"/>
-          </a:p>
-        </p:txBody>
-      </p:sp>
       <p:pic>
         <p:nvPicPr>
           <p:cNvPr id="1029" name="Picture 5"/>
@@ -4765,8 +4631,8 @@
         </p:blipFill>
         <p:spPr bwMode="auto">
           <a:xfrm>
-            <a:off x="993204" y="7002884"/>
-            <a:ext cx="5884263" cy="3292615"/>
+            <a:off x="288454" y="7146900"/>
+            <a:ext cx="5369518" cy="3004583"/>
           </a:xfrm>
           <a:prstGeom prst="rect">
             <a:avLst/>
@@ -4922,6 +4788,359 @@
           <a:noFill/>
         </p:spPr>
       </p:pic>
+      <p:sp>
+        <p:nvSpPr>
+          <p:cNvPr id="21" name="Rectangle 10"/>
+          <p:cNvSpPr>
+            <a:spLocks noChangeArrowheads="1"/>
+          </p:cNvSpPr>
+          <p:nvPr/>
+        </p:nvSpPr>
+        <p:spPr bwMode="auto">
+          <a:xfrm>
+            <a:off x="144438" y="2394372"/>
+            <a:ext cx="7375527" cy="3899965"/>
+          </a:xfrm>
+          <a:prstGeom prst="rect">
+            <a:avLst/>
+          </a:prstGeom>
+          <a:solidFill>
+            <a:schemeClr val="bg1"/>
+          </a:solidFill>
+          <a:ln w="9525">
+            <a:solidFill>
+              <a:schemeClr val="tx1"/>
+            </a:solidFill>
+            <a:miter lim="800000"/>
+            <a:headEnd/>
+            <a:tailEnd/>
+          </a:ln>
+        </p:spPr>
+        <p:txBody>
+          <a:bodyPr/>
+          <a:lstStyle>
+            <a:lvl1pPr eaLnBrk="0" hangingPunct="0">
+              <a:defRPr sz="2900">
+                <a:solidFill>
+                  <a:schemeClr val="tx1"/>
+                </a:solidFill>
+                <a:latin typeface="Arial" charset="0"/>
+              </a:defRPr>
+            </a:lvl1pPr>
+            <a:lvl2pPr marL="742950" indent="-285750" eaLnBrk="0" hangingPunct="0">
+              <a:defRPr sz="2900">
+                <a:solidFill>
+                  <a:schemeClr val="tx1"/>
+                </a:solidFill>
+                <a:latin typeface="Arial" charset="0"/>
+              </a:defRPr>
+            </a:lvl2pPr>
+            <a:lvl3pPr marL="1143000" indent="-228600" eaLnBrk="0" hangingPunct="0">
+              <a:defRPr sz="2900">
+                <a:solidFill>
+                  <a:schemeClr val="tx1"/>
+                </a:solidFill>
+                <a:latin typeface="Arial" charset="0"/>
+              </a:defRPr>
+            </a:lvl3pPr>
+            <a:lvl4pPr marL="1600200" indent="-228600" eaLnBrk="0" hangingPunct="0">
+              <a:defRPr sz="2900">
+                <a:solidFill>
+                  <a:schemeClr val="tx1"/>
+                </a:solidFill>
+                <a:latin typeface="Arial" charset="0"/>
+              </a:defRPr>
+            </a:lvl4pPr>
+            <a:lvl5pPr marL="2057400" indent="-228600" eaLnBrk="0" hangingPunct="0">
+              <a:defRPr sz="2900">
+                <a:solidFill>
+                  <a:schemeClr val="tx1"/>
+                </a:solidFill>
+                <a:latin typeface="Arial" charset="0"/>
+              </a:defRPr>
+            </a:lvl5pPr>
+            <a:lvl6pPr marL="2514600" indent="-228600" eaLnBrk="0" fontAlgn="base" hangingPunct="0">
+              <a:spcBef>
+                <a:spcPct val="0"/>
+              </a:spcBef>
+              <a:spcAft>
+                <a:spcPct val="0"/>
+              </a:spcAft>
+              <a:defRPr sz="2900">
+                <a:solidFill>
+                  <a:schemeClr val="tx1"/>
+                </a:solidFill>
+                <a:latin typeface="Arial" charset="0"/>
+              </a:defRPr>
+            </a:lvl6pPr>
+            <a:lvl7pPr marL="2971800" indent="-228600" eaLnBrk="0" fontAlgn="base" hangingPunct="0">
+              <a:spcBef>
+                <a:spcPct val="0"/>
+              </a:spcBef>
+              <a:spcAft>
+                <a:spcPct val="0"/>
+              </a:spcAft>
+              <a:defRPr sz="2900">
+                <a:solidFill>
+                  <a:schemeClr val="tx1"/>
+                </a:solidFill>
+                <a:latin typeface="Arial" charset="0"/>
+              </a:defRPr>
+            </a:lvl7pPr>
+            <a:lvl8pPr marL="3429000" indent="-228600" eaLnBrk="0" fontAlgn="base" hangingPunct="0">
+              <a:spcBef>
+                <a:spcPct val="0"/>
+              </a:spcBef>
+              <a:spcAft>
+                <a:spcPct val="0"/>
+              </a:spcAft>
+              <a:defRPr sz="2900">
+                <a:solidFill>
+                  <a:schemeClr val="tx1"/>
+                </a:solidFill>
+                <a:latin typeface="Arial" charset="0"/>
+              </a:defRPr>
+            </a:lvl8pPr>
+            <a:lvl9pPr marL="3886200" indent="-228600" eaLnBrk="0" fontAlgn="base" hangingPunct="0">
+              <a:spcBef>
+                <a:spcPct val="0"/>
+              </a:spcBef>
+              <a:spcAft>
+                <a:spcPct val="0"/>
+              </a:spcAft>
+              <a:defRPr sz="2900">
+                <a:solidFill>
+                  <a:schemeClr val="tx1"/>
+                </a:solidFill>
+                <a:latin typeface="Arial" charset="0"/>
+              </a:defRPr>
+            </a:lvl9pPr>
+          </a:lstStyle>
+          <a:p>
+            <a:pPr eaLnBrk="1" hangingPunct="1"/>
+            <a:endParaRPr lang="x-none" altLang="x-none" sz="2000"/>
+          </a:p>
+        </p:txBody>
+      </p:sp>
+      <p:sp>
+        <p:nvSpPr>
+          <p:cNvPr id="22" name="Text Box 6"/>
+          <p:cNvSpPr txBox="1">
+            <a:spLocks noChangeArrowheads="1"/>
+          </p:cNvSpPr>
+          <p:nvPr/>
+        </p:nvSpPr>
+        <p:spPr bwMode="auto">
+          <a:xfrm>
+            <a:off x="1872630" y="2538388"/>
+            <a:ext cx="3528392" cy="493901"/>
+          </a:xfrm>
+          <a:prstGeom prst="rect">
+            <a:avLst/>
+          </a:prstGeom>
+          <a:noFill/>
+          <a:ln>
+            <a:noFill/>
+          </a:ln>
+          <a:extLst>
+            <a:ext uri="{909E8E84-426E-40DD-AFC4-6F175D3DCCD1}">
+              <a14:hiddenFill xmlns="" xmlns:a14="http://schemas.microsoft.com/office/drawing/2010/main">
+                <a:solidFill>
+                  <a:srgbClr val="FFFFFF"/>
+                </a:solidFill>
+              </a14:hiddenFill>
+            </a:ext>
+            <a:ext uri="{91240B29-F687-4F45-9708-019B960494DF}">
+              <a14:hiddenLine xmlns="" xmlns:a14="http://schemas.microsoft.com/office/drawing/2010/main" w="9525">
+                <a:solidFill>
+                  <a:srgbClr val="000000"/>
+                </a:solidFill>
+                <a:miter lim="800000"/>
+                <a:headEnd/>
+                <a:tailEnd/>
+              </a14:hiddenLine>
+            </a:ext>
+          </a:extLst>
+        </p:spPr>
+        <p:txBody>
+          <a:bodyPr wrap="square" lIns="47165" tIns="23582" rIns="47165" bIns="23582">
+            <a:spAutoFit/>
+          </a:bodyPr>
+          <a:lstStyle>
+            <a:lvl1pPr defTabSz="1433513" eaLnBrk="0" hangingPunct="0">
+              <a:defRPr sz="2900">
+                <a:solidFill>
+                  <a:schemeClr val="tx1"/>
+                </a:solidFill>
+                <a:latin typeface="Arial" charset="0"/>
+              </a:defRPr>
+            </a:lvl1pPr>
+            <a:lvl2pPr marL="742950" indent="-285750" defTabSz="1433513" eaLnBrk="0" hangingPunct="0">
+              <a:defRPr sz="2900">
+                <a:solidFill>
+                  <a:schemeClr val="tx1"/>
+                </a:solidFill>
+                <a:latin typeface="Arial" charset="0"/>
+              </a:defRPr>
+            </a:lvl2pPr>
+            <a:lvl3pPr marL="1143000" indent="-228600" defTabSz="1433513" eaLnBrk="0" hangingPunct="0">
+              <a:defRPr sz="2900">
+                <a:solidFill>
+                  <a:schemeClr val="tx1"/>
+                </a:solidFill>
+                <a:latin typeface="Arial" charset="0"/>
+              </a:defRPr>
+            </a:lvl3pPr>
+            <a:lvl4pPr marL="1600200" indent="-228600" defTabSz="1433513" eaLnBrk="0" hangingPunct="0">
+              <a:defRPr sz="2900">
+                <a:solidFill>
+                  <a:schemeClr val="tx1"/>
+                </a:solidFill>
+                <a:latin typeface="Arial" charset="0"/>
+              </a:defRPr>
+            </a:lvl4pPr>
+            <a:lvl5pPr marL="2057400" indent="-228600" defTabSz="1433513" eaLnBrk="0" hangingPunct="0">
+              <a:defRPr sz="2900">
+                <a:solidFill>
+                  <a:schemeClr val="tx1"/>
+                </a:solidFill>
+                <a:latin typeface="Arial" charset="0"/>
+              </a:defRPr>
+            </a:lvl5pPr>
+            <a:lvl6pPr marL="2514600" indent="-228600" defTabSz="1433513" eaLnBrk="0" fontAlgn="base" hangingPunct="0">
+              <a:spcBef>
+                <a:spcPct val="0"/>
+              </a:spcBef>
+              <a:spcAft>
+                <a:spcPct val="0"/>
+              </a:spcAft>
+              <a:defRPr sz="2900">
+                <a:solidFill>
+                  <a:schemeClr val="tx1"/>
+                </a:solidFill>
+                <a:latin typeface="Arial" charset="0"/>
+              </a:defRPr>
+            </a:lvl6pPr>
+            <a:lvl7pPr marL="2971800" indent="-228600" defTabSz="1433513" eaLnBrk="0" fontAlgn="base" hangingPunct="0">
+              <a:spcBef>
+                <a:spcPct val="0"/>
+              </a:spcBef>
+              <a:spcAft>
+                <a:spcPct val="0"/>
+              </a:spcAft>
+              <a:defRPr sz="2900">
+                <a:solidFill>
+                  <a:schemeClr val="tx1"/>
+                </a:solidFill>
+                <a:latin typeface="Arial" charset="0"/>
+              </a:defRPr>
+            </a:lvl7pPr>
+            <a:lvl8pPr marL="3429000" indent="-228600" defTabSz="1433513" eaLnBrk="0" fontAlgn="base" hangingPunct="0">
+              <a:spcBef>
+                <a:spcPct val="0"/>
+              </a:spcBef>
+              <a:spcAft>
+                <a:spcPct val="0"/>
+              </a:spcAft>
+              <a:defRPr sz="2900">
+                <a:solidFill>
+                  <a:schemeClr val="tx1"/>
+                </a:solidFill>
+                <a:latin typeface="Arial" charset="0"/>
+              </a:defRPr>
+            </a:lvl8pPr>
+            <a:lvl9pPr marL="3886200" indent="-228600" defTabSz="1433513" eaLnBrk="0" fontAlgn="base" hangingPunct="0">
+              <a:spcBef>
+                <a:spcPct val="0"/>
+              </a:spcBef>
+              <a:spcAft>
+                <a:spcPct val="0"/>
+              </a:spcAft>
+              <a:defRPr sz="2900">
+                <a:solidFill>
+                  <a:schemeClr val="tx1"/>
+                </a:solidFill>
+                <a:latin typeface="Arial" charset="0"/>
+              </a:defRPr>
+            </a:lvl9pPr>
+          </a:lstStyle>
+          <a:p>
+            <a:pPr algn="ctr" eaLnBrk="1" hangingPunct="1">
+              <a:spcBef>
+                <a:spcPct val="50000"/>
+              </a:spcBef>
+            </a:pPr>
+            <a:r>
+              <a:rPr lang="en-US" altLang="x-none" dirty="0" smtClean="0"/>
+              <a:t>Features</a:t>
+            </a:r>
+          </a:p>
+        </p:txBody>
+      </p:sp>
+      <p:sp>
+        <p:nvSpPr>
+          <p:cNvPr id="23" name="TextBox 22"/>
+          <p:cNvSpPr txBox="1"/>
+          <p:nvPr/>
+        </p:nvSpPr>
+        <p:spPr>
+          <a:xfrm>
+            <a:off x="648494" y="3330476"/>
+            <a:ext cx="5976664" cy="2246769"/>
+          </a:xfrm>
+          <a:prstGeom prst="rect">
+            <a:avLst/>
+          </a:prstGeom>
+          <a:noFill/>
+        </p:spPr>
+        <p:txBody>
+          <a:bodyPr wrap="square" rtlCol="0">
+            <a:spAutoFit/>
+          </a:bodyPr>
+          <a:lstStyle/>
+          <a:p>
+            <a:pPr>
+              <a:buFont typeface="Arial" pitchFamily="34" charset="0"/>
+              <a:buChar char="•"/>
+            </a:pPr>
+            <a:r>
+              <a:rPr lang="en-GB" sz="2000" dirty="0" smtClean="0"/>
+              <a:t>1-on-1 multiplayer card game with a dark fantasy theme.</a:t>
+            </a:r>
+          </a:p>
+          <a:p>
+            <a:pPr>
+              <a:buFont typeface="Arial" pitchFamily="34" charset="0"/>
+              <a:buChar char="•"/>
+            </a:pPr>
+            <a:r>
+              <a:rPr lang="en-GB" sz="2000" dirty="0" smtClean="0"/>
+              <a:t>Gameplay designed around resource management.</a:t>
+            </a:r>
+          </a:p>
+          <a:p>
+            <a:pPr>
+              <a:buFont typeface="Arial" pitchFamily="34" charset="0"/>
+              <a:buChar char="•"/>
+            </a:pPr>
+            <a:r>
+              <a:rPr lang="en-GB" sz="2000" dirty="0" smtClean="0"/>
+              <a:t>A wide variety of cards to build your deck from.</a:t>
+            </a:r>
+          </a:p>
+          <a:p>
+            <a:pPr>
+              <a:buFont typeface="Arial" pitchFamily="34" charset="0"/>
+              <a:buChar char="•"/>
+            </a:pPr>
+            <a:r>
+              <a:rPr lang="en-GB" sz="2000" dirty="0" smtClean="0"/>
+              <a:t>Lord cards with powerful abilities that can turn the tide of battle.</a:t>
+            </a:r>
+            <a:endParaRPr lang="en-GB" sz="2000" dirty="0"/>
+          </a:p>
+        </p:txBody>
+      </p:sp>
     </p:spTree>
   </p:cSld>
   <p:clrMapOvr>
@@ -5774,15 +5993,6 @@
 </file>
 
 <file path=customXml/item1.xml><?xml version="1.0" encoding="utf-8"?>
-<?mso-contentType ?>
-<FormTemplates xmlns="http://schemas.microsoft.com/sharepoint/v3/contenttype/forms">
-  <Display>DocumentLibraryForm</Display>
-  <Edit>DocumentLibraryForm</Edit>
-  <New>DocumentLibraryForm</New>
-</FormTemplates>
-</file>
-
-<file path=customXml/item2.xml><?xml version="1.0" encoding="utf-8"?>
 <ct:contentTypeSchema xmlns:ct="http://schemas.microsoft.com/office/2006/metadata/contentType" xmlns:ma="http://schemas.microsoft.com/office/2006/metadata/properties/metaAttributes" ct:_="" ma:_="" ma:contentTypeName="Document" ma:contentTypeID="0x01010097D40E6585C8784EB4F7A91A219ECB38" ma:contentTypeVersion="0" ma:contentTypeDescription="Create a new document." ma:contentTypeScope="" ma:versionID="225f1df7c0d1d866e72199d38b91779e">
   <xsd:schema xmlns:xsd="http://www.w3.org/2001/XMLSchema" xmlns:p="http://schemas.microsoft.com/office/2006/metadata/properties" targetNamespace="http://schemas.microsoft.com/office/2006/metadata/properties" ma:root="true" ma:fieldsID="4aeb20c0e3442673af7ee10786458764">
     <xsd:element name="properties">
@@ -5831,15 +6041,16 @@
 </ct:contentTypeSchema>
 </file>
 
-<file path=customXml/itemProps1.xml><?xml version="1.0" encoding="utf-8"?>
-<ds:datastoreItem xmlns:ds="http://schemas.openxmlformats.org/officeDocument/2006/customXml" ds:itemID="{54D0D3C5-34E4-4C50-AEF0-1975AC22AD53}">
-  <ds:schemaRefs>
-    <ds:schemaRef ds:uri="http://schemas.microsoft.com/sharepoint/v3/contenttype/forms"/>
-  </ds:schemaRefs>
-</ds:datastoreItem>
+<file path=customXml/item2.xml><?xml version="1.0" encoding="utf-8"?>
+<?mso-contentType ?>
+<FormTemplates xmlns="http://schemas.microsoft.com/sharepoint/v3/contenttype/forms">
+  <Display>DocumentLibraryForm</Display>
+  <Edit>DocumentLibraryForm</Edit>
+  <New>DocumentLibraryForm</New>
+</FormTemplates>
 </file>
 
-<file path=customXml/itemProps2.xml><?xml version="1.0" encoding="utf-8"?>
+<file path=customXml/itemProps1.xml><?xml version="1.0" encoding="utf-8"?>
 <ds:datastoreItem xmlns:ds="http://schemas.openxmlformats.org/officeDocument/2006/customXml" ds:itemID="{069E428E-B4E8-4A06-9EB6-04820EC0F3C0}">
   <ds:schemaRefs>
     <ds:schemaRef ds:uri="http://schemas.microsoft.com/office/2006/metadata/contentType"/>
@@ -5852,4 +6063,12 @@
     <ds:schemaRef ds:uri="http://schemas.microsoft.com/office/internal/2005/internalDocumentation"/>
   </ds:schemaRefs>
 </ds:datastoreItem>
+</file>
+
+<file path=customXml/itemProps2.xml><?xml version="1.0" encoding="utf-8"?>
+<ds:datastoreItem xmlns:ds="http://schemas.openxmlformats.org/officeDocument/2006/customXml" ds:itemID="{54D0D3C5-34E4-4C50-AEF0-1975AC22AD53}">
+  <ds:schemaRefs>
+    <ds:schemaRef ds:uri="http://schemas.microsoft.com/sharepoint/v3/contenttype/forms"/>
+  </ds:schemaRefs>
+</ds:datastoreItem>
 </file>
--- a/Open Day Poster.pptx
+++ b/Open Day Poster.pptx
@@ -5086,7 +5086,7 @@
         <p:spPr>
           <a:xfrm>
             <a:off x="648494" y="3330476"/>
-            <a:ext cx="5976664" cy="2246769"/>
+            <a:ext cx="5976664" cy="1938992"/>
           </a:xfrm>
           <a:prstGeom prst="rect">
             <a:avLst/>
@@ -5105,7 +5105,7 @@
             </a:pPr>
             <a:r>
               <a:rPr lang="en-GB" sz="2000" dirty="0" smtClean="0"/>
-              <a:t>1-on-1 multiplayer card game with a dark fantasy theme.</a:t>
+              <a:t>1-on-1 online multiplayer card game with a </a:t>
             </a:r>
           </a:p>
           <a:p>
@@ -5115,7 +5115,11 @@
             </a:pPr>
             <a:r>
               <a:rPr lang="en-GB" sz="2000" dirty="0" smtClean="0"/>
-              <a:t>Gameplay designed around resource management.</a:t>
+              <a:t>D</a:t>
+            </a:r>
+            <a:r>
+              <a:rPr lang="en-GB" sz="2000" dirty="0" smtClean="0"/>
+              <a:t>ark fantasy theme.</a:t>
             </a:r>
           </a:p>
           <a:p>
@@ -5125,7 +5129,17 @@
             </a:pPr>
             <a:r>
               <a:rPr lang="en-GB" sz="2000" dirty="0" smtClean="0"/>
-              <a:t>A wide variety of cards to build your deck from.</a:t>
+              <a:t>Resource management.</a:t>
+            </a:r>
+          </a:p>
+          <a:p>
+            <a:pPr>
+              <a:buFont typeface="Arial" pitchFamily="34" charset="0"/>
+              <a:buChar char="•"/>
+            </a:pPr>
+            <a:r>
+              <a:rPr lang="en-GB" sz="2000" dirty="0" smtClean="0"/>
+              <a:t>A wide variety of cards.</a:t>
             </a:r>
           </a:p>
           <a:p>

--- a/Open Day Poster.pptx
+++ b/Open Day Poster.pptx
@@ -4,8 +4,13 @@
   <p:sldMasterIdLst>
     <p:sldMasterId id="2147483648" r:id="rId3"/>
   </p:sldMasterIdLst>
+  <p:notesMasterIdLst>
+    <p:notesMasterId r:id="rId7"/>
+  </p:notesMasterIdLst>
   <p:sldIdLst>
-    <p:sldId id="256" r:id="rId4"/>
+    <p:sldId id="259" r:id="rId4"/>
+    <p:sldId id="256" r:id="rId5"/>
+    <p:sldId id="258" r:id="rId6"/>
   </p:sldIdLst>
   <p:sldSz cx="15122525" cy="10693400"/>
   <p:notesSz cx="20929600" cy="29819600"/>
@@ -135,6 +140,601 @@
     </a:lvl9pPr>
   </p:defaultTextStyle>
 </p:presentation>
+</file>
+
+<file path=ppt/notesMasters/notesMaster1.xml><?xml version="1.0" encoding="utf-8"?>
+<p:notesMaster xmlns:a="http://schemas.openxmlformats.org/drawingml/2006/main" xmlns:r="http://schemas.openxmlformats.org/officeDocument/2006/relationships" xmlns:p="http://schemas.openxmlformats.org/presentationml/2006/main">
+  <p:cSld>
+    <p:bg>
+      <p:bgRef idx="1001">
+        <a:schemeClr val="bg1"/>
+      </p:bgRef>
+    </p:bg>
+    <p:spTree>
+      <p:nvGrpSpPr>
+        <p:cNvPr id="1" name=""/>
+        <p:cNvGrpSpPr/>
+        <p:nvPr/>
+      </p:nvGrpSpPr>
+      <p:grpSpPr>
+        <a:xfrm>
+          <a:off x="0" y="0"/>
+          <a:ext cx="0" cy="0"/>
+          <a:chOff x="0" y="0"/>
+          <a:chExt cx="0" cy="0"/>
+        </a:xfrm>
+      </p:grpSpPr>
+      <p:sp>
+        <p:nvSpPr>
+          <p:cNvPr id="2" name="Header Placeholder 1"/>
+          <p:cNvSpPr>
+            <a:spLocks noGrp="1"/>
+          </p:cNvSpPr>
+          <p:nvPr>
+            <p:ph type="hdr" sz="quarter"/>
+          </p:nvPr>
+        </p:nvSpPr>
+        <p:spPr>
+          <a:xfrm>
+            <a:off x="0" y="0"/>
+            <a:ext cx="9069388" cy="1490663"/>
+          </a:xfrm>
+          <a:prstGeom prst="rect">
+            <a:avLst/>
+          </a:prstGeom>
+        </p:spPr>
+        <p:txBody>
+          <a:bodyPr vert="horz" lIns="91440" tIns="45720" rIns="91440" bIns="45720" rtlCol="0"/>
+          <a:lstStyle>
+            <a:lvl1pPr algn="l">
+              <a:defRPr sz="1200"/>
+            </a:lvl1pPr>
+          </a:lstStyle>
+          <a:p>
+            <a:endParaRPr lang="en-GB"/>
+          </a:p>
+        </p:txBody>
+      </p:sp>
+      <p:sp>
+        <p:nvSpPr>
+          <p:cNvPr id="3" name="Date Placeholder 2"/>
+          <p:cNvSpPr>
+            <a:spLocks noGrp="1"/>
+          </p:cNvSpPr>
+          <p:nvPr>
+            <p:ph type="dt" idx="1"/>
+          </p:nvPr>
+        </p:nvSpPr>
+        <p:spPr>
+          <a:xfrm>
+            <a:off x="11855450" y="0"/>
+            <a:ext cx="9069388" cy="1490663"/>
+          </a:xfrm>
+          <a:prstGeom prst="rect">
+            <a:avLst/>
+          </a:prstGeom>
+        </p:spPr>
+        <p:txBody>
+          <a:bodyPr vert="horz" lIns="91440" tIns="45720" rIns="91440" bIns="45720" rtlCol="0"/>
+          <a:lstStyle>
+            <a:lvl1pPr algn="r">
+              <a:defRPr sz="1200"/>
+            </a:lvl1pPr>
+          </a:lstStyle>
+          <a:p>
+            <a:fld id="{AB1D3A28-D6BB-42C6-AC59-9B24B10AD5A8}" type="datetimeFigureOut">
+              <a:rPr lang="en-GB" smtClean="0"/>
+              <a:pPr/>
+              <a:t>10/03/2020</a:t>
+            </a:fld>
+            <a:endParaRPr lang="en-GB"/>
+          </a:p>
+        </p:txBody>
+      </p:sp>
+      <p:sp>
+        <p:nvSpPr>
+          <p:cNvPr id="4" name="Slide Image Placeholder 3"/>
+          <p:cNvSpPr>
+            <a:spLocks noGrp="1" noRot="1" noChangeAspect="1"/>
+          </p:cNvSpPr>
+          <p:nvPr>
+            <p:ph type="sldImg" idx="2"/>
+          </p:nvPr>
+        </p:nvSpPr>
+        <p:spPr>
+          <a:xfrm>
+            <a:off x="2559050" y="2236788"/>
+            <a:ext cx="15811500" cy="11182350"/>
+          </a:xfrm>
+          <a:prstGeom prst="rect">
+            <a:avLst/>
+          </a:prstGeom>
+          <a:noFill/>
+          <a:ln w="12700">
+            <a:solidFill>
+              <a:prstClr val="black"/>
+            </a:solidFill>
+          </a:ln>
+        </p:spPr>
+        <p:txBody>
+          <a:bodyPr vert="horz" lIns="91440" tIns="45720" rIns="91440" bIns="45720" rtlCol="0" anchor="ctr"/>
+          <a:lstStyle/>
+          <a:p>
+            <a:endParaRPr lang="en-GB"/>
+          </a:p>
+        </p:txBody>
+      </p:sp>
+      <p:sp>
+        <p:nvSpPr>
+          <p:cNvPr id="5" name="Notes Placeholder 4"/>
+          <p:cNvSpPr>
+            <a:spLocks noGrp="1"/>
+          </p:cNvSpPr>
+          <p:nvPr>
+            <p:ph type="body" sz="quarter" idx="3"/>
+          </p:nvPr>
+        </p:nvSpPr>
+        <p:spPr>
+          <a:xfrm>
+            <a:off x="2092325" y="14163675"/>
+            <a:ext cx="16744950" cy="13419138"/>
+          </a:xfrm>
+          <a:prstGeom prst="rect">
+            <a:avLst/>
+          </a:prstGeom>
+        </p:spPr>
+        <p:txBody>
+          <a:bodyPr vert="horz" lIns="91440" tIns="45720" rIns="91440" bIns="45720" rtlCol="0">
+            <a:normAutofit/>
+          </a:bodyPr>
+          <a:lstStyle/>
+          <a:p>
+            <a:pPr lvl="0"/>
+            <a:r>
+              <a:rPr lang="en-US" smtClean="0"/>
+              <a:t>Click to edit Master text styles</a:t>
+            </a:r>
+          </a:p>
+          <a:p>
+            <a:pPr lvl="1"/>
+            <a:r>
+              <a:rPr lang="en-US" smtClean="0"/>
+              <a:t>Second level</a:t>
+            </a:r>
+          </a:p>
+          <a:p>
+            <a:pPr lvl="2"/>
+            <a:r>
+              <a:rPr lang="en-US" smtClean="0"/>
+              <a:t>Third level</a:t>
+            </a:r>
+          </a:p>
+          <a:p>
+            <a:pPr lvl="3"/>
+            <a:r>
+              <a:rPr lang="en-US" smtClean="0"/>
+              <a:t>Fourth level</a:t>
+            </a:r>
+          </a:p>
+          <a:p>
+            <a:pPr lvl="4"/>
+            <a:r>
+              <a:rPr lang="en-US" smtClean="0"/>
+              <a:t>Fifth level</a:t>
+            </a:r>
+            <a:endParaRPr lang="en-GB"/>
+          </a:p>
+        </p:txBody>
+      </p:sp>
+      <p:sp>
+        <p:nvSpPr>
+          <p:cNvPr id="6" name="Footer Placeholder 5"/>
+          <p:cNvSpPr>
+            <a:spLocks noGrp="1"/>
+          </p:cNvSpPr>
+          <p:nvPr>
+            <p:ph type="ftr" sz="quarter" idx="4"/>
+          </p:nvPr>
+        </p:nvSpPr>
+        <p:spPr>
+          <a:xfrm>
+            <a:off x="0" y="28324175"/>
+            <a:ext cx="9069388" cy="1490663"/>
+          </a:xfrm>
+          <a:prstGeom prst="rect">
+            <a:avLst/>
+          </a:prstGeom>
+        </p:spPr>
+        <p:txBody>
+          <a:bodyPr vert="horz" lIns="91440" tIns="45720" rIns="91440" bIns="45720" rtlCol="0" anchor="b"/>
+          <a:lstStyle>
+            <a:lvl1pPr algn="l">
+              <a:defRPr sz="1200"/>
+            </a:lvl1pPr>
+          </a:lstStyle>
+          <a:p>
+            <a:endParaRPr lang="en-GB"/>
+          </a:p>
+        </p:txBody>
+      </p:sp>
+      <p:sp>
+        <p:nvSpPr>
+          <p:cNvPr id="7" name="Slide Number Placeholder 6"/>
+          <p:cNvSpPr>
+            <a:spLocks noGrp="1"/>
+          </p:cNvSpPr>
+          <p:nvPr>
+            <p:ph type="sldNum" sz="quarter" idx="5"/>
+          </p:nvPr>
+        </p:nvSpPr>
+        <p:spPr>
+          <a:xfrm>
+            <a:off x="11855450" y="28324175"/>
+            <a:ext cx="9069388" cy="1490663"/>
+          </a:xfrm>
+          <a:prstGeom prst="rect">
+            <a:avLst/>
+          </a:prstGeom>
+        </p:spPr>
+        <p:txBody>
+          <a:bodyPr vert="horz" lIns="91440" tIns="45720" rIns="91440" bIns="45720" rtlCol="0" anchor="b"/>
+          <a:lstStyle>
+            <a:lvl1pPr algn="r">
+              <a:defRPr sz="1200"/>
+            </a:lvl1pPr>
+          </a:lstStyle>
+          <a:p>
+            <a:fld id="{068C3725-21BC-4194-88AE-C49778A7E28C}" type="slidenum">
+              <a:rPr lang="en-GB" smtClean="0"/>
+              <a:pPr/>
+              <a:t>‹#›</a:t>
+            </a:fld>
+            <a:endParaRPr lang="en-GB"/>
+          </a:p>
+        </p:txBody>
+      </p:sp>
+    </p:spTree>
+  </p:cSld>
+  <p:clrMap bg1="lt1" tx1="dk1" bg2="lt2" tx2="dk2" accent1="accent1" accent2="accent2" accent3="accent3" accent4="accent4" accent5="accent5" accent6="accent6" hlink="hlink" folHlink="folHlink"/>
+  <p:notesStyle>
+    <a:lvl1pPr marL="0" algn="l" defTabSz="914400" rtl="0" eaLnBrk="1" latinLnBrk="0" hangingPunct="1">
+      <a:defRPr sz="1200" kern="1200">
+        <a:solidFill>
+          <a:schemeClr val="tx1"/>
+        </a:solidFill>
+        <a:latin typeface="+mn-lt"/>
+        <a:ea typeface="+mn-ea"/>
+        <a:cs typeface="+mn-cs"/>
+      </a:defRPr>
+    </a:lvl1pPr>
+    <a:lvl2pPr marL="457200" algn="l" defTabSz="914400" rtl="0" eaLnBrk="1" latinLnBrk="0" hangingPunct="1">
+      <a:defRPr sz="1200" kern="1200">
+        <a:solidFill>
+          <a:schemeClr val="tx1"/>
+        </a:solidFill>
+        <a:latin typeface="+mn-lt"/>
+        <a:ea typeface="+mn-ea"/>
+        <a:cs typeface="+mn-cs"/>
+      </a:defRPr>
+    </a:lvl2pPr>
+    <a:lvl3pPr marL="914400" algn="l" defTabSz="914400" rtl="0" eaLnBrk="1" latinLnBrk="0" hangingPunct="1">
+      <a:defRPr sz="1200" kern="1200">
+        <a:solidFill>
+          <a:schemeClr val="tx1"/>
+        </a:solidFill>
+        <a:latin typeface="+mn-lt"/>
+        <a:ea typeface="+mn-ea"/>
+        <a:cs typeface="+mn-cs"/>
+      </a:defRPr>
+    </a:lvl3pPr>
+    <a:lvl4pPr marL="1371600" algn="l" defTabSz="914400" rtl="0" eaLnBrk="1" latinLnBrk="0" hangingPunct="1">
+      <a:defRPr sz="1200" kern="1200">
+        <a:solidFill>
+          <a:schemeClr val="tx1"/>
+        </a:solidFill>
+        <a:latin typeface="+mn-lt"/>
+        <a:ea typeface="+mn-ea"/>
+        <a:cs typeface="+mn-cs"/>
+      </a:defRPr>
+    </a:lvl4pPr>
+    <a:lvl5pPr marL="1828800" algn="l" defTabSz="914400" rtl="0" eaLnBrk="1" latinLnBrk="0" hangingPunct="1">
+      <a:defRPr sz="1200" kern="1200">
+        <a:solidFill>
+          <a:schemeClr val="tx1"/>
+        </a:solidFill>
+        <a:latin typeface="+mn-lt"/>
+        <a:ea typeface="+mn-ea"/>
+        <a:cs typeface="+mn-cs"/>
+      </a:defRPr>
+    </a:lvl5pPr>
+    <a:lvl6pPr marL="2286000" algn="l" defTabSz="914400" rtl="0" eaLnBrk="1" latinLnBrk="0" hangingPunct="1">
+      <a:defRPr sz="1200" kern="1200">
+        <a:solidFill>
+          <a:schemeClr val="tx1"/>
+        </a:solidFill>
+        <a:latin typeface="+mn-lt"/>
+        <a:ea typeface="+mn-ea"/>
+        <a:cs typeface="+mn-cs"/>
+      </a:defRPr>
+    </a:lvl6pPr>
+    <a:lvl7pPr marL="2743200" algn="l" defTabSz="914400" rtl="0" eaLnBrk="1" latinLnBrk="0" hangingPunct="1">
+      <a:defRPr sz="1200" kern="1200">
+        <a:solidFill>
+          <a:schemeClr val="tx1"/>
+        </a:solidFill>
+        <a:latin typeface="+mn-lt"/>
+        <a:ea typeface="+mn-ea"/>
+        <a:cs typeface="+mn-cs"/>
+      </a:defRPr>
+    </a:lvl7pPr>
+    <a:lvl8pPr marL="3200400" algn="l" defTabSz="914400" rtl="0" eaLnBrk="1" latinLnBrk="0" hangingPunct="1">
+      <a:defRPr sz="1200" kern="1200">
+        <a:solidFill>
+          <a:schemeClr val="tx1"/>
+        </a:solidFill>
+        <a:latin typeface="+mn-lt"/>
+        <a:ea typeface="+mn-ea"/>
+        <a:cs typeface="+mn-cs"/>
+      </a:defRPr>
+    </a:lvl8pPr>
+    <a:lvl9pPr marL="3657600" algn="l" defTabSz="914400" rtl="0" eaLnBrk="1" latinLnBrk="0" hangingPunct="1">
+      <a:defRPr sz="1200" kern="1200">
+        <a:solidFill>
+          <a:schemeClr val="tx1"/>
+        </a:solidFill>
+        <a:latin typeface="+mn-lt"/>
+        <a:ea typeface="+mn-ea"/>
+        <a:cs typeface="+mn-cs"/>
+      </a:defRPr>
+    </a:lvl9pPr>
+  </p:notesStyle>
+</p:notesMaster>
+</file>
+
+<file path=ppt/notesSlides/notesSlide1.xml><?xml version="1.0" encoding="utf-8"?>
+<p:notes xmlns:a="http://schemas.openxmlformats.org/drawingml/2006/main" xmlns:r="http://schemas.openxmlformats.org/officeDocument/2006/relationships" xmlns:p="http://schemas.openxmlformats.org/presentationml/2006/main">
+  <p:cSld>
+    <p:spTree>
+      <p:nvGrpSpPr>
+        <p:cNvPr id="1" name=""/>
+        <p:cNvGrpSpPr/>
+        <p:nvPr/>
+      </p:nvGrpSpPr>
+      <p:grpSpPr>
+        <a:xfrm>
+          <a:off x="0" y="0"/>
+          <a:ext cx="0" cy="0"/>
+          <a:chOff x="0" y="0"/>
+          <a:chExt cx="0" cy="0"/>
+        </a:xfrm>
+      </p:grpSpPr>
+      <p:sp>
+        <p:nvSpPr>
+          <p:cNvPr id="2" name="Slide Image Placeholder 1"/>
+          <p:cNvSpPr>
+            <a:spLocks noGrp="1" noRot="1" noChangeAspect="1"/>
+          </p:cNvSpPr>
+          <p:nvPr>
+            <p:ph type="sldImg"/>
+          </p:nvPr>
+        </p:nvSpPr>
+        <p:spPr/>
+      </p:sp>
+      <p:sp>
+        <p:nvSpPr>
+          <p:cNvPr id="3" name="Notes Placeholder 2"/>
+          <p:cNvSpPr>
+            <a:spLocks noGrp="1"/>
+          </p:cNvSpPr>
+          <p:nvPr>
+            <p:ph type="body" idx="1"/>
+          </p:nvPr>
+        </p:nvSpPr>
+        <p:spPr/>
+        <p:txBody>
+          <a:bodyPr>
+            <a:normAutofit/>
+          </a:bodyPr>
+          <a:lstStyle/>
+          <a:p>
+            <a:endParaRPr lang="en-GB" dirty="0"/>
+          </a:p>
+        </p:txBody>
+      </p:sp>
+      <p:sp>
+        <p:nvSpPr>
+          <p:cNvPr id="4" name="Slide Number Placeholder 3"/>
+          <p:cNvSpPr>
+            <a:spLocks noGrp="1"/>
+          </p:cNvSpPr>
+          <p:nvPr>
+            <p:ph type="sldNum" sz="quarter" idx="10"/>
+          </p:nvPr>
+        </p:nvSpPr>
+        <p:spPr/>
+        <p:txBody>
+          <a:bodyPr/>
+          <a:lstStyle/>
+          <a:p>
+            <a:fld id="{068C3725-21BC-4194-88AE-C49778A7E28C}" type="slidenum">
+              <a:rPr lang="en-GB" smtClean="0"/>
+              <a:pPr/>
+              <a:t>1</a:t>
+            </a:fld>
+            <a:endParaRPr lang="en-GB"/>
+          </a:p>
+        </p:txBody>
+      </p:sp>
+    </p:spTree>
+  </p:cSld>
+  <p:clrMapOvr>
+    <a:masterClrMapping/>
+  </p:clrMapOvr>
+</p:notes>
+</file>
+
+<file path=ppt/notesSlides/notesSlide2.xml><?xml version="1.0" encoding="utf-8"?>
+<p:notes xmlns:a="http://schemas.openxmlformats.org/drawingml/2006/main" xmlns:r="http://schemas.openxmlformats.org/officeDocument/2006/relationships" xmlns:p="http://schemas.openxmlformats.org/presentationml/2006/main">
+  <p:cSld>
+    <p:spTree>
+      <p:nvGrpSpPr>
+        <p:cNvPr id="1" name=""/>
+        <p:cNvGrpSpPr/>
+        <p:nvPr/>
+      </p:nvGrpSpPr>
+      <p:grpSpPr>
+        <a:xfrm>
+          <a:off x="0" y="0"/>
+          <a:ext cx="0" cy="0"/>
+          <a:chOff x="0" y="0"/>
+          <a:chExt cx="0" cy="0"/>
+        </a:xfrm>
+      </p:grpSpPr>
+      <p:sp>
+        <p:nvSpPr>
+          <p:cNvPr id="2" name="Slide Image Placeholder 1"/>
+          <p:cNvSpPr>
+            <a:spLocks noGrp="1" noRot="1" noChangeAspect="1"/>
+          </p:cNvSpPr>
+          <p:nvPr>
+            <p:ph type="sldImg"/>
+          </p:nvPr>
+        </p:nvSpPr>
+        <p:spPr/>
+      </p:sp>
+      <p:sp>
+        <p:nvSpPr>
+          <p:cNvPr id="3" name="Notes Placeholder 2"/>
+          <p:cNvSpPr>
+            <a:spLocks noGrp="1"/>
+          </p:cNvSpPr>
+          <p:nvPr>
+            <p:ph type="body" idx="1"/>
+          </p:nvPr>
+        </p:nvSpPr>
+        <p:spPr/>
+        <p:txBody>
+          <a:bodyPr>
+            <a:normAutofit/>
+          </a:bodyPr>
+          <a:lstStyle/>
+          <a:p>
+            <a:endParaRPr lang="en-GB" dirty="0"/>
+          </a:p>
+        </p:txBody>
+      </p:sp>
+      <p:sp>
+        <p:nvSpPr>
+          <p:cNvPr id="4" name="Slide Number Placeholder 3"/>
+          <p:cNvSpPr>
+            <a:spLocks noGrp="1"/>
+          </p:cNvSpPr>
+          <p:nvPr>
+            <p:ph type="sldNum" sz="quarter" idx="10"/>
+          </p:nvPr>
+        </p:nvSpPr>
+        <p:spPr/>
+        <p:txBody>
+          <a:bodyPr/>
+          <a:lstStyle/>
+          <a:p>
+            <a:fld id="{068C3725-21BC-4194-88AE-C49778A7E28C}" type="slidenum">
+              <a:rPr lang="en-GB" smtClean="0"/>
+              <a:pPr/>
+              <a:t>2</a:t>
+            </a:fld>
+            <a:endParaRPr lang="en-GB"/>
+          </a:p>
+        </p:txBody>
+      </p:sp>
+    </p:spTree>
+  </p:cSld>
+  <p:clrMapOvr>
+    <a:masterClrMapping/>
+  </p:clrMapOvr>
+</p:notes>
+</file>
+
+<file path=ppt/notesSlides/notesSlide3.xml><?xml version="1.0" encoding="utf-8"?>
+<p:notes xmlns:a="http://schemas.openxmlformats.org/drawingml/2006/main" xmlns:r="http://schemas.openxmlformats.org/officeDocument/2006/relationships" xmlns:p="http://schemas.openxmlformats.org/presentationml/2006/main">
+  <p:cSld>
+    <p:spTree>
+      <p:nvGrpSpPr>
+        <p:cNvPr id="1" name=""/>
+        <p:cNvGrpSpPr/>
+        <p:nvPr/>
+      </p:nvGrpSpPr>
+      <p:grpSpPr>
+        <a:xfrm>
+          <a:off x="0" y="0"/>
+          <a:ext cx="0" cy="0"/>
+          <a:chOff x="0" y="0"/>
+          <a:chExt cx="0" cy="0"/>
+        </a:xfrm>
+      </p:grpSpPr>
+      <p:sp>
+        <p:nvSpPr>
+          <p:cNvPr id="2" name="Slide Image Placeholder 1"/>
+          <p:cNvSpPr>
+            <a:spLocks noGrp="1" noRot="1" noChangeAspect="1"/>
+          </p:cNvSpPr>
+          <p:nvPr>
+            <p:ph type="sldImg"/>
+          </p:nvPr>
+        </p:nvSpPr>
+        <p:spPr/>
+      </p:sp>
+      <p:sp>
+        <p:nvSpPr>
+          <p:cNvPr id="3" name="Notes Placeholder 2"/>
+          <p:cNvSpPr>
+            <a:spLocks noGrp="1"/>
+          </p:cNvSpPr>
+          <p:nvPr>
+            <p:ph type="body" idx="1"/>
+          </p:nvPr>
+        </p:nvSpPr>
+        <p:spPr/>
+        <p:txBody>
+          <a:bodyPr>
+            <a:normAutofit/>
+          </a:bodyPr>
+          <a:lstStyle/>
+          <a:p>
+            <a:endParaRPr lang="en-GB" dirty="0"/>
+          </a:p>
+        </p:txBody>
+      </p:sp>
+      <p:sp>
+        <p:nvSpPr>
+          <p:cNvPr id="4" name="Slide Number Placeholder 3"/>
+          <p:cNvSpPr>
+            <a:spLocks noGrp="1"/>
+          </p:cNvSpPr>
+          <p:nvPr>
+            <p:ph type="sldNum" sz="quarter" idx="10"/>
+          </p:nvPr>
+        </p:nvSpPr>
+        <p:spPr/>
+        <p:txBody>
+          <a:bodyPr/>
+          <a:lstStyle/>
+          <a:p>
+            <a:fld id="{068C3725-21BC-4194-88AE-C49778A7E28C}" type="slidenum">
+              <a:rPr lang="en-GB" smtClean="0"/>
+              <a:pPr/>
+              <a:t>3</a:t>
+            </a:fld>
+            <a:endParaRPr lang="en-GB"/>
+          </a:p>
+        </p:txBody>
+      </p:sp>
+    </p:spTree>
+  </p:cSld>
+  <p:clrMapOvr>
+    <a:masterClrMapping/>
+  </p:clrMapOvr>
+</p:notes>
 </file>
 
 <file path=ppt/slideLayouts/slideLayout1.xml><?xml version="1.0" encoding="utf-8"?>
@@ -3428,7 +4028,7 @@
           <p:nvPr/>
         </p:nvPicPr>
         <p:blipFill>
-          <a:blip r:embed="rId2" cstate="print">
+          <a:blip r:embed="rId3" cstate="print">
             <a:extLst>
               <a:ext uri="{28A0092B-C50C-407E-A947-70E740481C1C}">
                 <a14:useLocalDpi xmlns="" xmlns:a14="http://schemas.microsoft.com/office/drawing/2010/main" val="0"/>
@@ -3623,7 +4223,7 @@
           <p:nvPr/>
         </p:nvPicPr>
         <p:blipFill>
-          <a:blip r:embed="rId3" cstate="print">
+          <a:blip r:embed="rId4" cstate="print">
             <a:extLst>
               <a:ext uri="{28A0092B-C50C-407E-A947-70E740481C1C}">
                 <a14:useLocalDpi xmlns="" xmlns:a14="http://schemas.microsoft.com/office/drawing/2010/main" val="0"/>
@@ -3842,6 +4442,2364 @@
         </p:nvSpPr>
         <p:spPr bwMode="auto">
           <a:xfrm>
+            <a:off x="7633270" y="2178348"/>
+            <a:ext cx="7303519" cy="4536504"/>
+          </a:xfrm>
+          <a:prstGeom prst="rect">
+            <a:avLst/>
+          </a:prstGeom>
+          <a:solidFill>
+            <a:schemeClr val="bg1"/>
+          </a:solidFill>
+          <a:ln w="9525">
+            <a:solidFill>
+              <a:schemeClr val="tx1"/>
+            </a:solidFill>
+            <a:miter lim="800000"/>
+            <a:headEnd/>
+            <a:tailEnd/>
+          </a:ln>
+        </p:spPr>
+        <p:txBody>
+          <a:bodyPr/>
+          <a:lstStyle>
+            <a:lvl1pPr eaLnBrk="0" hangingPunct="0">
+              <a:defRPr sz="2900">
+                <a:solidFill>
+                  <a:schemeClr val="tx1"/>
+                </a:solidFill>
+                <a:latin typeface="Arial" charset="0"/>
+              </a:defRPr>
+            </a:lvl1pPr>
+            <a:lvl2pPr marL="742950" indent="-285750" eaLnBrk="0" hangingPunct="0">
+              <a:defRPr sz="2900">
+                <a:solidFill>
+                  <a:schemeClr val="tx1"/>
+                </a:solidFill>
+                <a:latin typeface="Arial" charset="0"/>
+              </a:defRPr>
+            </a:lvl2pPr>
+            <a:lvl3pPr marL="1143000" indent="-228600" eaLnBrk="0" hangingPunct="0">
+              <a:defRPr sz="2900">
+                <a:solidFill>
+                  <a:schemeClr val="tx1"/>
+                </a:solidFill>
+                <a:latin typeface="Arial" charset="0"/>
+              </a:defRPr>
+            </a:lvl3pPr>
+            <a:lvl4pPr marL="1600200" indent="-228600" eaLnBrk="0" hangingPunct="0">
+              <a:defRPr sz="2900">
+                <a:solidFill>
+                  <a:schemeClr val="tx1"/>
+                </a:solidFill>
+                <a:latin typeface="Arial" charset="0"/>
+              </a:defRPr>
+            </a:lvl4pPr>
+            <a:lvl5pPr marL="2057400" indent="-228600" eaLnBrk="0" hangingPunct="0">
+              <a:defRPr sz="2900">
+                <a:solidFill>
+                  <a:schemeClr val="tx1"/>
+                </a:solidFill>
+                <a:latin typeface="Arial" charset="0"/>
+              </a:defRPr>
+            </a:lvl5pPr>
+            <a:lvl6pPr marL="2514600" indent="-228600" eaLnBrk="0" fontAlgn="base" hangingPunct="0">
+              <a:spcBef>
+                <a:spcPct val="0"/>
+              </a:spcBef>
+              <a:spcAft>
+                <a:spcPct val="0"/>
+              </a:spcAft>
+              <a:defRPr sz="2900">
+                <a:solidFill>
+                  <a:schemeClr val="tx1"/>
+                </a:solidFill>
+                <a:latin typeface="Arial" charset="0"/>
+              </a:defRPr>
+            </a:lvl6pPr>
+            <a:lvl7pPr marL="2971800" indent="-228600" eaLnBrk="0" fontAlgn="base" hangingPunct="0">
+              <a:spcBef>
+                <a:spcPct val="0"/>
+              </a:spcBef>
+              <a:spcAft>
+                <a:spcPct val="0"/>
+              </a:spcAft>
+              <a:defRPr sz="2900">
+                <a:solidFill>
+                  <a:schemeClr val="tx1"/>
+                </a:solidFill>
+                <a:latin typeface="Arial" charset="0"/>
+              </a:defRPr>
+            </a:lvl7pPr>
+            <a:lvl8pPr marL="3429000" indent="-228600" eaLnBrk="0" fontAlgn="base" hangingPunct="0">
+              <a:spcBef>
+                <a:spcPct val="0"/>
+              </a:spcBef>
+              <a:spcAft>
+                <a:spcPct val="0"/>
+              </a:spcAft>
+              <a:defRPr sz="2900">
+                <a:solidFill>
+                  <a:schemeClr val="tx1"/>
+                </a:solidFill>
+                <a:latin typeface="Arial" charset="0"/>
+              </a:defRPr>
+            </a:lvl8pPr>
+            <a:lvl9pPr marL="3886200" indent="-228600" eaLnBrk="0" fontAlgn="base" hangingPunct="0">
+              <a:spcBef>
+                <a:spcPct val="0"/>
+              </a:spcBef>
+              <a:spcAft>
+                <a:spcPct val="0"/>
+              </a:spcAft>
+              <a:defRPr sz="2900">
+                <a:solidFill>
+                  <a:schemeClr val="tx1"/>
+                </a:solidFill>
+                <a:latin typeface="Arial" charset="0"/>
+              </a:defRPr>
+            </a:lvl9pPr>
+          </a:lstStyle>
+          <a:p>
+            <a:pPr eaLnBrk="1" hangingPunct="1"/>
+            <a:endParaRPr lang="x-none" altLang="x-none" sz="2000"/>
+          </a:p>
+        </p:txBody>
+      </p:sp>
+      <p:sp>
+        <p:nvSpPr>
+          <p:cNvPr id="2059" name="TextBox 11"/>
+          <p:cNvSpPr txBox="1">
+            <a:spLocks noChangeArrowheads="1"/>
+          </p:cNvSpPr>
+          <p:nvPr/>
+        </p:nvSpPr>
+        <p:spPr bwMode="auto">
+          <a:xfrm>
+            <a:off x="4248894" y="450156"/>
+            <a:ext cx="6624736" cy="538609"/>
+          </a:xfrm>
+          <a:prstGeom prst="rect">
+            <a:avLst/>
+          </a:prstGeom>
+          <a:noFill/>
+          <a:ln>
+            <a:noFill/>
+          </a:ln>
+          <a:extLst>
+            <a:ext uri="{909E8E84-426E-40DD-AFC4-6F175D3DCCD1}">
+              <a14:hiddenFill xmlns="" xmlns:a14="http://schemas.microsoft.com/office/drawing/2010/main">
+                <a:solidFill>
+                  <a:srgbClr val="FFFFFF"/>
+                </a:solidFill>
+              </a14:hiddenFill>
+            </a:ext>
+            <a:ext uri="{91240B29-F687-4F45-9708-019B960494DF}">
+              <a14:hiddenLine xmlns="" xmlns:a14="http://schemas.microsoft.com/office/drawing/2010/main" w="9525">
+                <a:solidFill>
+                  <a:srgbClr val="000000"/>
+                </a:solidFill>
+                <a:miter lim="800000"/>
+                <a:headEnd/>
+                <a:tailEnd/>
+              </a14:hiddenLine>
+            </a:ext>
+          </a:extLst>
+        </p:spPr>
+        <p:txBody>
+          <a:bodyPr wrap="square">
+            <a:spAutoFit/>
+          </a:bodyPr>
+          <a:lstStyle>
+            <a:lvl1pPr eaLnBrk="0" hangingPunct="0">
+              <a:defRPr sz="2900">
+                <a:solidFill>
+                  <a:schemeClr val="tx1"/>
+                </a:solidFill>
+                <a:latin typeface="Arial" charset="0"/>
+              </a:defRPr>
+            </a:lvl1pPr>
+            <a:lvl2pPr marL="742950" indent="-285750" eaLnBrk="0" hangingPunct="0">
+              <a:defRPr sz="2900">
+                <a:solidFill>
+                  <a:schemeClr val="tx1"/>
+                </a:solidFill>
+                <a:latin typeface="Arial" charset="0"/>
+              </a:defRPr>
+            </a:lvl2pPr>
+            <a:lvl3pPr marL="1143000" indent="-228600" eaLnBrk="0" hangingPunct="0">
+              <a:defRPr sz="2900">
+                <a:solidFill>
+                  <a:schemeClr val="tx1"/>
+                </a:solidFill>
+                <a:latin typeface="Arial" charset="0"/>
+              </a:defRPr>
+            </a:lvl3pPr>
+            <a:lvl4pPr marL="1600200" indent="-228600" eaLnBrk="0" hangingPunct="0">
+              <a:defRPr sz="2900">
+                <a:solidFill>
+                  <a:schemeClr val="tx1"/>
+                </a:solidFill>
+                <a:latin typeface="Arial" charset="0"/>
+              </a:defRPr>
+            </a:lvl4pPr>
+            <a:lvl5pPr marL="2057400" indent="-228600" eaLnBrk="0" hangingPunct="0">
+              <a:defRPr sz="2900">
+                <a:solidFill>
+                  <a:schemeClr val="tx1"/>
+                </a:solidFill>
+                <a:latin typeface="Arial" charset="0"/>
+              </a:defRPr>
+            </a:lvl5pPr>
+            <a:lvl6pPr marL="2514600" indent="-228600" eaLnBrk="0" fontAlgn="base" hangingPunct="0">
+              <a:spcBef>
+                <a:spcPct val="0"/>
+              </a:spcBef>
+              <a:spcAft>
+                <a:spcPct val="0"/>
+              </a:spcAft>
+              <a:defRPr sz="2900">
+                <a:solidFill>
+                  <a:schemeClr val="tx1"/>
+                </a:solidFill>
+                <a:latin typeface="Arial" charset="0"/>
+              </a:defRPr>
+            </a:lvl6pPr>
+            <a:lvl7pPr marL="2971800" indent="-228600" eaLnBrk="0" fontAlgn="base" hangingPunct="0">
+              <a:spcBef>
+                <a:spcPct val="0"/>
+              </a:spcBef>
+              <a:spcAft>
+                <a:spcPct val="0"/>
+              </a:spcAft>
+              <a:defRPr sz="2900">
+                <a:solidFill>
+                  <a:schemeClr val="tx1"/>
+                </a:solidFill>
+                <a:latin typeface="Arial" charset="0"/>
+              </a:defRPr>
+            </a:lvl7pPr>
+            <a:lvl8pPr marL="3429000" indent="-228600" eaLnBrk="0" fontAlgn="base" hangingPunct="0">
+              <a:spcBef>
+                <a:spcPct val="0"/>
+              </a:spcBef>
+              <a:spcAft>
+                <a:spcPct val="0"/>
+              </a:spcAft>
+              <a:defRPr sz="2900">
+                <a:solidFill>
+                  <a:schemeClr val="tx1"/>
+                </a:solidFill>
+                <a:latin typeface="Arial" charset="0"/>
+              </a:defRPr>
+            </a:lvl8pPr>
+            <a:lvl9pPr marL="3886200" indent="-228600" eaLnBrk="0" fontAlgn="base" hangingPunct="0">
+              <a:spcBef>
+                <a:spcPct val="0"/>
+              </a:spcBef>
+              <a:spcAft>
+                <a:spcPct val="0"/>
+              </a:spcAft>
+              <a:defRPr sz="2900">
+                <a:solidFill>
+                  <a:schemeClr val="tx1"/>
+                </a:solidFill>
+                <a:latin typeface="Arial" charset="0"/>
+              </a:defRPr>
+            </a:lvl9pPr>
+          </a:lstStyle>
+          <a:p>
+            <a:pPr algn="ctr" eaLnBrk="1" hangingPunct="1"/>
+            <a:r>
+              <a:rPr lang="en-US" altLang="x-none" dirty="0" smtClean="0"/>
+              <a:t>Lords: An Online Deck-Building Game</a:t>
+            </a:r>
+            <a:endParaRPr lang="en-US" altLang="x-none" dirty="0"/>
+          </a:p>
+        </p:txBody>
+      </p:sp>
+      <p:sp>
+        <p:nvSpPr>
+          <p:cNvPr id="13" name="Text Box 6"/>
+          <p:cNvSpPr txBox="1">
+            <a:spLocks noChangeArrowheads="1"/>
+          </p:cNvSpPr>
+          <p:nvPr/>
+        </p:nvSpPr>
+        <p:spPr bwMode="auto">
+          <a:xfrm>
+            <a:off x="216446" y="1602284"/>
+            <a:ext cx="7272808" cy="493712"/>
+          </a:xfrm>
+          <a:prstGeom prst="rect">
+            <a:avLst/>
+          </a:prstGeom>
+          <a:noFill/>
+          <a:ln>
+            <a:noFill/>
+          </a:ln>
+          <a:extLst>
+            <a:ext uri="{909E8E84-426E-40DD-AFC4-6F175D3DCCD1}">
+              <a14:hiddenFill xmlns="" xmlns:a14="http://schemas.microsoft.com/office/drawing/2010/main">
+                <a:solidFill>
+                  <a:srgbClr val="FFFFFF"/>
+                </a:solidFill>
+              </a14:hiddenFill>
+            </a:ext>
+            <a:ext uri="{91240B29-F687-4F45-9708-019B960494DF}">
+              <a14:hiddenLine xmlns="" xmlns:a14="http://schemas.microsoft.com/office/drawing/2010/main" w="9525">
+                <a:solidFill>
+                  <a:srgbClr val="000000"/>
+                </a:solidFill>
+                <a:miter lim="800000"/>
+                <a:headEnd/>
+                <a:tailEnd/>
+              </a14:hiddenLine>
+            </a:ext>
+          </a:extLst>
+        </p:spPr>
+        <p:txBody>
+          <a:bodyPr wrap="square" lIns="47165" tIns="23582" rIns="47165" bIns="23582">
+            <a:spAutoFit/>
+          </a:bodyPr>
+          <a:lstStyle>
+            <a:lvl1pPr defTabSz="1433513" eaLnBrk="0" hangingPunct="0">
+              <a:defRPr sz="2900">
+                <a:solidFill>
+                  <a:schemeClr val="tx1"/>
+                </a:solidFill>
+                <a:latin typeface="Arial" charset="0"/>
+              </a:defRPr>
+            </a:lvl1pPr>
+            <a:lvl2pPr marL="742950" indent="-285750" defTabSz="1433513" eaLnBrk="0" hangingPunct="0">
+              <a:defRPr sz="2900">
+                <a:solidFill>
+                  <a:schemeClr val="tx1"/>
+                </a:solidFill>
+                <a:latin typeface="Arial" charset="0"/>
+              </a:defRPr>
+            </a:lvl2pPr>
+            <a:lvl3pPr marL="1143000" indent="-228600" defTabSz="1433513" eaLnBrk="0" hangingPunct="0">
+              <a:defRPr sz="2900">
+                <a:solidFill>
+                  <a:schemeClr val="tx1"/>
+                </a:solidFill>
+                <a:latin typeface="Arial" charset="0"/>
+              </a:defRPr>
+            </a:lvl3pPr>
+            <a:lvl4pPr marL="1600200" indent="-228600" defTabSz="1433513" eaLnBrk="0" hangingPunct="0">
+              <a:defRPr sz="2900">
+                <a:solidFill>
+                  <a:schemeClr val="tx1"/>
+                </a:solidFill>
+                <a:latin typeface="Arial" charset="0"/>
+              </a:defRPr>
+            </a:lvl4pPr>
+            <a:lvl5pPr marL="2057400" indent="-228600" defTabSz="1433513" eaLnBrk="0" hangingPunct="0">
+              <a:defRPr sz="2900">
+                <a:solidFill>
+                  <a:schemeClr val="tx1"/>
+                </a:solidFill>
+                <a:latin typeface="Arial" charset="0"/>
+              </a:defRPr>
+            </a:lvl5pPr>
+            <a:lvl6pPr marL="2514600" indent="-228600" defTabSz="1433513" eaLnBrk="0" fontAlgn="base" hangingPunct="0">
+              <a:spcBef>
+                <a:spcPct val="0"/>
+              </a:spcBef>
+              <a:spcAft>
+                <a:spcPct val="0"/>
+              </a:spcAft>
+              <a:defRPr sz="2900">
+                <a:solidFill>
+                  <a:schemeClr val="tx1"/>
+                </a:solidFill>
+                <a:latin typeface="Arial" charset="0"/>
+              </a:defRPr>
+            </a:lvl6pPr>
+            <a:lvl7pPr marL="2971800" indent="-228600" defTabSz="1433513" eaLnBrk="0" fontAlgn="base" hangingPunct="0">
+              <a:spcBef>
+                <a:spcPct val="0"/>
+              </a:spcBef>
+              <a:spcAft>
+                <a:spcPct val="0"/>
+              </a:spcAft>
+              <a:defRPr sz="2900">
+                <a:solidFill>
+                  <a:schemeClr val="tx1"/>
+                </a:solidFill>
+                <a:latin typeface="Arial" charset="0"/>
+              </a:defRPr>
+            </a:lvl7pPr>
+            <a:lvl8pPr marL="3429000" indent="-228600" defTabSz="1433513" eaLnBrk="0" fontAlgn="base" hangingPunct="0">
+              <a:spcBef>
+                <a:spcPct val="0"/>
+              </a:spcBef>
+              <a:spcAft>
+                <a:spcPct val="0"/>
+              </a:spcAft>
+              <a:defRPr sz="2900">
+                <a:solidFill>
+                  <a:schemeClr val="tx1"/>
+                </a:solidFill>
+                <a:latin typeface="Arial" charset="0"/>
+              </a:defRPr>
+            </a:lvl8pPr>
+            <a:lvl9pPr marL="3886200" indent="-228600" defTabSz="1433513" eaLnBrk="0" fontAlgn="base" hangingPunct="0">
+              <a:spcBef>
+                <a:spcPct val="0"/>
+              </a:spcBef>
+              <a:spcAft>
+                <a:spcPct val="0"/>
+              </a:spcAft>
+              <a:defRPr sz="2900">
+                <a:solidFill>
+                  <a:schemeClr val="tx1"/>
+                </a:solidFill>
+                <a:latin typeface="Arial" charset="0"/>
+              </a:defRPr>
+            </a:lvl9pPr>
+          </a:lstStyle>
+          <a:p>
+            <a:pPr algn="ctr" eaLnBrk="1" hangingPunct="1">
+              <a:spcBef>
+                <a:spcPct val="50000"/>
+              </a:spcBef>
+            </a:pPr>
+            <a:r>
+              <a:rPr lang="en-US" altLang="x-none" dirty="0" smtClean="0">
+                <a:solidFill>
+                  <a:schemeClr val="bg1"/>
+                </a:solidFill>
+              </a:rPr>
+              <a:t>Developer: Tyler Thorn</a:t>
+            </a:r>
+            <a:endParaRPr lang="en-US" altLang="x-none" dirty="0">
+              <a:solidFill>
+                <a:schemeClr val="bg1"/>
+              </a:solidFill>
+            </a:endParaRPr>
+          </a:p>
+        </p:txBody>
+      </p:sp>
+      <p:sp>
+        <p:nvSpPr>
+          <p:cNvPr id="15" name="Rectangle 10"/>
+          <p:cNvSpPr>
+            <a:spLocks noChangeArrowheads="1"/>
+          </p:cNvSpPr>
+          <p:nvPr/>
+        </p:nvSpPr>
+        <p:spPr bwMode="auto">
+          <a:xfrm>
+            <a:off x="10729614" y="6858868"/>
+            <a:ext cx="4176464" cy="3611933"/>
+          </a:xfrm>
+          <a:prstGeom prst="rect">
+            <a:avLst/>
+          </a:prstGeom>
+          <a:solidFill>
+            <a:schemeClr val="bg1"/>
+          </a:solidFill>
+          <a:ln w="9525">
+            <a:solidFill>
+              <a:schemeClr val="tx1"/>
+            </a:solidFill>
+            <a:miter lim="800000"/>
+            <a:headEnd/>
+            <a:tailEnd/>
+          </a:ln>
+        </p:spPr>
+        <p:txBody>
+          <a:bodyPr/>
+          <a:lstStyle>
+            <a:lvl1pPr eaLnBrk="0" hangingPunct="0">
+              <a:defRPr sz="2900">
+                <a:solidFill>
+                  <a:schemeClr val="tx1"/>
+                </a:solidFill>
+                <a:latin typeface="Arial" charset="0"/>
+              </a:defRPr>
+            </a:lvl1pPr>
+            <a:lvl2pPr marL="742950" indent="-285750" eaLnBrk="0" hangingPunct="0">
+              <a:defRPr sz="2900">
+                <a:solidFill>
+                  <a:schemeClr val="tx1"/>
+                </a:solidFill>
+                <a:latin typeface="Arial" charset="0"/>
+              </a:defRPr>
+            </a:lvl2pPr>
+            <a:lvl3pPr marL="1143000" indent="-228600" eaLnBrk="0" hangingPunct="0">
+              <a:defRPr sz="2900">
+                <a:solidFill>
+                  <a:schemeClr val="tx1"/>
+                </a:solidFill>
+                <a:latin typeface="Arial" charset="0"/>
+              </a:defRPr>
+            </a:lvl3pPr>
+            <a:lvl4pPr marL="1600200" indent="-228600" eaLnBrk="0" hangingPunct="0">
+              <a:defRPr sz="2900">
+                <a:solidFill>
+                  <a:schemeClr val="tx1"/>
+                </a:solidFill>
+                <a:latin typeface="Arial" charset="0"/>
+              </a:defRPr>
+            </a:lvl4pPr>
+            <a:lvl5pPr marL="2057400" indent="-228600" eaLnBrk="0" hangingPunct="0">
+              <a:defRPr sz="2900">
+                <a:solidFill>
+                  <a:schemeClr val="tx1"/>
+                </a:solidFill>
+                <a:latin typeface="Arial" charset="0"/>
+              </a:defRPr>
+            </a:lvl5pPr>
+            <a:lvl6pPr marL="2514600" indent="-228600" eaLnBrk="0" fontAlgn="base" hangingPunct="0">
+              <a:spcBef>
+                <a:spcPct val="0"/>
+              </a:spcBef>
+              <a:spcAft>
+                <a:spcPct val="0"/>
+              </a:spcAft>
+              <a:defRPr sz="2900">
+                <a:solidFill>
+                  <a:schemeClr val="tx1"/>
+                </a:solidFill>
+                <a:latin typeface="Arial" charset="0"/>
+              </a:defRPr>
+            </a:lvl6pPr>
+            <a:lvl7pPr marL="2971800" indent="-228600" eaLnBrk="0" fontAlgn="base" hangingPunct="0">
+              <a:spcBef>
+                <a:spcPct val="0"/>
+              </a:spcBef>
+              <a:spcAft>
+                <a:spcPct val="0"/>
+              </a:spcAft>
+              <a:defRPr sz="2900">
+                <a:solidFill>
+                  <a:schemeClr val="tx1"/>
+                </a:solidFill>
+                <a:latin typeface="Arial" charset="0"/>
+              </a:defRPr>
+            </a:lvl7pPr>
+            <a:lvl8pPr marL="3429000" indent="-228600" eaLnBrk="0" fontAlgn="base" hangingPunct="0">
+              <a:spcBef>
+                <a:spcPct val="0"/>
+              </a:spcBef>
+              <a:spcAft>
+                <a:spcPct val="0"/>
+              </a:spcAft>
+              <a:defRPr sz="2900">
+                <a:solidFill>
+                  <a:schemeClr val="tx1"/>
+                </a:solidFill>
+                <a:latin typeface="Arial" charset="0"/>
+              </a:defRPr>
+            </a:lvl8pPr>
+            <a:lvl9pPr marL="3886200" indent="-228600" eaLnBrk="0" fontAlgn="base" hangingPunct="0">
+              <a:spcBef>
+                <a:spcPct val="0"/>
+              </a:spcBef>
+              <a:spcAft>
+                <a:spcPct val="0"/>
+              </a:spcAft>
+              <a:defRPr sz="2900">
+                <a:solidFill>
+                  <a:schemeClr val="tx1"/>
+                </a:solidFill>
+                <a:latin typeface="Arial" charset="0"/>
+              </a:defRPr>
+            </a:lvl9pPr>
+          </a:lstStyle>
+          <a:p>
+            <a:pPr eaLnBrk="1" hangingPunct="1"/>
+            <a:endParaRPr lang="x-none" altLang="x-none" sz="2000"/>
+          </a:p>
+        </p:txBody>
+      </p:sp>
+      <p:sp>
+        <p:nvSpPr>
+          <p:cNvPr id="19" name="Rectangle 10"/>
+          <p:cNvSpPr>
+            <a:spLocks noChangeArrowheads="1"/>
+          </p:cNvSpPr>
+          <p:nvPr/>
+        </p:nvSpPr>
+        <p:spPr bwMode="auto">
+          <a:xfrm>
+            <a:off x="144438" y="6858868"/>
+            <a:ext cx="10441160" cy="3611933"/>
+          </a:xfrm>
+          <a:prstGeom prst="rect">
+            <a:avLst/>
+          </a:prstGeom>
+          <a:solidFill>
+            <a:schemeClr val="bg1"/>
+          </a:solidFill>
+          <a:ln w="9525">
+            <a:solidFill>
+              <a:schemeClr val="tx1"/>
+            </a:solidFill>
+            <a:miter lim="800000"/>
+            <a:headEnd/>
+            <a:tailEnd/>
+          </a:ln>
+        </p:spPr>
+        <p:txBody>
+          <a:bodyPr/>
+          <a:lstStyle>
+            <a:lvl1pPr eaLnBrk="0" hangingPunct="0">
+              <a:defRPr sz="2900">
+                <a:solidFill>
+                  <a:schemeClr val="tx1"/>
+                </a:solidFill>
+                <a:latin typeface="Arial" charset="0"/>
+              </a:defRPr>
+            </a:lvl1pPr>
+            <a:lvl2pPr marL="742950" indent="-285750" eaLnBrk="0" hangingPunct="0">
+              <a:defRPr sz="2900">
+                <a:solidFill>
+                  <a:schemeClr val="tx1"/>
+                </a:solidFill>
+                <a:latin typeface="Arial" charset="0"/>
+              </a:defRPr>
+            </a:lvl2pPr>
+            <a:lvl3pPr marL="1143000" indent="-228600" eaLnBrk="0" hangingPunct="0">
+              <a:defRPr sz="2900">
+                <a:solidFill>
+                  <a:schemeClr val="tx1"/>
+                </a:solidFill>
+                <a:latin typeface="Arial" charset="0"/>
+              </a:defRPr>
+            </a:lvl3pPr>
+            <a:lvl4pPr marL="1600200" indent="-228600" eaLnBrk="0" hangingPunct="0">
+              <a:defRPr sz="2900">
+                <a:solidFill>
+                  <a:schemeClr val="tx1"/>
+                </a:solidFill>
+                <a:latin typeface="Arial" charset="0"/>
+              </a:defRPr>
+            </a:lvl4pPr>
+            <a:lvl5pPr marL="2057400" indent="-228600" eaLnBrk="0" hangingPunct="0">
+              <a:defRPr sz="2900">
+                <a:solidFill>
+                  <a:schemeClr val="tx1"/>
+                </a:solidFill>
+                <a:latin typeface="Arial" charset="0"/>
+              </a:defRPr>
+            </a:lvl5pPr>
+            <a:lvl6pPr marL="2514600" indent="-228600" eaLnBrk="0" fontAlgn="base" hangingPunct="0">
+              <a:spcBef>
+                <a:spcPct val="0"/>
+              </a:spcBef>
+              <a:spcAft>
+                <a:spcPct val="0"/>
+              </a:spcAft>
+              <a:defRPr sz="2900">
+                <a:solidFill>
+                  <a:schemeClr val="tx1"/>
+                </a:solidFill>
+                <a:latin typeface="Arial" charset="0"/>
+              </a:defRPr>
+            </a:lvl6pPr>
+            <a:lvl7pPr marL="2971800" indent="-228600" eaLnBrk="0" fontAlgn="base" hangingPunct="0">
+              <a:spcBef>
+                <a:spcPct val="0"/>
+              </a:spcBef>
+              <a:spcAft>
+                <a:spcPct val="0"/>
+              </a:spcAft>
+              <a:defRPr sz="2900">
+                <a:solidFill>
+                  <a:schemeClr val="tx1"/>
+                </a:solidFill>
+                <a:latin typeface="Arial" charset="0"/>
+              </a:defRPr>
+            </a:lvl7pPr>
+            <a:lvl8pPr marL="3429000" indent="-228600" eaLnBrk="0" fontAlgn="base" hangingPunct="0">
+              <a:spcBef>
+                <a:spcPct val="0"/>
+              </a:spcBef>
+              <a:spcAft>
+                <a:spcPct val="0"/>
+              </a:spcAft>
+              <a:defRPr sz="2900">
+                <a:solidFill>
+                  <a:schemeClr val="tx1"/>
+                </a:solidFill>
+                <a:latin typeface="Arial" charset="0"/>
+              </a:defRPr>
+            </a:lvl8pPr>
+            <a:lvl9pPr marL="3886200" indent="-228600" eaLnBrk="0" fontAlgn="base" hangingPunct="0">
+              <a:spcBef>
+                <a:spcPct val="0"/>
+              </a:spcBef>
+              <a:spcAft>
+                <a:spcPct val="0"/>
+              </a:spcAft>
+              <a:defRPr sz="2900">
+                <a:solidFill>
+                  <a:schemeClr val="tx1"/>
+                </a:solidFill>
+                <a:latin typeface="Arial" charset="0"/>
+              </a:defRPr>
+            </a:lvl9pPr>
+          </a:lstStyle>
+          <a:p>
+            <a:pPr eaLnBrk="1" hangingPunct="1"/>
+            <a:endParaRPr lang="x-none" altLang="x-none" sz="2000"/>
+          </a:p>
+        </p:txBody>
+      </p:sp>
+      <p:sp>
+        <p:nvSpPr>
+          <p:cNvPr id="1031" name="AutoShape 7" descr="Image result for c# logo"/>
+          <p:cNvSpPr>
+            <a:spLocks noChangeAspect="1" noChangeArrowheads="1"/>
+          </p:cNvSpPr>
+          <p:nvPr/>
+        </p:nvSpPr>
+        <p:spPr bwMode="auto">
+          <a:xfrm>
+            <a:off x="155575" y="-144463"/>
+            <a:ext cx="304800" cy="304801"/>
+          </a:xfrm>
+          <a:prstGeom prst="rect">
+            <a:avLst/>
+          </a:prstGeom>
+          <a:noFill/>
+        </p:spPr>
+        <p:txBody>
+          <a:bodyPr vert="horz" wrap="square" lIns="91440" tIns="45720" rIns="91440" bIns="45720" numCol="1" anchor="t" anchorCtr="0" compatLnSpc="1">
+            <a:prstTxWarp prst="textNoShape">
+              <a:avLst/>
+            </a:prstTxWarp>
+          </a:bodyPr>
+          <a:lstStyle/>
+          <a:p>
+            <a:endParaRPr lang="en-GB"/>
+          </a:p>
+        </p:txBody>
+      </p:sp>
+      <p:sp>
+        <p:nvSpPr>
+          <p:cNvPr id="1033" name="AutoShape 9" descr="Image result for c# logo"/>
+          <p:cNvSpPr>
+            <a:spLocks noChangeAspect="1" noChangeArrowheads="1"/>
+          </p:cNvSpPr>
+          <p:nvPr/>
+        </p:nvSpPr>
+        <p:spPr bwMode="auto">
+          <a:xfrm>
+            <a:off x="155575" y="-144463"/>
+            <a:ext cx="304800" cy="304801"/>
+          </a:xfrm>
+          <a:prstGeom prst="rect">
+            <a:avLst/>
+          </a:prstGeom>
+          <a:noFill/>
+        </p:spPr>
+        <p:txBody>
+          <a:bodyPr vert="horz" wrap="square" lIns="91440" tIns="45720" rIns="91440" bIns="45720" numCol="1" anchor="t" anchorCtr="0" compatLnSpc="1">
+            <a:prstTxWarp prst="textNoShape">
+              <a:avLst/>
+            </a:prstTxWarp>
+          </a:bodyPr>
+          <a:lstStyle/>
+          <a:p>
+            <a:endParaRPr lang="en-GB"/>
+          </a:p>
+        </p:txBody>
+      </p:sp>
+      <p:sp>
+        <p:nvSpPr>
+          <p:cNvPr id="1035" name="AutoShape 11" descr="Image result for c# logo"/>
+          <p:cNvSpPr>
+            <a:spLocks noChangeAspect="1" noChangeArrowheads="1"/>
+          </p:cNvSpPr>
+          <p:nvPr/>
+        </p:nvSpPr>
+        <p:spPr bwMode="auto">
+          <a:xfrm>
+            <a:off x="155575" y="-144463"/>
+            <a:ext cx="304800" cy="304801"/>
+          </a:xfrm>
+          <a:prstGeom prst="rect">
+            <a:avLst/>
+          </a:prstGeom>
+          <a:noFill/>
+        </p:spPr>
+        <p:txBody>
+          <a:bodyPr vert="horz" wrap="square" lIns="91440" tIns="45720" rIns="91440" bIns="45720" numCol="1" anchor="t" anchorCtr="0" compatLnSpc="1">
+            <a:prstTxWarp prst="textNoShape">
+              <a:avLst/>
+            </a:prstTxWarp>
+          </a:bodyPr>
+          <a:lstStyle/>
+          <a:p>
+            <a:endParaRPr lang="en-GB"/>
+          </a:p>
+        </p:txBody>
+      </p:sp>
+      <p:sp>
+        <p:nvSpPr>
+          <p:cNvPr id="21" name="Rectangle 10"/>
+          <p:cNvSpPr>
+            <a:spLocks noChangeArrowheads="1"/>
+          </p:cNvSpPr>
+          <p:nvPr/>
+        </p:nvSpPr>
+        <p:spPr bwMode="auto">
+          <a:xfrm>
+            <a:off x="144438" y="2178348"/>
+            <a:ext cx="7375527" cy="4536504"/>
+          </a:xfrm>
+          <a:prstGeom prst="rect">
+            <a:avLst/>
+          </a:prstGeom>
+          <a:solidFill>
+            <a:schemeClr val="bg1"/>
+          </a:solidFill>
+          <a:ln w="9525">
+            <a:solidFill>
+              <a:schemeClr val="tx1"/>
+            </a:solidFill>
+            <a:miter lim="800000"/>
+            <a:headEnd/>
+            <a:tailEnd/>
+          </a:ln>
+        </p:spPr>
+        <p:txBody>
+          <a:bodyPr/>
+          <a:lstStyle>
+            <a:lvl1pPr eaLnBrk="0" hangingPunct="0">
+              <a:defRPr sz="2900">
+                <a:solidFill>
+                  <a:schemeClr val="tx1"/>
+                </a:solidFill>
+                <a:latin typeface="Arial" charset="0"/>
+              </a:defRPr>
+            </a:lvl1pPr>
+            <a:lvl2pPr marL="742950" indent="-285750" eaLnBrk="0" hangingPunct="0">
+              <a:defRPr sz="2900">
+                <a:solidFill>
+                  <a:schemeClr val="tx1"/>
+                </a:solidFill>
+                <a:latin typeface="Arial" charset="0"/>
+              </a:defRPr>
+            </a:lvl2pPr>
+            <a:lvl3pPr marL="1143000" indent="-228600" eaLnBrk="0" hangingPunct="0">
+              <a:defRPr sz="2900">
+                <a:solidFill>
+                  <a:schemeClr val="tx1"/>
+                </a:solidFill>
+                <a:latin typeface="Arial" charset="0"/>
+              </a:defRPr>
+            </a:lvl3pPr>
+            <a:lvl4pPr marL="1600200" indent="-228600" eaLnBrk="0" hangingPunct="0">
+              <a:defRPr sz="2900">
+                <a:solidFill>
+                  <a:schemeClr val="tx1"/>
+                </a:solidFill>
+                <a:latin typeface="Arial" charset="0"/>
+              </a:defRPr>
+            </a:lvl4pPr>
+            <a:lvl5pPr marL="2057400" indent="-228600" eaLnBrk="0" hangingPunct="0">
+              <a:defRPr sz="2900">
+                <a:solidFill>
+                  <a:schemeClr val="tx1"/>
+                </a:solidFill>
+                <a:latin typeface="Arial" charset="0"/>
+              </a:defRPr>
+            </a:lvl5pPr>
+            <a:lvl6pPr marL="2514600" indent="-228600" eaLnBrk="0" fontAlgn="base" hangingPunct="0">
+              <a:spcBef>
+                <a:spcPct val="0"/>
+              </a:spcBef>
+              <a:spcAft>
+                <a:spcPct val="0"/>
+              </a:spcAft>
+              <a:defRPr sz="2900">
+                <a:solidFill>
+                  <a:schemeClr val="tx1"/>
+                </a:solidFill>
+                <a:latin typeface="Arial" charset="0"/>
+              </a:defRPr>
+            </a:lvl6pPr>
+            <a:lvl7pPr marL="2971800" indent="-228600" eaLnBrk="0" fontAlgn="base" hangingPunct="0">
+              <a:spcBef>
+                <a:spcPct val="0"/>
+              </a:spcBef>
+              <a:spcAft>
+                <a:spcPct val="0"/>
+              </a:spcAft>
+              <a:defRPr sz="2900">
+                <a:solidFill>
+                  <a:schemeClr val="tx1"/>
+                </a:solidFill>
+                <a:latin typeface="Arial" charset="0"/>
+              </a:defRPr>
+            </a:lvl7pPr>
+            <a:lvl8pPr marL="3429000" indent="-228600" eaLnBrk="0" fontAlgn="base" hangingPunct="0">
+              <a:spcBef>
+                <a:spcPct val="0"/>
+              </a:spcBef>
+              <a:spcAft>
+                <a:spcPct val="0"/>
+              </a:spcAft>
+              <a:defRPr sz="2900">
+                <a:solidFill>
+                  <a:schemeClr val="tx1"/>
+                </a:solidFill>
+                <a:latin typeface="Arial" charset="0"/>
+              </a:defRPr>
+            </a:lvl8pPr>
+            <a:lvl9pPr marL="3886200" indent="-228600" eaLnBrk="0" fontAlgn="base" hangingPunct="0">
+              <a:spcBef>
+                <a:spcPct val="0"/>
+              </a:spcBef>
+              <a:spcAft>
+                <a:spcPct val="0"/>
+              </a:spcAft>
+              <a:defRPr sz="2900">
+                <a:solidFill>
+                  <a:schemeClr val="tx1"/>
+                </a:solidFill>
+                <a:latin typeface="Arial" charset="0"/>
+              </a:defRPr>
+            </a:lvl9pPr>
+          </a:lstStyle>
+          <a:p>
+            <a:pPr eaLnBrk="1" hangingPunct="1"/>
+            <a:endParaRPr lang="x-none" altLang="x-none" sz="2000"/>
+          </a:p>
+        </p:txBody>
+      </p:sp>
+      <p:sp>
+        <p:nvSpPr>
+          <p:cNvPr id="22" name="Text Box 6"/>
+          <p:cNvSpPr txBox="1">
+            <a:spLocks noChangeArrowheads="1"/>
+          </p:cNvSpPr>
+          <p:nvPr/>
+        </p:nvSpPr>
+        <p:spPr bwMode="auto">
+          <a:xfrm>
+            <a:off x="1872630" y="2322364"/>
+            <a:ext cx="3528392" cy="493901"/>
+          </a:xfrm>
+          <a:prstGeom prst="rect">
+            <a:avLst/>
+          </a:prstGeom>
+          <a:noFill/>
+          <a:ln>
+            <a:noFill/>
+          </a:ln>
+          <a:extLst>
+            <a:ext uri="{909E8E84-426E-40DD-AFC4-6F175D3DCCD1}">
+              <a14:hiddenFill xmlns="" xmlns:a14="http://schemas.microsoft.com/office/drawing/2010/main">
+                <a:solidFill>
+                  <a:srgbClr val="FFFFFF"/>
+                </a:solidFill>
+              </a14:hiddenFill>
+            </a:ext>
+            <a:ext uri="{91240B29-F687-4F45-9708-019B960494DF}">
+              <a14:hiddenLine xmlns="" xmlns:a14="http://schemas.microsoft.com/office/drawing/2010/main" w="9525">
+                <a:solidFill>
+                  <a:srgbClr val="000000"/>
+                </a:solidFill>
+                <a:miter lim="800000"/>
+                <a:headEnd/>
+                <a:tailEnd/>
+              </a14:hiddenLine>
+            </a:ext>
+          </a:extLst>
+        </p:spPr>
+        <p:txBody>
+          <a:bodyPr wrap="square" lIns="47165" tIns="23582" rIns="47165" bIns="23582">
+            <a:spAutoFit/>
+          </a:bodyPr>
+          <a:lstStyle>
+            <a:lvl1pPr defTabSz="1433513" eaLnBrk="0" hangingPunct="0">
+              <a:defRPr sz="2900">
+                <a:solidFill>
+                  <a:schemeClr val="tx1"/>
+                </a:solidFill>
+                <a:latin typeface="Arial" charset="0"/>
+              </a:defRPr>
+            </a:lvl1pPr>
+            <a:lvl2pPr marL="742950" indent="-285750" defTabSz="1433513" eaLnBrk="0" hangingPunct="0">
+              <a:defRPr sz="2900">
+                <a:solidFill>
+                  <a:schemeClr val="tx1"/>
+                </a:solidFill>
+                <a:latin typeface="Arial" charset="0"/>
+              </a:defRPr>
+            </a:lvl2pPr>
+            <a:lvl3pPr marL="1143000" indent="-228600" defTabSz="1433513" eaLnBrk="0" hangingPunct="0">
+              <a:defRPr sz="2900">
+                <a:solidFill>
+                  <a:schemeClr val="tx1"/>
+                </a:solidFill>
+                <a:latin typeface="Arial" charset="0"/>
+              </a:defRPr>
+            </a:lvl3pPr>
+            <a:lvl4pPr marL="1600200" indent="-228600" defTabSz="1433513" eaLnBrk="0" hangingPunct="0">
+              <a:defRPr sz="2900">
+                <a:solidFill>
+                  <a:schemeClr val="tx1"/>
+                </a:solidFill>
+                <a:latin typeface="Arial" charset="0"/>
+              </a:defRPr>
+            </a:lvl4pPr>
+            <a:lvl5pPr marL="2057400" indent="-228600" defTabSz="1433513" eaLnBrk="0" hangingPunct="0">
+              <a:defRPr sz="2900">
+                <a:solidFill>
+                  <a:schemeClr val="tx1"/>
+                </a:solidFill>
+                <a:latin typeface="Arial" charset="0"/>
+              </a:defRPr>
+            </a:lvl5pPr>
+            <a:lvl6pPr marL="2514600" indent="-228600" defTabSz="1433513" eaLnBrk="0" fontAlgn="base" hangingPunct="0">
+              <a:spcBef>
+                <a:spcPct val="0"/>
+              </a:spcBef>
+              <a:spcAft>
+                <a:spcPct val="0"/>
+              </a:spcAft>
+              <a:defRPr sz="2900">
+                <a:solidFill>
+                  <a:schemeClr val="tx1"/>
+                </a:solidFill>
+                <a:latin typeface="Arial" charset="0"/>
+              </a:defRPr>
+            </a:lvl6pPr>
+            <a:lvl7pPr marL="2971800" indent="-228600" defTabSz="1433513" eaLnBrk="0" fontAlgn="base" hangingPunct="0">
+              <a:spcBef>
+                <a:spcPct val="0"/>
+              </a:spcBef>
+              <a:spcAft>
+                <a:spcPct val="0"/>
+              </a:spcAft>
+              <a:defRPr sz="2900">
+                <a:solidFill>
+                  <a:schemeClr val="tx1"/>
+                </a:solidFill>
+                <a:latin typeface="Arial" charset="0"/>
+              </a:defRPr>
+            </a:lvl7pPr>
+            <a:lvl8pPr marL="3429000" indent="-228600" defTabSz="1433513" eaLnBrk="0" fontAlgn="base" hangingPunct="0">
+              <a:spcBef>
+                <a:spcPct val="0"/>
+              </a:spcBef>
+              <a:spcAft>
+                <a:spcPct val="0"/>
+              </a:spcAft>
+              <a:defRPr sz="2900">
+                <a:solidFill>
+                  <a:schemeClr val="tx1"/>
+                </a:solidFill>
+                <a:latin typeface="Arial" charset="0"/>
+              </a:defRPr>
+            </a:lvl8pPr>
+            <a:lvl9pPr marL="3886200" indent="-228600" defTabSz="1433513" eaLnBrk="0" fontAlgn="base" hangingPunct="0">
+              <a:spcBef>
+                <a:spcPct val="0"/>
+              </a:spcBef>
+              <a:spcAft>
+                <a:spcPct val="0"/>
+              </a:spcAft>
+              <a:defRPr sz="2900">
+                <a:solidFill>
+                  <a:schemeClr val="tx1"/>
+                </a:solidFill>
+                <a:latin typeface="Arial" charset="0"/>
+              </a:defRPr>
+            </a:lvl9pPr>
+          </a:lstStyle>
+          <a:p>
+            <a:pPr algn="ctr" eaLnBrk="1" hangingPunct="1">
+              <a:spcBef>
+                <a:spcPct val="50000"/>
+              </a:spcBef>
+            </a:pPr>
+            <a:r>
+              <a:rPr lang="en-US" altLang="x-none" b="1" dirty="0" smtClean="0"/>
+              <a:t>Project Features</a:t>
+            </a:r>
+          </a:p>
+        </p:txBody>
+      </p:sp>
+      <p:sp>
+        <p:nvSpPr>
+          <p:cNvPr id="23" name="TextBox 22"/>
+          <p:cNvSpPr txBox="1"/>
+          <p:nvPr/>
+        </p:nvSpPr>
+        <p:spPr>
+          <a:xfrm>
+            <a:off x="792510" y="2970436"/>
+            <a:ext cx="5976664" cy="3862596"/>
+          </a:xfrm>
+          <a:prstGeom prst="rect">
+            <a:avLst/>
+          </a:prstGeom>
+          <a:noFill/>
+        </p:spPr>
+        <p:txBody>
+          <a:bodyPr wrap="square" rtlCol="0" anchor="t">
+            <a:spAutoFit/>
+          </a:bodyPr>
+          <a:lstStyle/>
+          <a:p>
+            <a:pPr>
+              <a:spcBef>
+                <a:spcPts val="600"/>
+              </a:spcBef>
+              <a:buFont typeface="Arial" pitchFamily="34" charset="0"/>
+              <a:buChar char="•"/>
+            </a:pPr>
+            <a:r>
+              <a:rPr lang="en-GB" sz="2000" dirty="0" smtClean="0"/>
+              <a:t> A custom C# server running a 1-on-1 online multiplayer card game</a:t>
+            </a:r>
+          </a:p>
+          <a:p>
+            <a:pPr>
+              <a:spcBef>
+                <a:spcPts val="600"/>
+              </a:spcBef>
+              <a:buFont typeface="Arial" pitchFamily="34" charset="0"/>
+              <a:buChar char="•"/>
+            </a:pPr>
+            <a:r>
+              <a:rPr lang="en-GB" sz="2000" dirty="0" smtClean="0"/>
+              <a:t> Dark fantasy theme</a:t>
+            </a:r>
+          </a:p>
+          <a:p>
+            <a:pPr>
+              <a:spcBef>
+                <a:spcPts val="600"/>
+              </a:spcBef>
+              <a:buFont typeface="Arial" pitchFamily="34" charset="0"/>
+              <a:buChar char="•"/>
+            </a:pPr>
+            <a:r>
+              <a:rPr lang="en-GB" sz="2000" dirty="0" smtClean="0"/>
+              <a:t> Designed with resource management </a:t>
+            </a:r>
+            <a:r>
+              <a:rPr lang="en-GB" sz="2000" dirty="0" smtClean="0"/>
+              <a:t>in mind</a:t>
+            </a:r>
+            <a:endParaRPr lang="en-GB" sz="2000" dirty="0" smtClean="0"/>
+          </a:p>
+          <a:p>
+            <a:pPr>
+              <a:spcBef>
+                <a:spcPts val="600"/>
+              </a:spcBef>
+              <a:buFont typeface="Arial" pitchFamily="34" charset="0"/>
+              <a:buChar char="•"/>
+            </a:pPr>
+            <a:r>
+              <a:rPr lang="en-GB" sz="2000" dirty="0" smtClean="0"/>
+              <a:t> A wide variety of cards with different </a:t>
+            </a:r>
+            <a:r>
+              <a:rPr lang="en-GB" sz="2000" dirty="0" smtClean="0"/>
+              <a:t>effects</a:t>
+            </a:r>
+            <a:endParaRPr lang="en-GB" sz="2000" dirty="0" smtClean="0"/>
+          </a:p>
+          <a:p>
+            <a:pPr>
+              <a:spcBef>
+                <a:spcPts val="600"/>
+              </a:spcBef>
+              <a:buFont typeface="Arial" pitchFamily="34" charset="0"/>
+              <a:buChar char="•"/>
+            </a:pPr>
+            <a:r>
+              <a:rPr lang="en-GB" sz="2000" dirty="0" smtClean="0"/>
+              <a:t> Lord cards with powerful abilities that can turn the tide of </a:t>
+            </a:r>
+            <a:r>
+              <a:rPr lang="en-GB" sz="2000" dirty="0" smtClean="0"/>
+              <a:t>battle</a:t>
+            </a:r>
+          </a:p>
+          <a:p>
+            <a:pPr>
+              <a:spcBef>
+                <a:spcPts val="600"/>
+              </a:spcBef>
+              <a:buFont typeface="Arial" pitchFamily="34" charset="0"/>
+              <a:buChar char="•"/>
+            </a:pPr>
+            <a:r>
+              <a:rPr lang="en-GB" sz="2000" dirty="0" smtClean="0"/>
+              <a:t> </a:t>
+            </a:r>
+            <a:r>
+              <a:rPr lang="en-GB" sz="2000" dirty="0" smtClean="0"/>
+              <a:t>Employ </a:t>
+            </a:r>
+            <a:r>
+              <a:rPr lang="en-GB" sz="2000" dirty="0" smtClean="0"/>
+              <a:t>a variety of strategies – overwhelm your opponent with swarms of units, or manage your gold carefully and win the long game</a:t>
+            </a:r>
+          </a:p>
+          <a:p>
+            <a:endParaRPr lang="en-GB" sz="2000" dirty="0" smtClean="0"/>
+          </a:p>
+        </p:txBody>
+      </p:sp>
+      <p:sp>
+        <p:nvSpPr>
+          <p:cNvPr id="25" name="Text Box 6"/>
+          <p:cNvSpPr txBox="1">
+            <a:spLocks noChangeArrowheads="1"/>
+          </p:cNvSpPr>
+          <p:nvPr/>
+        </p:nvSpPr>
+        <p:spPr bwMode="auto">
+          <a:xfrm>
+            <a:off x="3168774" y="6930876"/>
+            <a:ext cx="3528392" cy="493901"/>
+          </a:xfrm>
+          <a:prstGeom prst="rect">
+            <a:avLst/>
+          </a:prstGeom>
+          <a:noFill/>
+          <a:ln>
+            <a:noFill/>
+          </a:ln>
+          <a:extLst>
+            <a:ext uri="{909E8E84-426E-40DD-AFC4-6F175D3DCCD1}">
+              <a14:hiddenFill xmlns="" xmlns:a14="http://schemas.microsoft.com/office/drawing/2010/main">
+                <a:solidFill>
+                  <a:srgbClr val="FFFFFF"/>
+                </a:solidFill>
+              </a14:hiddenFill>
+            </a:ext>
+            <a:ext uri="{91240B29-F687-4F45-9708-019B960494DF}">
+              <a14:hiddenLine xmlns="" xmlns:a14="http://schemas.microsoft.com/office/drawing/2010/main" w="9525">
+                <a:solidFill>
+                  <a:srgbClr val="000000"/>
+                </a:solidFill>
+                <a:miter lim="800000"/>
+                <a:headEnd/>
+                <a:tailEnd/>
+              </a14:hiddenLine>
+            </a:ext>
+          </a:extLst>
+        </p:spPr>
+        <p:txBody>
+          <a:bodyPr wrap="square" lIns="47165" tIns="23582" rIns="47165" bIns="23582">
+            <a:spAutoFit/>
+          </a:bodyPr>
+          <a:lstStyle>
+            <a:lvl1pPr defTabSz="1433513" eaLnBrk="0" hangingPunct="0">
+              <a:defRPr sz="2900">
+                <a:solidFill>
+                  <a:schemeClr val="tx1"/>
+                </a:solidFill>
+                <a:latin typeface="Arial" charset="0"/>
+              </a:defRPr>
+            </a:lvl1pPr>
+            <a:lvl2pPr marL="742950" indent="-285750" defTabSz="1433513" eaLnBrk="0" hangingPunct="0">
+              <a:defRPr sz="2900">
+                <a:solidFill>
+                  <a:schemeClr val="tx1"/>
+                </a:solidFill>
+                <a:latin typeface="Arial" charset="0"/>
+              </a:defRPr>
+            </a:lvl2pPr>
+            <a:lvl3pPr marL="1143000" indent="-228600" defTabSz="1433513" eaLnBrk="0" hangingPunct="0">
+              <a:defRPr sz="2900">
+                <a:solidFill>
+                  <a:schemeClr val="tx1"/>
+                </a:solidFill>
+                <a:latin typeface="Arial" charset="0"/>
+              </a:defRPr>
+            </a:lvl3pPr>
+            <a:lvl4pPr marL="1600200" indent="-228600" defTabSz="1433513" eaLnBrk="0" hangingPunct="0">
+              <a:defRPr sz="2900">
+                <a:solidFill>
+                  <a:schemeClr val="tx1"/>
+                </a:solidFill>
+                <a:latin typeface="Arial" charset="0"/>
+              </a:defRPr>
+            </a:lvl4pPr>
+            <a:lvl5pPr marL="2057400" indent="-228600" defTabSz="1433513" eaLnBrk="0" hangingPunct="0">
+              <a:defRPr sz="2900">
+                <a:solidFill>
+                  <a:schemeClr val="tx1"/>
+                </a:solidFill>
+                <a:latin typeface="Arial" charset="0"/>
+              </a:defRPr>
+            </a:lvl5pPr>
+            <a:lvl6pPr marL="2514600" indent="-228600" defTabSz="1433513" eaLnBrk="0" fontAlgn="base" hangingPunct="0">
+              <a:spcBef>
+                <a:spcPct val="0"/>
+              </a:spcBef>
+              <a:spcAft>
+                <a:spcPct val="0"/>
+              </a:spcAft>
+              <a:defRPr sz="2900">
+                <a:solidFill>
+                  <a:schemeClr val="tx1"/>
+                </a:solidFill>
+                <a:latin typeface="Arial" charset="0"/>
+              </a:defRPr>
+            </a:lvl6pPr>
+            <a:lvl7pPr marL="2971800" indent="-228600" defTabSz="1433513" eaLnBrk="0" fontAlgn="base" hangingPunct="0">
+              <a:spcBef>
+                <a:spcPct val="0"/>
+              </a:spcBef>
+              <a:spcAft>
+                <a:spcPct val="0"/>
+              </a:spcAft>
+              <a:defRPr sz="2900">
+                <a:solidFill>
+                  <a:schemeClr val="tx1"/>
+                </a:solidFill>
+                <a:latin typeface="Arial" charset="0"/>
+              </a:defRPr>
+            </a:lvl7pPr>
+            <a:lvl8pPr marL="3429000" indent="-228600" defTabSz="1433513" eaLnBrk="0" fontAlgn="base" hangingPunct="0">
+              <a:spcBef>
+                <a:spcPct val="0"/>
+              </a:spcBef>
+              <a:spcAft>
+                <a:spcPct val="0"/>
+              </a:spcAft>
+              <a:defRPr sz="2900">
+                <a:solidFill>
+                  <a:schemeClr val="tx1"/>
+                </a:solidFill>
+                <a:latin typeface="Arial" charset="0"/>
+              </a:defRPr>
+            </a:lvl8pPr>
+            <a:lvl9pPr marL="3886200" indent="-228600" defTabSz="1433513" eaLnBrk="0" fontAlgn="base" hangingPunct="0">
+              <a:spcBef>
+                <a:spcPct val="0"/>
+              </a:spcBef>
+              <a:spcAft>
+                <a:spcPct val="0"/>
+              </a:spcAft>
+              <a:defRPr sz="2900">
+                <a:solidFill>
+                  <a:schemeClr val="tx1"/>
+                </a:solidFill>
+                <a:latin typeface="Arial" charset="0"/>
+              </a:defRPr>
+            </a:lvl9pPr>
+          </a:lstStyle>
+          <a:p>
+            <a:pPr algn="ctr" eaLnBrk="1" hangingPunct="1">
+              <a:spcBef>
+                <a:spcPct val="50000"/>
+              </a:spcBef>
+            </a:pPr>
+            <a:r>
+              <a:rPr lang="en-US" altLang="x-none" b="1" dirty="0" smtClean="0"/>
+              <a:t>Game layout</a:t>
+            </a:r>
+            <a:endParaRPr lang="en-US" altLang="x-none" b="1" dirty="0" smtClean="0"/>
+          </a:p>
+        </p:txBody>
+      </p:sp>
+      <p:sp>
+        <p:nvSpPr>
+          <p:cNvPr id="26" name="Text Box 6"/>
+          <p:cNvSpPr txBox="1">
+            <a:spLocks noChangeArrowheads="1"/>
+          </p:cNvSpPr>
+          <p:nvPr/>
+        </p:nvSpPr>
+        <p:spPr bwMode="auto">
+          <a:xfrm>
+            <a:off x="11017646" y="7002884"/>
+            <a:ext cx="3528392" cy="493901"/>
+          </a:xfrm>
+          <a:prstGeom prst="rect">
+            <a:avLst/>
+          </a:prstGeom>
+          <a:noFill/>
+          <a:ln>
+            <a:noFill/>
+          </a:ln>
+          <a:extLst>
+            <a:ext uri="{909E8E84-426E-40DD-AFC4-6F175D3DCCD1}">
+              <a14:hiddenFill xmlns="" xmlns:a14="http://schemas.microsoft.com/office/drawing/2010/main">
+                <a:solidFill>
+                  <a:srgbClr val="FFFFFF"/>
+                </a:solidFill>
+              </a14:hiddenFill>
+            </a:ext>
+            <a:ext uri="{91240B29-F687-4F45-9708-019B960494DF}">
+              <a14:hiddenLine xmlns="" xmlns:a14="http://schemas.microsoft.com/office/drawing/2010/main" w="9525">
+                <a:solidFill>
+                  <a:srgbClr val="000000"/>
+                </a:solidFill>
+                <a:miter lim="800000"/>
+                <a:headEnd/>
+                <a:tailEnd/>
+              </a14:hiddenLine>
+            </a:ext>
+          </a:extLst>
+        </p:spPr>
+        <p:txBody>
+          <a:bodyPr wrap="square" lIns="47165" tIns="23582" rIns="47165" bIns="23582">
+            <a:spAutoFit/>
+          </a:bodyPr>
+          <a:lstStyle>
+            <a:lvl1pPr defTabSz="1433513" eaLnBrk="0" hangingPunct="0">
+              <a:defRPr sz="2900">
+                <a:solidFill>
+                  <a:schemeClr val="tx1"/>
+                </a:solidFill>
+                <a:latin typeface="Arial" charset="0"/>
+              </a:defRPr>
+            </a:lvl1pPr>
+            <a:lvl2pPr marL="742950" indent="-285750" defTabSz="1433513" eaLnBrk="0" hangingPunct="0">
+              <a:defRPr sz="2900">
+                <a:solidFill>
+                  <a:schemeClr val="tx1"/>
+                </a:solidFill>
+                <a:latin typeface="Arial" charset="0"/>
+              </a:defRPr>
+            </a:lvl2pPr>
+            <a:lvl3pPr marL="1143000" indent="-228600" defTabSz="1433513" eaLnBrk="0" hangingPunct="0">
+              <a:defRPr sz="2900">
+                <a:solidFill>
+                  <a:schemeClr val="tx1"/>
+                </a:solidFill>
+                <a:latin typeface="Arial" charset="0"/>
+              </a:defRPr>
+            </a:lvl3pPr>
+            <a:lvl4pPr marL="1600200" indent="-228600" defTabSz="1433513" eaLnBrk="0" hangingPunct="0">
+              <a:defRPr sz="2900">
+                <a:solidFill>
+                  <a:schemeClr val="tx1"/>
+                </a:solidFill>
+                <a:latin typeface="Arial" charset="0"/>
+              </a:defRPr>
+            </a:lvl4pPr>
+            <a:lvl5pPr marL="2057400" indent="-228600" defTabSz="1433513" eaLnBrk="0" hangingPunct="0">
+              <a:defRPr sz="2900">
+                <a:solidFill>
+                  <a:schemeClr val="tx1"/>
+                </a:solidFill>
+                <a:latin typeface="Arial" charset="0"/>
+              </a:defRPr>
+            </a:lvl5pPr>
+            <a:lvl6pPr marL="2514600" indent="-228600" defTabSz="1433513" eaLnBrk="0" fontAlgn="base" hangingPunct="0">
+              <a:spcBef>
+                <a:spcPct val="0"/>
+              </a:spcBef>
+              <a:spcAft>
+                <a:spcPct val="0"/>
+              </a:spcAft>
+              <a:defRPr sz="2900">
+                <a:solidFill>
+                  <a:schemeClr val="tx1"/>
+                </a:solidFill>
+                <a:latin typeface="Arial" charset="0"/>
+              </a:defRPr>
+            </a:lvl6pPr>
+            <a:lvl7pPr marL="2971800" indent="-228600" defTabSz="1433513" eaLnBrk="0" fontAlgn="base" hangingPunct="0">
+              <a:spcBef>
+                <a:spcPct val="0"/>
+              </a:spcBef>
+              <a:spcAft>
+                <a:spcPct val="0"/>
+              </a:spcAft>
+              <a:defRPr sz="2900">
+                <a:solidFill>
+                  <a:schemeClr val="tx1"/>
+                </a:solidFill>
+                <a:latin typeface="Arial" charset="0"/>
+              </a:defRPr>
+            </a:lvl7pPr>
+            <a:lvl8pPr marL="3429000" indent="-228600" defTabSz="1433513" eaLnBrk="0" fontAlgn="base" hangingPunct="0">
+              <a:spcBef>
+                <a:spcPct val="0"/>
+              </a:spcBef>
+              <a:spcAft>
+                <a:spcPct val="0"/>
+              </a:spcAft>
+              <a:defRPr sz="2900">
+                <a:solidFill>
+                  <a:schemeClr val="tx1"/>
+                </a:solidFill>
+                <a:latin typeface="Arial" charset="0"/>
+              </a:defRPr>
+            </a:lvl8pPr>
+            <a:lvl9pPr marL="3886200" indent="-228600" defTabSz="1433513" eaLnBrk="0" fontAlgn="base" hangingPunct="0">
+              <a:spcBef>
+                <a:spcPct val="0"/>
+              </a:spcBef>
+              <a:spcAft>
+                <a:spcPct val="0"/>
+              </a:spcAft>
+              <a:defRPr sz="2900">
+                <a:solidFill>
+                  <a:schemeClr val="tx1"/>
+                </a:solidFill>
+                <a:latin typeface="Arial" charset="0"/>
+              </a:defRPr>
+            </a:lvl9pPr>
+          </a:lstStyle>
+          <a:p>
+            <a:pPr algn="ctr" eaLnBrk="1" hangingPunct="1">
+              <a:spcBef>
+                <a:spcPct val="50000"/>
+              </a:spcBef>
+            </a:pPr>
+            <a:r>
+              <a:rPr lang="en-US" altLang="x-none" b="1" dirty="0" smtClean="0"/>
+              <a:t>Card Layout</a:t>
+            </a:r>
+          </a:p>
+        </p:txBody>
+      </p:sp>
+      <p:pic>
+        <p:nvPicPr>
+          <p:cNvPr id="1026" name="Picture 2"/>
+          <p:cNvPicPr>
+            <a:picLocks noChangeAspect="1" noChangeArrowheads="1"/>
+          </p:cNvPicPr>
+          <p:nvPr/>
+        </p:nvPicPr>
+        <p:blipFill>
+          <a:blip r:embed="rId5" cstate="print"/>
+          <a:srcRect/>
+          <a:stretch>
+            <a:fillRect/>
+          </a:stretch>
+        </p:blipFill>
+        <p:spPr bwMode="auto">
+          <a:xfrm>
+            <a:off x="10801622" y="7722964"/>
+            <a:ext cx="4094573" cy="2520280"/>
+          </a:xfrm>
+          <a:prstGeom prst="rect">
+            <a:avLst/>
+          </a:prstGeom>
+          <a:noFill/>
+          <a:ln w="9525">
+            <a:noFill/>
+            <a:miter lim="800000"/>
+            <a:headEnd/>
+            <a:tailEnd/>
+          </a:ln>
+        </p:spPr>
+      </p:pic>
+      <p:sp>
+        <p:nvSpPr>
+          <p:cNvPr id="24" name="Text Box 6"/>
+          <p:cNvSpPr txBox="1">
+            <a:spLocks noChangeArrowheads="1"/>
+          </p:cNvSpPr>
+          <p:nvPr/>
+        </p:nvSpPr>
+        <p:spPr bwMode="auto">
+          <a:xfrm>
+            <a:off x="8785398" y="2250356"/>
+            <a:ext cx="4968552" cy="493901"/>
+          </a:xfrm>
+          <a:prstGeom prst="rect">
+            <a:avLst/>
+          </a:prstGeom>
+          <a:noFill/>
+          <a:ln>
+            <a:noFill/>
+          </a:ln>
+          <a:extLst>
+            <a:ext uri="{909E8E84-426E-40DD-AFC4-6F175D3DCCD1}">
+              <a14:hiddenFill xmlns="" xmlns:a14="http://schemas.microsoft.com/office/drawing/2010/main">
+                <a:solidFill>
+                  <a:srgbClr val="FFFFFF"/>
+                </a:solidFill>
+              </a14:hiddenFill>
+            </a:ext>
+            <a:ext uri="{91240B29-F687-4F45-9708-019B960494DF}">
+              <a14:hiddenLine xmlns="" xmlns:a14="http://schemas.microsoft.com/office/drawing/2010/main" w="9525">
+                <a:solidFill>
+                  <a:srgbClr val="000000"/>
+                </a:solidFill>
+                <a:miter lim="800000"/>
+                <a:headEnd/>
+                <a:tailEnd/>
+              </a14:hiddenLine>
+            </a:ext>
+          </a:extLst>
+        </p:spPr>
+        <p:txBody>
+          <a:bodyPr wrap="square" lIns="47165" tIns="23582" rIns="47165" bIns="23582">
+            <a:spAutoFit/>
+          </a:bodyPr>
+          <a:lstStyle>
+            <a:lvl1pPr defTabSz="1433513" eaLnBrk="0" hangingPunct="0">
+              <a:defRPr sz="2900">
+                <a:solidFill>
+                  <a:schemeClr val="tx1"/>
+                </a:solidFill>
+                <a:latin typeface="Arial" charset="0"/>
+              </a:defRPr>
+            </a:lvl1pPr>
+            <a:lvl2pPr marL="742950" indent="-285750" defTabSz="1433513" eaLnBrk="0" hangingPunct="0">
+              <a:defRPr sz="2900">
+                <a:solidFill>
+                  <a:schemeClr val="tx1"/>
+                </a:solidFill>
+                <a:latin typeface="Arial" charset="0"/>
+              </a:defRPr>
+            </a:lvl2pPr>
+            <a:lvl3pPr marL="1143000" indent="-228600" defTabSz="1433513" eaLnBrk="0" hangingPunct="0">
+              <a:defRPr sz="2900">
+                <a:solidFill>
+                  <a:schemeClr val="tx1"/>
+                </a:solidFill>
+                <a:latin typeface="Arial" charset="0"/>
+              </a:defRPr>
+            </a:lvl3pPr>
+            <a:lvl4pPr marL="1600200" indent="-228600" defTabSz="1433513" eaLnBrk="0" hangingPunct="0">
+              <a:defRPr sz="2900">
+                <a:solidFill>
+                  <a:schemeClr val="tx1"/>
+                </a:solidFill>
+                <a:latin typeface="Arial" charset="0"/>
+              </a:defRPr>
+            </a:lvl4pPr>
+            <a:lvl5pPr marL="2057400" indent="-228600" defTabSz="1433513" eaLnBrk="0" hangingPunct="0">
+              <a:defRPr sz="2900">
+                <a:solidFill>
+                  <a:schemeClr val="tx1"/>
+                </a:solidFill>
+                <a:latin typeface="Arial" charset="0"/>
+              </a:defRPr>
+            </a:lvl5pPr>
+            <a:lvl6pPr marL="2514600" indent="-228600" defTabSz="1433513" eaLnBrk="0" fontAlgn="base" hangingPunct="0">
+              <a:spcBef>
+                <a:spcPct val="0"/>
+              </a:spcBef>
+              <a:spcAft>
+                <a:spcPct val="0"/>
+              </a:spcAft>
+              <a:defRPr sz="2900">
+                <a:solidFill>
+                  <a:schemeClr val="tx1"/>
+                </a:solidFill>
+                <a:latin typeface="Arial" charset="0"/>
+              </a:defRPr>
+            </a:lvl6pPr>
+            <a:lvl7pPr marL="2971800" indent="-228600" defTabSz="1433513" eaLnBrk="0" fontAlgn="base" hangingPunct="0">
+              <a:spcBef>
+                <a:spcPct val="0"/>
+              </a:spcBef>
+              <a:spcAft>
+                <a:spcPct val="0"/>
+              </a:spcAft>
+              <a:defRPr sz="2900">
+                <a:solidFill>
+                  <a:schemeClr val="tx1"/>
+                </a:solidFill>
+                <a:latin typeface="Arial" charset="0"/>
+              </a:defRPr>
+            </a:lvl7pPr>
+            <a:lvl8pPr marL="3429000" indent="-228600" defTabSz="1433513" eaLnBrk="0" fontAlgn="base" hangingPunct="0">
+              <a:spcBef>
+                <a:spcPct val="0"/>
+              </a:spcBef>
+              <a:spcAft>
+                <a:spcPct val="0"/>
+              </a:spcAft>
+              <a:defRPr sz="2900">
+                <a:solidFill>
+                  <a:schemeClr val="tx1"/>
+                </a:solidFill>
+                <a:latin typeface="Arial" charset="0"/>
+              </a:defRPr>
+            </a:lvl8pPr>
+            <a:lvl9pPr marL="3886200" indent="-228600" defTabSz="1433513" eaLnBrk="0" fontAlgn="base" hangingPunct="0">
+              <a:spcBef>
+                <a:spcPct val="0"/>
+              </a:spcBef>
+              <a:spcAft>
+                <a:spcPct val="0"/>
+              </a:spcAft>
+              <a:defRPr sz="2900">
+                <a:solidFill>
+                  <a:schemeClr val="tx1"/>
+                </a:solidFill>
+                <a:latin typeface="Arial" charset="0"/>
+              </a:defRPr>
+            </a:lvl9pPr>
+          </a:lstStyle>
+          <a:p>
+            <a:pPr algn="ctr" eaLnBrk="1" hangingPunct="1">
+              <a:spcBef>
+                <a:spcPct val="50000"/>
+              </a:spcBef>
+            </a:pPr>
+            <a:r>
+              <a:rPr lang="en-US" altLang="x-none" b="1" dirty="0" smtClean="0"/>
+              <a:t>How To Play </a:t>
+            </a:r>
+          </a:p>
+        </p:txBody>
+      </p:sp>
+      <p:sp>
+        <p:nvSpPr>
+          <p:cNvPr id="29" name="TextBox 28"/>
+          <p:cNvSpPr txBox="1"/>
+          <p:nvPr/>
+        </p:nvSpPr>
+        <p:spPr>
+          <a:xfrm>
+            <a:off x="7849294" y="3186460"/>
+            <a:ext cx="6840760" cy="3170099"/>
+          </a:xfrm>
+          <a:prstGeom prst="rect">
+            <a:avLst/>
+          </a:prstGeom>
+          <a:noFill/>
+        </p:spPr>
+        <p:txBody>
+          <a:bodyPr wrap="square" rtlCol="0">
+            <a:spAutoFit/>
+          </a:bodyPr>
+          <a:lstStyle/>
+          <a:p>
+            <a:pPr marL="457200" indent="-457200">
+              <a:buAutoNum type="arabicParenR"/>
+            </a:pPr>
+            <a:r>
+              <a:rPr lang="en-GB" sz="2000" dirty="0" smtClean="0"/>
+              <a:t>Each </a:t>
+            </a:r>
+            <a:r>
+              <a:rPr lang="en-GB" sz="2000" dirty="0" smtClean="0"/>
+              <a:t>p</a:t>
+            </a:r>
+            <a:r>
+              <a:rPr lang="en-GB" sz="2000" dirty="0" smtClean="0"/>
+              <a:t>layer starts with 25 gold</a:t>
+            </a:r>
+          </a:p>
+          <a:p>
+            <a:pPr marL="457200" indent="-457200">
+              <a:buAutoNum type="arabicParenR"/>
+            </a:pPr>
+            <a:r>
+              <a:rPr lang="en-GB" sz="2000" dirty="0" smtClean="0"/>
+              <a:t>Players take it in turns to play as many cards from their hand as they like.</a:t>
+            </a:r>
+          </a:p>
+          <a:p>
+            <a:pPr marL="457200" indent="-457200">
+              <a:buAutoNum type="arabicParenR"/>
+            </a:pPr>
+            <a:r>
+              <a:rPr lang="en-GB" sz="2000" dirty="0" smtClean="0"/>
+              <a:t>Each card played has a cost in gold that must be paid.</a:t>
+            </a:r>
+          </a:p>
+          <a:p>
+            <a:pPr marL="457200" indent="-457200">
+              <a:buAutoNum type="arabicParenR"/>
+            </a:pPr>
+            <a:r>
+              <a:rPr lang="en-GB" sz="2000" dirty="0" smtClean="0"/>
+              <a:t>Players can attack their opponent’s cards with their own. Each card loses health equal to the other’s strength. Cards that reach 0 health are killed.</a:t>
+            </a:r>
+          </a:p>
+          <a:p>
+            <a:pPr marL="457200" indent="-457200">
+              <a:buAutoNum type="arabicParenR"/>
+            </a:pPr>
+            <a:r>
+              <a:rPr lang="en-GB" sz="2000" dirty="0" smtClean="0"/>
+              <a:t>Players can attack their opponent’s gold reserves if their opponent has no cards in play.</a:t>
+            </a:r>
+          </a:p>
+          <a:p>
+            <a:pPr marL="457200" indent="-457200">
+              <a:buAutoNum type="arabicParenR"/>
+            </a:pPr>
+            <a:r>
+              <a:rPr lang="en-GB" sz="2000" dirty="0" smtClean="0"/>
+              <a:t>The first player to reach 0 gold loses.</a:t>
+            </a:r>
+            <a:endParaRPr lang="en-GB" sz="2000" dirty="0" smtClean="0"/>
+          </a:p>
+        </p:txBody>
+      </p:sp>
+      <p:sp>
+        <p:nvSpPr>
+          <p:cNvPr id="31" name="TextBox 30"/>
+          <p:cNvSpPr txBox="1"/>
+          <p:nvPr/>
+        </p:nvSpPr>
+        <p:spPr>
+          <a:xfrm>
+            <a:off x="10441582" y="2682404"/>
+            <a:ext cx="1542410" cy="784830"/>
+          </a:xfrm>
+          <a:prstGeom prst="rect">
+            <a:avLst/>
+          </a:prstGeom>
+          <a:noFill/>
+        </p:spPr>
+        <p:txBody>
+          <a:bodyPr wrap="none" rtlCol="0">
+            <a:spAutoFit/>
+          </a:bodyPr>
+          <a:lstStyle/>
+          <a:p>
+            <a:r>
+              <a:rPr lang="en-US" altLang="x-none" sz="1600" b="1" dirty="0" smtClean="0"/>
+              <a:t>(Summarized)</a:t>
+            </a:r>
+          </a:p>
+          <a:p>
+            <a:endParaRPr lang="en-GB" dirty="0"/>
+          </a:p>
+        </p:txBody>
+      </p:sp>
+      <p:pic>
+        <p:nvPicPr>
+          <p:cNvPr id="2" name="Picture 2"/>
+          <p:cNvPicPr>
+            <a:picLocks noChangeAspect="1" noChangeArrowheads="1"/>
+          </p:cNvPicPr>
+          <p:nvPr/>
+        </p:nvPicPr>
+        <p:blipFill>
+          <a:blip r:embed="rId6" cstate="print"/>
+          <a:srcRect r="5234"/>
+          <a:stretch>
+            <a:fillRect/>
+          </a:stretch>
+        </p:blipFill>
+        <p:spPr bwMode="auto">
+          <a:xfrm>
+            <a:off x="720502" y="7578948"/>
+            <a:ext cx="9577064" cy="2733675"/>
+          </a:xfrm>
+          <a:prstGeom prst="rect">
+            <a:avLst/>
+          </a:prstGeom>
+          <a:noFill/>
+          <a:ln w="9525">
+            <a:noFill/>
+            <a:miter lim="800000"/>
+            <a:headEnd/>
+            <a:tailEnd/>
+          </a:ln>
+        </p:spPr>
+      </p:pic>
+    </p:spTree>
+  </p:cSld>
+  <p:clrMapOvr>
+    <a:masterClrMapping/>
+  </p:clrMapOvr>
+</p:sld>
+</file>
+
+<file path=ppt/slides/slide2.xml><?xml version="1.0" encoding="utf-8"?>
+<p:sld xmlns:a="http://schemas.openxmlformats.org/drawingml/2006/main" xmlns:r="http://schemas.openxmlformats.org/officeDocument/2006/relationships" xmlns:p="http://schemas.openxmlformats.org/presentationml/2006/main">
+  <p:cSld>
+    <p:bg>
+      <p:bgPr>
+        <a:solidFill>
+          <a:schemeClr val="bg1"/>
+        </a:solidFill>
+        <a:effectLst/>
+      </p:bgPr>
+    </p:bg>
+    <p:spTree>
+      <p:nvGrpSpPr>
+        <p:cNvPr id="1" name=""/>
+        <p:cNvGrpSpPr/>
+        <p:nvPr/>
+      </p:nvGrpSpPr>
+      <p:grpSpPr>
+        <a:xfrm>
+          <a:off x="0" y="0"/>
+          <a:ext cx="0" cy="0"/>
+          <a:chOff x="0" y="0"/>
+          <a:chExt cx="0" cy="0"/>
+        </a:xfrm>
+      </p:grpSpPr>
+      <p:sp>
+        <p:nvSpPr>
+          <p:cNvPr id="2050" name="Line 15"/>
+          <p:cNvSpPr>
+            <a:spLocks noChangeShapeType="1"/>
+          </p:cNvSpPr>
+          <p:nvPr/>
+        </p:nvSpPr>
+        <p:spPr bwMode="auto">
+          <a:xfrm>
+            <a:off x="0" y="1406525"/>
+            <a:ext cx="15122525" cy="0"/>
+          </a:xfrm>
+          <a:prstGeom prst="line">
+            <a:avLst/>
+          </a:prstGeom>
+          <a:noFill/>
+          <a:ln w="114300">
+            <a:solidFill>
+              <a:srgbClr val="00FFFF"/>
+            </a:solidFill>
+            <a:round/>
+            <a:headEnd/>
+            <a:tailEnd/>
+          </a:ln>
+          <a:extLst>
+            <a:ext uri="{909E8E84-426E-40DD-AFC4-6F175D3DCCD1}">
+              <a14:hiddenFill xmlns="" xmlns:a14="http://schemas.microsoft.com/office/drawing/2010/main">
+                <a:noFill/>
+              </a14:hiddenFill>
+            </a:ext>
+          </a:extLst>
+        </p:spPr>
+        <p:txBody>
+          <a:bodyPr lIns="94064" tIns="47032" rIns="94064" bIns="47032"/>
+          <a:lstStyle/>
+          <a:p>
+            <a:endParaRPr lang="en-US"/>
+          </a:p>
+        </p:txBody>
+      </p:sp>
+      <p:pic>
+        <p:nvPicPr>
+          <p:cNvPr id="2051" name="Picture 17" descr="logo large"/>
+          <p:cNvPicPr>
+            <a:picLocks noChangeAspect="1" noChangeArrowheads="1"/>
+          </p:cNvPicPr>
+          <p:nvPr/>
+        </p:nvPicPr>
+        <p:blipFill>
+          <a:blip r:embed="rId3" cstate="print">
+            <a:extLst>
+              <a:ext uri="{28A0092B-C50C-407E-A947-70E740481C1C}">
+                <a14:useLocalDpi xmlns="" xmlns:a14="http://schemas.microsoft.com/office/drawing/2010/main" val="0"/>
+              </a:ext>
+            </a:extLst>
+          </a:blip>
+          <a:srcRect/>
+          <a:stretch>
+            <a:fillRect/>
+          </a:stretch>
+        </p:blipFill>
+        <p:spPr bwMode="auto">
+          <a:xfrm>
+            <a:off x="0" y="0"/>
+            <a:ext cx="3946525" cy="1357313"/>
+          </a:xfrm>
+          <a:prstGeom prst="rect">
+            <a:avLst/>
+          </a:prstGeom>
+          <a:noFill/>
+          <a:ln>
+            <a:noFill/>
+          </a:ln>
+          <a:extLst>
+            <a:ext uri="{909E8E84-426E-40DD-AFC4-6F175D3DCCD1}">
+              <a14:hiddenFill xmlns="" xmlns:a14="http://schemas.microsoft.com/office/drawing/2010/main">
+                <a:solidFill>
+                  <a:srgbClr val="FFFFFF"/>
+                </a:solidFill>
+              </a14:hiddenFill>
+            </a:ext>
+            <a:ext uri="{91240B29-F687-4F45-9708-019B960494DF}">
+              <a14:hiddenLine xmlns="" xmlns:a14="http://schemas.microsoft.com/office/drawing/2010/main" w="9525">
+                <a:solidFill>
+                  <a:srgbClr val="000000"/>
+                </a:solidFill>
+                <a:miter lim="800000"/>
+                <a:headEnd/>
+                <a:tailEnd/>
+              </a14:hiddenLine>
+            </a:ext>
+          </a:extLst>
+        </p:spPr>
+      </p:pic>
+      <p:sp>
+        <p:nvSpPr>
+          <p:cNvPr id="2052" name="Rectangle 14"/>
+          <p:cNvSpPr>
+            <a:spLocks noChangeArrowheads="1"/>
+          </p:cNvSpPr>
+          <p:nvPr/>
+        </p:nvSpPr>
+        <p:spPr bwMode="auto">
+          <a:xfrm>
+            <a:off x="0" y="1425575"/>
+            <a:ext cx="15122525" cy="9267825"/>
+          </a:xfrm>
+          <a:prstGeom prst="rect">
+            <a:avLst/>
+          </a:prstGeom>
+          <a:solidFill>
+            <a:srgbClr val="046381"/>
+          </a:solidFill>
+          <a:ln>
+            <a:noFill/>
+          </a:ln>
+          <a:extLst>
+            <a:ext uri="{91240B29-F687-4F45-9708-019B960494DF}">
+              <a14:hiddenLine xmlns="" xmlns:a14="http://schemas.microsoft.com/office/drawing/2010/main" w="9525">
+                <a:solidFill>
+                  <a:srgbClr val="000000"/>
+                </a:solidFill>
+                <a:miter lim="800000"/>
+                <a:headEnd/>
+                <a:tailEnd/>
+              </a14:hiddenLine>
+            </a:ext>
+          </a:extLst>
+        </p:spPr>
+        <p:txBody>
+          <a:bodyPr wrap="none" lIns="47165" tIns="23582" rIns="47165" bIns="23582" anchor="ctr"/>
+          <a:lstStyle>
+            <a:lvl1pPr defTabSz="471488" eaLnBrk="0" hangingPunct="0">
+              <a:defRPr sz="2900">
+                <a:solidFill>
+                  <a:schemeClr val="tx1"/>
+                </a:solidFill>
+                <a:latin typeface="Arial" charset="0"/>
+              </a:defRPr>
+            </a:lvl1pPr>
+            <a:lvl2pPr marL="742950" indent="-285750" defTabSz="471488" eaLnBrk="0" hangingPunct="0">
+              <a:defRPr sz="2900">
+                <a:solidFill>
+                  <a:schemeClr val="tx1"/>
+                </a:solidFill>
+                <a:latin typeface="Arial" charset="0"/>
+              </a:defRPr>
+            </a:lvl2pPr>
+            <a:lvl3pPr marL="1143000" indent="-228600" defTabSz="471488" eaLnBrk="0" hangingPunct="0">
+              <a:defRPr sz="2900">
+                <a:solidFill>
+                  <a:schemeClr val="tx1"/>
+                </a:solidFill>
+                <a:latin typeface="Arial" charset="0"/>
+              </a:defRPr>
+            </a:lvl3pPr>
+            <a:lvl4pPr marL="1600200" indent="-228600" defTabSz="471488" eaLnBrk="0" hangingPunct="0">
+              <a:defRPr sz="2900">
+                <a:solidFill>
+                  <a:schemeClr val="tx1"/>
+                </a:solidFill>
+                <a:latin typeface="Arial" charset="0"/>
+              </a:defRPr>
+            </a:lvl4pPr>
+            <a:lvl5pPr marL="2057400" indent="-228600" defTabSz="471488" eaLnBrk="0" hangingPunct="0">
+              <a:defRPr sz="2900">
+                <a:solidFill>
+                  <a:schemeClr val="tx1"/>
+                </a:solidFill>
+                <a:latin typeface="Arial" charset="0"/>
+              </a:defRPr>
+            </a:lvl5pPr>
+            <a:lvl6pPr marL="2514600" indent="-228600" defTabSz="471488" eaLnBrk="0" fontAlgn="base" hangingPunct="0">
+              <a:spcBef>
+                <a:spcPct val="0"/>
+              </a:spcBef>
+              <a:spcAft>
+                <a:spcPct val="0"/>
+              </a:spcAft>
+              <a:defRPr sz="2900">
+                <a:solidFill>
+                  <a:schemeClr val="tx1"/>
+                </a:solidFill>
+                <a:latin typeface="Arial" charset="0"/>
+              </a:defRPr>
+            </a:lvl6pPr>
+            <a:lvl7pPr marL="2971800" indent="-228600" defTabSz="471488" eaLnBrk="0" fontAlgn="base" hangingPunct="0">
+              <a:spcBef>
+                <a:spcPct val="0"/>
+              </a:spcBef>
+              <a:spcAft>
+                <a:spcPct val="0"/>
+              </a:spcAft>
+              <a:defRPr sz="2900">
+                <a:solidFill>
+                  <a:schemeClr val="tx1"/>
+                </a:solidFill>
+                <a:latin typeface="Arial" charset="0"/>
+              </a:defRPr>
+            </a:lvl7pPr>
+            <a:lvl8pPr marL="3429000" indent="-228600" defTabSz="471488" eaLnBrk="0" fontAlgn="base" hangingPunct="0">
+              <a:spcBef>
+                <a:spcPct val="0"/>
+              </a:spcBef>
+              <a:spcAft>
+                <a:spcPct val="0"/>
+              </a:spcAft>
+              <a:defRPr sz="2900">
+                <a:solidFill>
+                  <a:schemeClr val="tx1"/>
+                </a:solidFill>
+                <a:latin typeface="Arial" charset="0"/>
+              </a:defRPr>
+            </a:lvl8pPr>
+            <a:lvl9pPr marL="3886200" indent="-228600" defTabSz="471488" eaLnBrk="0" fontAlgn="base" hangingPunct="0">
+              <a:spcBef>
+                <a:spcPct val="0"/>
+              </a:spcBef>
+              <a:spcAft>
+                <a:spcPct val="0"/>
+              </a:spcAft>
+              <a:defRPr sz="2900">
+                <a:solidFill>
+                  <a:schemeClr val="tx1"/>
+                </a:solidFill>
+                <a:latin typeface="Arial" charset="0"/>
+              </a:defRPr>
+            </a:lvl9pPr>
+          </a:lstStyle>
+          <a:p>
+            <a:pPr eaLnBrk="1" hangingPunct="1"/>
+            <a:endParaRPr lang="en-US" altLang="x-none"/>
+          </a:p>
+        </p:txBody>
+      </p:sp>
+      <p:pic>
+        <p:nvPicPr>
+          <p:cNvPr id="2053" name="Picture 5" descr="use RH modified.jpg"/>
+          <p:cNvPicPr>
+            <a:picLocks noChangeAspect="1"/>
+          </p:cNvPicPr>
+          <p:nvPr/>
+        </p:nvPicPr>
+        <p:blipFill>
+          <a:blip r:embed="rId4" cstate="print">
+            <a:extLst>
+              <a:ext uri="{28A0092B-C50C-407E-A947-70E740481C1C}">
+                <a14:useLocalDpi xmlns="" xmlns:a14="http://schemas.microsoft.com/office/drawing/2010/main" val="0"/>
+              </a:ext>
+            </a:extLst>
+          </a:blip>
+          <a:srcRect/>
+          <a:stretch>
+            <a:fillRect/>
+          </a:stretch>
+        </p:blipFill>
+        <p:spPr bwMode="auto">
+          <a:xfrm>
+            <a:off x="9472613" y="0"/>
+            <a:ext cx="5662612" cy="1363663"/>
+          </a:xfrm>
+          <a:prstGeom prst="rect">
+            <a:avLst/>
+          </a:prstGeom>
+          <a:noFill/>
+          <a:ln>
+            <a:noFill/>
+          </a:ln>
+          <a:extLst>
+            <a:ext uri="{909E8E84-426E-40DD-AFC4-6F175D3DCCD1}">
+              <a14:hiddenFill xmlns="" xmlns:a14="http://schemas.microsoft.com/office/drawing/2010/main">
+                <a:solidFill>
+                  <a:srgbClr val="FFFFFF"/>
+                </a:solidFill>
+              </a14:hiddenFill>
+            </a:ext>
+            <a:ext uri="{91240B29-F687-4F45-9708-019B960494DF}">
+              <a14:hiddenLine xmlns="" xmlns:a14="http://schemas.microsoft.com/office/drawing/2010/main" w="9525">
+                <a:solidFill>
+                  <a:srgbClr val="000000"/>
+                </a:solidFill>
+                <a:miter lim="800000"/>
+                <a:headEnd/>
+                <a:tailEnd/>
+              </a14:hiddenLine>
+            </a:ext>
+          </a:extLst>
+        </p:spPr>
+      </p:pic>
+      <p:sp>
+        <p:nvSpPr>
+          <p:cNvPr id="2054" name="Text Box 6"/>
+          <p:cNvSpPr txBox="1">
+            <a:spLocks noChangeArrowheads="1"/>
+          </p:cNvSpPr>
+          <p:nvPr/>
+        </p:nvSpPr>
+        <p:spPr bwMode="auto">
+          <a:xfrm>
+            <a:off x="7633270" y="1602284"/>
+            <a:ext cx="7278886" cy="493712"/>
+          </a:xfrm>
+          <a:prstGeom prst="rect">
+            <a:avLst/>
+          </a:prstGeom>
+          <a:noFill/>
+          <a:ln>
+            <a:noFill/>
+          </a:ln>
+          <a:extLst>
+            <a:ext uri="{909E8E84-426E-40DD-AFC4-6F175D3DCCD1}">
+              <a14:hiddenFill xmlns="" xmlns:a14="http://schemas.microsoft.com/office/drawing/2010/main">
+                <a:solidFill>
+                  <a:srgbClr val="FFFFFF"/>
+                </a:solidFill>
+              </a14:hiddenFill>
+            </a:ext>
+            <a:ext uri="{91240B29-F687-4F45-9708-019B960494DF}">
+              <a14:hiddenLine xmlns="" xmlns:a14="http://schemas.microsoft.com/office/drawing/2010/main" w="9525">
+                <a:solidFill>
+                  <a:srgbClr val="000000"/>
+                </a:solidFill>
+                <a:miter lim="800000"/>
+                <a:headEnd/>
+                <a:tailEnd/>
+              </a14:hiddenLine>
+            </a:ext>
+          </a:extLst>
+        </p:spPr>
+        <p:txBody>
+          <a:bodyPr wrap="square" lIns="47165" tIns="23582" rIns="47165" bIns="23582">
+            <a:spAutoFit/>
+          </a:bodyPr>
+          <a:lstStyle>
+            <a:lvl1pPr defTabSz="1433513" eaLnBrk="0" hangingPunct="0">
+              <a:defRPr sz="2900">
+                <a:solidFill>
+                  <a:schemeClr val="tx1"/>
+                </a:solidFill>
+                <a:latin typeface="Arial" charset="0"/>
+              </a:defRPr>
+            </a:lvl1pPr>
+            <a:lvl2pPr marL="742950" indent="-285750" defTabSz="1433513" eaLnBrk="0" hangingPunct="0">
+              <a:defRPr sz="2900">
+                <a:solidFill>
+                  <a:schemeClr val="tx1"/>
+                </a:solidFill>
+                <a:latin typeface="Arial" charset="0"/>
+              </a:defRPr>
+            </a:lvl2pPr>
+            <a:lvl3pPr marL="1143000" indent="-228600" defTabSz="1433513" eaLnBrk="0" hangingPunct="0">
+              <a:defRPr sz="2900">
+                <a:solidFill>
+                  <a:schemeClr val="tx1"/>
+                </a:solidFill>
+                <a:latin typeface="Arial" charset="0"/>
+              </a:defRPr>
+            </a:lvl3pPr>
+            <a:lvl4pPr marL="1600200" indent="-228600" defTabSz="1433513" eaLnBrk="0" hangingPunct="0">
+              <a:defRPr sz="2900">
+                <a:solidFill>
+                  <a:schemeClr val="tx1"/>
+                </a:solidFill>
+                <a:latin typeface="Arial" charset="0"/>
+              </a:defRPr>
+            </a:lvl4pPr>
+            <a:lvl5pPr marL="2057400" indent="-228600" defTabSz="1433513" eaLnBrk="0" hangingPunct="0">
+              <a:defRPr sz="2900">
+                <a:solidFill>
+                  <a:schemeClr val="tx1"/>
+                </a:solidFill>
+                <a:latin typeface="Arial" charset="0"/>
+              </a:defRPr>
+            </a:lvl5pPr>
+            <a:lvl6pPr marL="2514600" indent="-228600" defTabSz="1433513" eaLnBrk="0" fontAlgn="base" hangingPunct="0">
+              <a:spcBef>
+                <a:spcPct val="0"/>
+              </a:spcBef>
+              <a:spcAft>
+                <a:spcPct val="0"/>
+              </a:spcAft>
+              <a:defRPr sz="2900">
+                <a:solidFill>
+                  <a:schemeClr val="tx1"/>
+                </a:solidFill>
+                <a:latin typeface="Arial" charset="0"/>
+              </a:defRPr>
+            </a:lvl6pPr>
+            <a:lvl7pPr marL="2971800" indent="-228600" defTabSz="1433513" eaLnBrk="0" fontAlgn="base" hangingPunct="0">
+              <a:spcBef>
+                <a:spcPct val="0"/>
+              </a:spcBef>
+              <a:spcAft>
+                <a:spcPct val="0"/>
+              </a:spcAft>
+              <a:defRPr sz="2900">
+                <a:solidFill>
+                  <a:schemeClr val="tx1"/>
+                </a:solidFill>
+                <a:latin typeface="Arial" charset="0"/>
+              </a:defRPr>
+            </a:lvl7pPr>
+            <a:lvl8pPr marL="3429000" indent="-228600" defTabSz="1433513" eaLnBrk="0" fontAlgn="base" hangingPunct="0">
+              <a:spcBef>
+                <a:spcPct val="0"/>
+              </a:spcBef>
+              <a:spcAft>
+                <a:spcPct val="0"/>
+              </a:spcAft>
+              <a:defRPr sz="2900">
+                <a:solidFill>
+                  <a:schemeClr val="tx1"/>
+                </a:solidFill>
+                <a:latin typeface="Arial" charset="0"/>
+              </a:defRPr>
+            </a:lvl8pPr>
+            <a:lvl9pPr marL="3886200" indent="-228600" defTabSz="1433513" eaLnBrk="0" fontAlgn="base" hangingPunct="0">
+              <a:spcBef>
+                <a:spcPct val="0"/>
+              </a:spcBef>
+              <a:spcAft>
+                <a:spcPct val="0"/>
+              </a:spcAft>
+              <a:defRPr sz="2900">
+                <a:solidFill>
+                  <a:schemeClr val="tx1"/>
+                </a:solidFill>
+                <a:latin typeface="Arial" charset="0"/>
+              </a:defRPr>
+            </a:lvl9pPr>
+          </a:lstStyle>
+          <a:p>
+            <a:pPr algn="ctr" eaLnBrk="1" hangingPunct="1">
+              <a:spcBef>
+                <a:spcPct val="50000"/>
+              </a:spcBef>
+            </a:pPr>
+            <a:r>
+              <a:rPr lang="en-US" altLang="x-none" dirty="0" smtClean="0">
+                <a:solidFill>
+                  <a:schemeClr val="bg1"/>
+                </a:solidFill>
+              </a:rPr>
+              <a:t>Supervisor: Joseph Walton-Rivers</a:t>
+            </a:r>
+            <a:endParaRPr lang="en-US" altLang="x-none" dirty="0">
+              <a:solidFill>
+                <a:schemeClr val="bg1"/>
+              </a:solidFill>
+            </a:endParaRPr>
+          </a:p>
+        </p:txBody>
+      </p:sp>
+      <p:sp>
+        <p:nvSpPr>
+          <p:cNvPr id="2058" name="Rectangle 10"/>
+          <p:cNvSpPr>
+            <a:spLocks noChangeArrowheads="1"/>
+          </p:cNvSpPr>
+          <p:nvPr/>
+        </p:nvSpPr>
+        <p:spPr bwMode="auto">
+          <a:xfrm>
             <a:off x="7633270" y="2382839"/>
             <a:ext cx="7303519" cy="3899965"/>
           </a:xfrm>
@@ -3976,8 +6934,8 @@
         </p:nvSpPr>
         <p:spPr bwMode="auto">
           <a:xfrm>
-            <a:off x="4989513" y="346075"/>
-            <a:ext cx="5286375" cy="538163"/>
+            <a:off x="4248894" y="450156"/>
+            <a:ext cx="6624736" cy="538609"/>
           </a:xfrm>
           <a:prstGeom prst="rect">
             <a:avLst/>
@@ -4007,7 +6965,7 @@
           </a:extLst>
         </p:spPr>
         <p:txBody>
-          <a:bodyPr>
+          <a:bodyPr wrap="square">
             <a:spAutoFit/>
           </a:bodyPr>
           <a:lstStyle>
@@ -4112,7 +7070,7 @@
             <a:pPr algn="ctr" eaLnBrk="1" hangingPunct="1"/>
             <a:r>
               <a:rPr lang="en-US" altLang="x-none" dirty="0" smtClean="0"/>
-              <a:t>Online Deck-Building Game</a:t>
+              <a:t>Lords: An Online Deck-Building Game</a:t>
             </a:r>
             <a:endParaRPr lang="en-US" altLang="x-none" dirty="0"/>
           </a:p>
@@ -4129,7 +7087,7 @@
         <p:spPr bwMode="auto">
           <a:xfrm>
             <a:off x="216446" y="1602284"/>
-            <a:ext cx="3528392" cy="493712"/>
+            <a:ext cx="7272808" cy="493712"/>
           </a:xfrm>
           <a:prstGeom prst="rect">
             <a:avLst/>
@@ -4272,7 +7230,7 @@
                   <a:schemeClr val="bg1"/>
                 </a:solidFill>
               </a:rPr>
-              <a:t>Tyler Thorn</a:t>
+              <a:t>Developer: Tyler Thorn</a:t>
             </a:r>
             <a:endParaRPr lang="en-US" altLang="x-none" dirty="0">
               <a:solidFill>
@@ -4291,7 +7249,7 @@
           <p:nvPr/>
         </p:nvPicPr>
         <p:blipFill>
-          <a:blip r:embed="rId4" cstate="print"/>
+          <a:blip r:embed="rId5" cstate="print"/>
           <a:srcRect/>
           <a:stretch>
             <a:fillRect/>
@@ -4299,8 +7257,8 @@
         </p:blipFill>
         <p:spPr bwMode="auto">
           <a:xfrm>
-            <a:off x="8713390" y="2538388"/>
-            <a:ext cx="5992451" cy="3688457"/>
+            <a:off x="8785398" y="2970436"/>
+            <a:ext cx="5290524" cy="3256409"/>
           </a:xfrm>
           <a:prstGeom prst="rect">
             <a:avLst/>
@@ -4582,9 +7540,1859 @@
           </a:p>
         </p:txBody>
       </p:sp>
+      <p:sp>
+        <p:nvSpPr>
+          <p:cNvPr id="1031" name="AutoShape 7" descr="Image result for c# logo"/>
+          <p:cNvSpPr>
+            <a:spLocks noChangeAspect="1" noChangeArrowheads="1"/>
+          </p:cNvSpPr>
+          <p:nvPr/>
+        </p:nvSpPr>
+        <p:spPr bwMode="auto">
+          <a:xfrm>
+            <a:off x="155575" y="-144463"/>
+            <a:ext cx="304800" cy="304801"/>
+          </a:xfrm>
+          <a:prstGeom prst="rect">
+            <a:avLst/>
+          </a:prstGeom>
+          <a:noFill/>
+        </p:spPr>
+        <p:txBody>
+          <a:bodyPr vert="horz" wrap="square" lIns="91440" tIns="45720" rIns="91440" bIns="45720" numCol="1" anchor="t" anchorCtr="0" compatLnSpc="1">
+            <a:prstTxWarp prst="textNoShape">
+              <a:avLst/>
+            </a:prstTxWarp>
+          </a:bodyPr>
+          <a:lstStyle/>
+          <a:p>
+            <a:endParaRPr lang="en-GB"/>
+          </a:p>
+        </p:txBody>
+      </p:sp>
+      <p:sp>
+        <p:nvSpPr>
+          <p:cNvPr id="1033" name="AutoShape 9" descr="Image result for c# logo"/>
+          <p:cNvSpPr>
+            <a:spLocks noChangeAspect="1" noChangeArrowheads="1"/>
+          </p:cNvSpPr>
+          <p:nvPr/>
+        </p:nvSpPr>
+        <p:spPr bwMode="auto">
+          <a:xfrm>
+            <a:off x="155575" y="-144463"/>
+            <a:ext cx="304800" cy="304801"/>
+          </a:xfrm>
+          <a:prstGeom prst="rect">
+            <a:avLst/>
+          </a:prstGeom>
+          <a:noFill/>
+        </p:spPr>
+        <p:txBody>
+          <a:bodyPr vert="horz" wrap="square" lIns="91440" tIns="45720" rIns="91440" bIns="45720" numCol="1" anchor="t" anchorCtr="0" compatLnSpc="1">
+            <a:prstTxWarp prst="textNoShape">
+              <a:avLst/>
+            </a:prstTxWarp>
+          </a:bodyPr>
+          <a:lstStyle/>
+          <a:p>
+            <a:endParaRPr lang="en-GB"/>
+          </a:p>
+        </p:txBody>
+      </p:sp>
+      <p:sp>
+        <p:nvSpPr>
+          <p:cNvPr id="1035" name="AutoShape 11" descr="Image result for c# logo"/>
+          <p:cNvSpPr>
+            <a:spLocks noChangeAspect="1" noChangeArrowheads="1"/>
+          </p:cNvSpPr>
+          <p:nvPr/>
+        </p:nvSpPr>
+        <p:spPr bwMode="auto">
+          <a:xfrm>
+            <a:off x="155575" y="-144463"/>
+            <a:ext cx="304800" cy="304801"/>
+          </a:xfrm>
+          <a:prstGeom prst="rect">
+            <a:avLst/>
+          </a:prstGeom>
+          <a:noFill/>
+        </p:spPr>
+        <p:txBody>
+          <a:bodyPr vert="horz" wrap="square" lIns="91440" tIns="45720" rIns="91440" bIns="45720" numCol="1" anchor="t" anchorCtr="0" compatLnSpc="1">
+            <a:prstTxWarp prst="textNoShape">
+              <a:avLst/>
+            </a:prstTxWarp>
+          </a:bodyPr>
+          <a:lstStyle/>
+          <a:p>
+            <a:endParaRPr lang="en-GB"/>
+          </a:p>
+        </p:txBody>
+      </p:sp>
       <p:pic>
         <p:nvPicPr>
-          <p:cNvPr id="1027" name="Picture 3"/>
+          <p:cNvPr id="1041" name="Picture 17" descr="Image result for unity logo"/>
+          <p:cNvPicPr>
+            <a:picLocks noChangeAspect="1" noChangeArrowheads="1"/>
+          </p:cNvPicPr>
+          <p:nvPr/>
+        </p:nvPicPr>
+        <p:blipFill>
+          <a:blip r:embed="rId6" cstate="print"/>
+          <a:srcRect/>
+          <a:stretch>
+            <a:fillRect/>
+          </a:stretch>
+        </p:blipFill>
+        <p:spPr bwMode="auto">
+          <a:xfrm>
+            <a:off x="12531697" y="8587060"/>
+            <a:ext cx="2184458" cy="1635671"/>
+          </a:xfrm>
+          <a:prstGeom prst="rect">
+            <a:avLst/>
+          </a:prstGeom>
+          <a:noFill/>
+        </p:spPr>
+      </p:pic>
+      <p:pic>
+        <p:nvPicPr>
+          <p:cNvPr id="1037" name="Picture 13" descr="Image result for c# logo"/>
+          <p:cNvPicPr>
+            <a:picLocks noChangeAspect="1" noChangeArrowheads="1"/>
+          </p:cNvPicPr>
+          <p:nvPr/>
+        </p:nvPicPr>
+        <p:blipFill>
+          <a:blip r:embed="rId7" cstate="print"/>
+          <a:srcRect/>
+          <a:stretch>
+            <a:fillRect/>
+          </a:stretch>
+        </p:blipFill>
+        <p:spPr bwMode="auto">
+          <a:xfrm>
+            <a:off x="11521702" y="6786860"/>
+            <a:ext cx="2030855" cy="2232248"/>
+          </a:xfrm>
+          <a:prstGeom prst="rect">
+            <a:avLst/>
+          </a:prstGeom>
+          <a:noFill/>
+        </p:spPr>
+      </p:pic>
+      <p:sp>
+        <p:nvSpPr>
+          <p:cNvPr id="21" name="Rectangle 10"/>
+          <p:cNvSpPr>
+            <a:spLocks noChangeArrowheads="1"/>
+          </p:cNvSpPr>
+          <p:nvPr/>
+        </p:nvSpPr>
+        <p:spPr bwMode="auto">
+          <a:xfrm>
+            <a:off x="144438" y="2394372"/>
+            <a:ext cx="7375527" cy="3899965"/>
+          </a:xfrm>
+          <a:prstGeom prst="rect">
+            <a:avLst/>
+          </a:prstGeom>
+          <a:solidFill>
+            <a:schemeClr val="bg1"/>
+          </a:solidFill>
+          <a:ln w="9525">
+            <a:solidFill>
+              <a:schemeClr val="tx1"/>
+            </a:solidFill>
+            <a:miter lim="800000"/>
+            <a:headEnd/>
+            <a:tailEnd/>
+          </a:ln>
+        </p:spPr>
+        <p:txBody>
+          <a:bodyPr/>
+          <a:lstStyle>
+            <a:lvl1pPr eaLnBrk="0" hangingPunct="0">
+              <a:defRPr sz="2900">
+                <a:solidFill>
+                  <a:schemeClr val="tx1"/>
+                </a:solidFill>
+                <a:latin typeface="Arial" charset="0"/>
+              </a:defRPr>
+            </a:lvl1pPr>
+            <a:lvl2pPr marL="742950" indent="-285750" eaLnBrk="0" hangingPunct="0">
+              <a:defRPr sz="2900">
+                <a:solidFill>
+                  <a:schemeClr val="tx1"/>
+                </a:solidFill>
+                <a:latin typeface="Arial" charset="0"/>
+              </a:defRPr>
+            </a:lvl2pPr>
+            <a:lvl3pPr marL="1143000" indent="-228600" eaLnBrk="0" hangingPunct="0">
+              <a:defRPr sz="2900">
+                <a:solidFill>
+                  <a:schemeClr val="tx1"/>
+                </a:solidFill>
+                <a:latin typeface="Arial" charset="0"/>
+              </a:defRPr>
+            </a:lvl3pPr>
+            <a:lvl4pPr marL="1600200" indent="-228600" eaLnBrk="0" hangingPunct="0">
+              <a:defRPr sz="2900">
+                <a:solidFill>
+                  <a:schemeClr val="tx1"/>
+                </a:solidFill>
+                <a:latin typeface="Arial" charset="0"/>
+              </a:defRPr>
+            </a:lvl4pPr>
+            <a:lvl5pPr marL="2057400" indent="-228600" eaLnBrk="0" hangingPunct="0">
+              <a:defRPr sz="2900">
+                <a:solidFill>
+                  <a:schemeClr val="tx1"/>
+                </a:solidFill>
+                <a:latin typeface="Arial" charset="0"/>
+              </a:defRPr>
+            </a:lvl5pPr>
+            <a:lvl6pPr marL="2514600" indent="-228600" eaLnBrk="0" fontAlgn="base" hangingPunct="0">
+              <a:spcBef>
+                <a:spcPct val="0"/>
+              </a:spcBef>
+              <a:spcAft>
+                <a:spcPct val="0"/>
+              </a:spcAft>
+              <a:defRPr sz="2900">
+                <a:solidFill>
+                  <a:schemeClr val="tx1"/>
+                </a:solidFill>
+                <a:latin typeface="Arial" charset="0"/>
+              </a:defRPr>
+            </a:lvl6pPr>
+            <a:lvl7pPr marL="2971800" indent="-228600" eaLnBrk="0" fontAlgn="base" hangingPunct="0">
+              <a:spcBef>
+                <a:spcPct val="0"/>
+              </a:spcBef>
+              <a:spcAft>
+                <a:spcPct val="0"/>
+              </a:spcAft>
+              <a:defRPr sz="2900">
+                <a:solidFill>
+                  <a:schemeClr val="tx1"/>
+                </a:solidFill>
+                <a:latin typeface="Arial" charset="0"/>
+              </a:defRPr>
+            </a:lvl7pPr>
+            <a:lvl8pPr marL="3429000" indent="-228600" eaLnBrk="0" fontAlgn="base" hangingPunct="0">
+              <a:spcBef>
+                <a:spcPct val="0"/>
+              </a:spcBef>
+              <a:spcAft>
+                <a:spcPct val="0"/>
+              </a:spcAft>
+              <a:defRPr sz="2900">
+                <a:solidFill>
+                  <a:schemeClr val="tx1"/>
+                </a:solidFill>
+                <a:latin typeface="Arial" charset="0"/>
+              </a:defRPr>
+            </a:lvl8pPr>
+            <a:lvl9pPr marL="3886200" indent="-228600" eaLnBrk="0" fontAlgn="base" hangingPunct="0">
+              <a:spcBef>
+                <a:spcPct val="0"/>
+              </a:spcBef>
+              <a:spcAft>
+                <a:spcPct val="0"/>
+              </a:spcAft>
+              <a:defRPr sz="2900">
+                <a:solidFill>
+                  <a:schemeClr val="tx1"/>
+                </a:solidFill>
+                <a:latin typeface="Arial" charset="0"/>
+              </a:defRPr>
+            </a:lvl9pPr>
+          </a:lstStyle>
+          <a:p>
+            <a:pPr eaLnBrk="1" hangingPunct="1"/>
+            <a:endParaRPr lang="x-none" altLang="x-none" sz="2000"/>
+          </a:p>
+        </p:txBody>
+      </p:sp>
+      <p:sp>
+        <p:nvSpPr>
+          <p:cNvPr id="22" name="Text Box 6"/>
+          <p:cNvSpPr txBox="1">
+            <a:spLocks noChangeArrowheads="1"/>
+          </p:cNvSpPr>
+          <p:nvPr/>
+        </p:nvSpPr>
+        <p:spPr bwMode="auto">
+          <a:xfrm>
+            <a:off x="1872630" y="2538388"/>
+            <a:ext cx="3528392" cy="493901"/>
+          </a:xfrm>
+          <a:prstGeom prst="rect">
+            <a:avLst/>
+          </a:prstGeom>
+          <a:noFill/>
+          <a:ln>
+            <a:noFill/>
+          </a:ln>
+          <a:extLst>
+            <a:ext uri="{909E8E84-426E-40DD-AFC4-6F175D3DCCD1}">
+              <a14:hiddenFill xmlns="" xmlns:a14="http://schemas.microsoft.com/office/drawing/2010/main">
+                <a:solidFill>
+                  <a:srgbClr val="FFFFFF"/>
+                </a:solidFill>
+              </a14:hiddenFill>
+            </a:ext>
+            <a:ext uri="{91240B29-F687-4F45-9708-019B960494DF}">
+              <a14:hiddenLine xmlns="" xmlns:a14="http://schemas.microsoft.com/office/drawing/2010/main" w="9525">
+                <a:solidFill>
+                  <a:srgbClr val="000000"/>
+                </a:solidFill>
+                <a:miter lim="800000"/>
+                <a:headEnd/>
+                <a:tailEnd/>
+              </a14:hiddenLine>
+            </a:ext>
+          </a:extLst>
+        </p:spPr>
+        <p:txBody>
+          <a:bodyPr wrap="square" lIns="47165" tIns="23582" rIns="47165" bIns="23582">
+            <a:spAutoFit/>
+          </a:bodyPr>
+          <a:lstStyle>
+            <a:lvl1pPr defTabSz="1433513" eaLnBrk="0" hangingPunct="0">
+              <a:defRPr sz="2900">
+                <a:solidFill>
+                  <a:schemeClr val="tx1"/>
+                </a:solidFill>
+                <a:latin typeface="Arial" charset="0"/>
+              </a:defRPr>
+            </a:lvl1pPr>
+            <a:lvl2pPr marL="742950" indent="-285750" defTabSz="1433513" eaLnBrk="0" hangingPunct="0">
+              <a:defRPr sz="2900">
+                <a:solidFill>
+                  <a:schemeClr val="tx1"/>
+                </a:solidFill>
+                <a:latin typeface="Arial" charset="0"/>
+              </a:defRPr>
+            </a:lvl2pPr>
+            <a:lvl3pPr marL="1143000" indent="-228600" defTabSz="1433513" eaLnBrk="0" hangingPunct="0">
+              <a:defRPr sz="2900">
+                <a:solidFill>
+                  <a:schemeClr val="tx1"/>
+                </a:solidFill>
+                <a:latin typeface="Arial" charset="0"/>
+              </a:defRPr>
+            </a:lvl3pPr>
+            <a:lvl4pPr marL="1600200" indent="-228600" defTabSz="1433513" eaLnBrk="0" hangingPunct="0">
+              <a:defRPr sz="2900">
+                <a:solidFill>
+                  <a:schemeClr val="tx1"/>
+                </a:solidFill>
+                <a:latin typeface="Arial" charset="0"/>
+              </a:defRPr>
+            </a:lvl4pPr>
+            <a:lvl5pPr marL="2057400" indent="-228600" defTabSz="1433513" eaLnBrk="0" hangingPunct="0">
+              <a:defRPr sz="2900">
+                <a:solidFill>
+                  <a:schemeClr val="tx1"/>
+                </a:solidFill>
+                <a:latin typeface="Arial" charset="0"/>
+              </a:defRPr>
+            </a:lvl5pPr>
+            <a:lvl6pPr marL="2514600" indent="-228600" defTabSz="1433513" eaLnBrk="0" fontAlgn="base" hangingPunct="0">
+              <a:spcBef>
+                <a:spcPct val="0"/>
+              </a:spcBef>
+              <a:spcAft>
+                <a:spcPct val="0"/>
+              </a:spcAft>
+              <a:defRPr sz="2900">
+                <a:solidFill>
+                  <a:schemeClr val="tx1"/>
+                </a:solidFill>
+                <a:latin typeface="Arial" charset="0"/>
+              </a:defRPr>
+            </a:lvl6pPr>
+            <a:lvl7pPr marL="2971800" indent="-228600" defTabSz="1433513" eaLnBrk="0" fontAlgn="base" hangingPunct="0">
+              <a:spcBef>
+                <a:spcPct val="0"/>
+              </a:spcBef>
+              <a:spcAft>
+                <a:spcPct val="0"/>
+              </a:spcAft>
+              <a:defRPr sz="2900">
+                <a:solidFill>
+                  <a:schemeClr val="tx1"/>
+                </a:solidFill>
+                <a:latin typeface="Arial" charset="0"/>
+              </a:defRPr>
+            </a:lvl7pPr>
+            <a:lvl8pPr marL="3429000" indent="-228600" defTabSz="1433513" eaLnBrk="0" fontAlgn="base" hangingPunct="0">
+              <a:spcBef>
+                <a:spcPct val="0"/>
+              </a:spcBef>
+              <a:spcAft>
+                <a:spcPct val="0"/>
+              </a:spcAft>
+              <a:defRPr sz="2900">
+                <a:solidFill>
+                  <a:schemeClr val="tx1"/>
+                </a:solidFill>
+                <a:latin typeface="Arial" charset="0"/>
+              </a:defRPr>
+            </a:lvl8pPr>
+            <a:lvl9pPr marL="3886200" indent="-228600" defTabSz="1433513" eaLnBrk="0" fontAlgn="base" hangingPunct="0">
+              <a:spcBef>
+                <a:spcPct val="0"/>
+              </a:spcBef>
+              <a:spcAft>
+                <a:spcPct val="0"/>
+              </a:spcAft>
+              <a:defRPr sz="2900">
+                <a:solidFill>
+                  <a:schemeClr val="tx1"/>
+                </a:solidFill>
+                <a:latin typeface="Arial" charset="0"/>
+              </a:defRPr>
+            </a:lvl9pPr>
+          </a:lstStyle>
+          <a:p>
+            <a:pPr algn="ctr" eaLnBrk="1" hangingPunct="1">
+              <a:spcBef>
+                <a:spcPct val="50000"/>
+              </a:spcBef>
+            </a:pPr>
+            <a:r>
+              <a:rPr lang="en-US" altLang="x-none" b="1" dirty="0" smtClean="0"/>
+              <a:t>Project Features</a:t>
+            </a:r>
+          </a:p>
+        </p:txBody>
+      </p:sp>
+      <p:sp>
+        <p:nvSpPr>
+          <p:cNvPr id="23" name="TextBox 22"/>
+          <p:cNvSpPr txBox="1"/>
+          <p:nvPr/>
+        </p:nvSpPr>
+        <p:spPr>
+          <a:xfrm>
+            <a:off x="648494" y="3042444"/>
+            <a:ext cx="5976664" cy="3477875"/>
+          </a:xfrm>
+          <a:prstGeom prst="rect">
+            <a:avLst/>
+          </a:prstGeom>
+          <a:noFill/>
+        </p:spPr>
+        <p:txBody>
+          <a:bodyPr wrap="square" rtlCol="0">
+            <a:spAutoFit/>
+          </a:bodyPr>
+          <a:lstStyle/>
+          <a:p>
+            <a:pPr>
+              <a:buFont typeface="Arial" pitchFamily="34" charset="0"/>
+              <a:buChar char="•"/>
+            </a:pPr>
+            <a:r>
+              <a:rPr lang="en-GB" sz="2000" dirty="0" smtClean="0"/>
+              <a:t> A custom C# server running a 1-on-1 online multiplayer card game</a:t>
+            </a:r>
+          </a:p>
+          <a:p>
+            <a:pPr>
+              <a:buFont typeface="Arial" pitchFamily="34" charset="0"/>
+              <a:buChar char="•"/>
+            </a:pPr>
+            <a:r>
+              <a:rPr lang="en-GB" sz="2000" dirty="0" smtClean="0"/>
+              <a:t> Dark fantasy theme</a:t>
+            </a:r>
+          </a:p>
+          <a:p>
+            <a:pPr>
+              <a:buFont typeface="Arial" pitchFamily="34" charset="0"/>
+              <a:buChar char="•"/>
+            </a:pPr>
+            <a:r>
+              <a:rPr lang="en-GB" sz="2000" dirty="0" smtClean="0"/>
+              <a:t> Designed with resource management </a:t>
+            </a:r>
+            <a:r>
+              <a:rPr lang="en-GB" sz="2000" dirty="0" smtClean="0"/>
+              <a:t>in mind</a:t>
+            </a:r>
+            <a:endParaRPr lang="en-GB" sz="2000" dirty="0" smtClean="0"/>
+          </a:p>
+          <a:p>
+            <a:pPr>
+              <a:buFont typeface="Arial" pitchFamily="34" charset="0"/>
+              <a:buChar char="•"/>
+            </a:pPr>
+            <a:r>
+              <a:rPr lang="en-GB" sz="2000" dirty="0" smtClean="0"/>
+              <a:t> A wide variety of cards with different </a:t>
+            </a:r>
+            <a:r>
+              <a:rPr lang="en-GB" sz="2000" dirty="0" smtClean="0"/>
+              <a:t>effects</a:t>
+            </a:r>
+            <a:endParaRPr lang="en-GB" sz="2000" dirty="0" smtClean="0"/>
+          </a:p>
+          <a:p>
+            <a:pPr>
+              <a:buFont typeface="Arial" pitchFamily="34" charset="0"/>
+              <a:buChar char="•"/>
+            </a:pPr>
+            <a:r>
+              <a:rPr lang="en-GB" sz="2000" dirty="0" smtClean="0"/>
+              <a:t> Lord cards with powerful abilities that can turn the tide of </a:t>
+            </a:r>
+            <a:r>
+              <a:rPr lang="en-GB" sz="2000" dirty="0" smtClean="0"/>
+              <a:t>battle</a:t>
+            </a:r>
+          </a:p>
+          <a:p>
+            <a:pPr>
+              <a:buFont typeface="Arial" pitchFamily="34" charset="0"/>
+              <a:buChar char="•"/>
+            </a:pPr>
+            <a:r>
+              <a:rPr lang="en-GB" sz="2000" dirty="0" smtClean="0"/>
+              <a:t> </a:t>
+            </a:r>
+            <a:r>
+              <a:rPr lang="en-GB" sz="2000" dirty="0" smtClean="0"/>
+              <a:t>Employ </a:t>
+            </a:r>
+            <a:r>
+              <a:rPr lang="en-GB" sz="2000" dirty="0" smtClean="0"/>
+              <a:t>a variety of strategies – overwhelm your opponent with swarms of units, or manage your gold carefully and win the long game</a:t>
+            </a:r>
+          </a:p>
+          <a:p>
+            <a:endParaRPr lang="en-GB" sz="2000" dirty="0" smtClean="0"/>
+          </a:p>
+        </p:txBody>
+      </p:sp>
+      <p:pic>
+        <p:nvPicPr>
+          <p:cNvPr id="2" name="Picture 2"/>
+          <p:cNvPicPr>
+            <a:picLocks noChangeAspect="1" noChangeArrowheads="1"/>
+          </p:cNvPicPr>
+          <p:nvPr/>
+        </p:nvPicPr>
+        <p:blipFill>
+          <a:blip r:embed="rId8" cstate="print"/>
+          <a:srcRect/>
+          <a:stretch>
+            <a:fillRect/>
+          </a:stretch>
+        </p:blipFill>
+        <p:spPr bwMode="auto">
+          <a:xfrm>
+            <a:off x="288454" y="7146900"/>
+            <a:ext cx="5389024" cy="3033167"/>
+          </a:xfrm>
+          <a:prstGeom prst="rect">
+            <a:avLst/>
+          </a:prstGeom>
+          <a:noFill/>
+          <a:ln w="9525">
+            <a:noFill/>
+            <a:miter lim="800000"/>
+            <a:headEnd/>
+            <a:tailEnd/>
+          </a:ln>
+        </p:spPr>
+      </p:pic>
+      <p:pic>
+        <p:nvPicPr>
+          <p:cNvPr id="3" name="Picture 3"/>
+          <p:cNvPicPr>
+            <a:picLocks noChangeAspect="1" noChangeArrowheads="1"/>
+          </p:cNvPicPr>
+          <p:nvPr/>
+        </p:nvPicPr>
+        <p:blipFill>
+          <a:blip r:embed="rId9" cstate="print"/>
+          <a:srcRect/>
+          <a:stretch>
+            <a:fillRect/>
+          </a:stretch>
+        </p:blipFill>
+        <p:spPr bwMode="auto">
+          <a:xfrm>
+            <a:off x="5689053" y="7146900"/>
+            <a:ext cx="5368783" cy="3024336"/>
+          </a:xfrm>
+          <a:prstGeom prst="rect">
+            <a:avLst/>
+          </a:prstGeom>
+          <a:noFill/>
+          <a:ln w="9525">
+            <a:noFill/>
+            <a:miter lim="800000"/>
+            <a:headEnd/>
+            <a:tailEnd/>
+          </a:ln>
+        </p:spPr>
+      </p:pic>
+      <p:sp>
+        <p:nvSpPr>
+          <p:cNvPr id="25" name="Text Box 6"/>
+          <p:cNvSpPr txBox="1">
+            <a:spLocks noChangeArrowheads="1"/>
+          </p:cNvSpPr>
+          <p:nvPr/>
+        </p:nvSpPr>
+        <p:spPr bwMode="auto">
+          <a:xfrm>
+            <a:off x="3960862" y="6570836"/>
+            <a:ext cx="3528392" cy="493901"/>
+          </a:xfrm>
+          <a:prstGeom prst="rect">
+            <a:avLst/>
+          </a:prstGeom>
+          <a:noFill/>
+          <a:ln>
+            <a:noFill/>
+          </a:ln>
+          <a:extLst>
+            <a:ext uri="{909E8E84-426E-40DD-AFC4-6F175D3DCCD1}">
+              <a14:hiddenFill xmlns="" xmlns:a14="http://schemas.microsoft.com/office/drawing/2010/main">
+                <a:solidFill>
+                  <a:srgbClr val="FFFFFF"/>
+                </a:solidFill>
+              </a14:hiddenFill>
+            </a:ext>
+            <a:ext uri="{91240B29-F687-4F45-9708-019B960494DF}">
+              <a14:hiddenLine xmlns="" xmlns:a14="http://schemas.microsoft.com/office/drawing/2010/main" w="9525">
+                <a:solidFill>
+                  <a:srgbClr val="000000"/>
+                </a:solidFill>
+                <a:miter lim="800000"/>
+                <a:headEnd/>
+                <a:tailEnd/>
+              </a14:hiddenLine>
+            </a:ext>
+          </a:extLst>
+        </p:spPr>
+        <p:txBody>
+          <a:bodyPr wrap="square" lIns="47165" tIns="23582" rIns="47165" bIns="23582">
+            <a:spAutoFit/>
+          </a:bodyPr>
+          <a:lstStyle>
+            <a:lvl1pPr defTabSz="1433513" eaLnBrk="0" hangingPunct="0">
+              <a:defRPr sz="2900">
+                <a:solidFill>
+                  <a:schemeClr val="tx1"/>
+                </a:solidFill>
+                <a:latin typeface="Arial" charset="0"/>
+              </a:defRPr>
+            </a:lvl1pPr>
+            <a:lvl2pPr marL="742950" indent="-285750" defTabSz="1433513" eaLnBrk="0" hangingPunct="0">
+              <a:defRPr sz="2900">
+                <a:solidFill>
+                  <a:schemeClr val="tx1"/>
+                </a:solidFill>
+                <a:latin typeface="Arial" charset="0"/>
+              </a:defRPr>
+            </a:lvl2pPr>
+            <a:lvl3pPr marL="1143000" indent="-228600" defTabSz="1433513" eaLnBrk="0" hangingPunct="0">
+              <a:defRPr sz="2900">
+                <a:solidFill>
+                  <a:schemeClr val="tx1"/>
+                </a:solidFill>
+                <a:latin typeface="Arial" charset="0"/>
+              </a:defRPr>
+            </a:lvl3pPr>
+            <a:lvl4pPr marL="1600200" indent="-228600" defTabSz="1433513" eaLnBrk="0" hangingPunct="0">
+              <a:defRPr sz="2900">
+                <a:solidFill>
+                  <a:schemeClr val="tx1"/>
+                </a:solidFill>
+                <a:latin typeface="Arial" charset="0"/>
+              </a:defRPr>
+            </a:lvl4pPr>
+            <a:lvl5pPr marL="2057400" indent="-228600" defTabSz="1433513" eaLnBrk="0" hangingPunct="0">
+              <a:defRPr sz="2900">
+                <a:solidFill>
+                  <a:schemeClr val="tx1"/>
+                </a:solidFill>
+                <a:latin typeface="Arial" charset="0"/>
+              </a:defRPr>
+            </a:lvl5pPr>
+            <a:lvl6pPr marL="2514600" indent="-228600" defTabSz="1433513" eaLnBrk="0" fontAlgn="base" hangingPunct="0">
+              <a:spcBef>
+                <a:spcPct val="0"/>
+              </a:spcBef>
+              <a:spcAft>
+                <a:spcPct val="0"/>
+              </a:spcAft>
+              <a:defRPr sz="2900">
+                <a:solidFill>
+                  <a:schemeClr val="tx1"/>
+                </a:solidFill>
+                <a:latin typeface="Arial" charset="0"/>
+              </a:defRPr>
+            </a:lvl6pPr>
+            <a:lvl7pPr marL="2971800" indent="-228600" defTabSz="1433513" eaLnBrk="0" fontAlgn="base" hangingPunct="0">
+              <a:spcBef>
+                <a:spcPct val="0"/>
+              </a:spcBef>
+              <a:spcAft>
+                <a:spcPct val="0"/>
+              </a:spcAft>
+              <a:defRPr sz="2900">
+                <a:solidFill>
+                  <a:schemeClr val="tx1"/>
+                </a:solidFill>
+                <a:latin typeface="Arial" charset="0"/>
+              </a:defRPr>
+            </a:lvl7pPr>
+            <a:lvl8pPr marL="3429000" indent="-228600" defTabSz="1433513" eaLnBrk="0" fontAlgn="base" hangingPunct="0">
+              <a:spcBef>
+                <a:spcPct val="0"/>
+              </a:spcBef>
+              <a:spcAft>
+                <a:spcPct val="0"/>
+              </a:spcAft>
+              <a:defRPr sz="2900">
+                <a:solidFill>
+                  <a:schemeClr val="tx1"/>
+                </a:solidFill>
+                <a:latin typeface="Arial" charset="0"/>
+              </a:defRPr>
+            </a:lvl8pPr>
+            <a:lvl9pPr marL="3886200" indent="-228600" defTabSz="1433513" eaLnBrk="0" fontAlgn="base" hangingPunct="0">
+              <a:spcBef>
+                <a:spcPct val="0"/>
+              </a:spcBef>
+              <a:spcAft>
+                <a:spcPct val="0"/>
+              </a:spcAft>
+              <a:defRPr sz="2900">
+                <a:solidFill>
+                  <a:schemeClr val="tx1"/>
+                </a:solidFill>
+                <a:latin typeface="Arial" charset="0"/>
+              </a:defRPr>
+            </a:lvl9pPr>
+          </a:lstStyle>
+          <a:p>
+            <a:pPr algn="ctr" eaLnBrk="1" hangingPunct="1">
+              <a:spcBef>
+                <a:spcPct val="50000"/>
+              </a:spcBef>
+            </a:pPr>
+            <a:r>
+              <a:rPr lang="en-US" altLang="x-none" b="1" dirty="0" smtClean="0"/>
+              <a:t>Screenshots</a:t>
+            </a:r>
+          </a:p>
+        </p:txBody>
+      </p:sp>
+      <p:sp>
+        <p:nvSpPr>
+          <p:cNvPr id="26" name="Text Box 6"/>
+          <p:cNvSpPr txBox="1">
+            <a:spLocks noChangeArrowheads="1"/>
+          </p:cNvSpPr>
+          <p:nvPr/>
+        </p:nvSpPr>
+        <p:spPr bwMode="auto">
+          <a:xfrm>
+            <a:off x="9505478" y="2466380"/>
+            <a:ext cx="3528392" cy="493901"/>
+          </a:xfrm>
+          <a:prstGeom prst="rect">
+            <a:avLst/>
+          </a:prstGeom>
+          <a:noFill/>
+          <a:ln>
+            <a:noFill/>
+          </a:ln>
+          <a:extLst>
+            <a:ext uri="{909E8E84-426E-40DD-AFC4-6F175D3DCCD1}">
+              <a14:hiddenFill xmlns="" xmlns:a14="http://schemas.microsoft.com/office/drawing/2010/main">
+                <a:solidFill>
+                  <a:srgbClr val="FFFFFF"/>
+                </a:solidFill>
+              </a14:hiddenFill>
+            </a:ext>
+            <a:ext uri="{91240B29-F687-4F45-9708-019B960494DF}">
+              <a14:hiddenLine xmlns="" xmlns:a14="http://schemas.microsoft.com/office/drawing/2010/main" w="9525">
+                <a:solidFill>
+                  <a:srgbClr val="000000"/>
+                </a:solidFill>
+                <a:miter lim="800000"/>
+                <a:headEnd/>
+                <a:tailEnd/>
+              </a14:hiddenLine>
+            </a:ext>
+          </a:extLst>
+        </p:spPr>
+        <p:txBody>
+          <a:bodyPr wrap="square" lIns="47165" tIns="23582" rIns="47165" bIns="23582">
+            <a:spAutoFit/>
+          </a:bodyPr>
+          <a:lstStyle>
+            <a:lvl1pPr defTabSz="1433513" eaLnBrk="0" hangingPunct="0">
+              <a:defRPr sz="2900">
+                <a:solidFill>
+                  <a:schemeClr val="tx1"/>
+                </a:solidFill>
+                <a:latin typeface="Arial" charset="0"/>
+              </a:defRPr>
+            </a:lvl1pPr>
+            <a:lvl2pPr marL="742950" indent="-285750" defTabSz="1433513" eaLnBrk="0" hangingPunct="0">
+              <a:defRPr sz="2900">
+                <a:solidFill>
+                  <a:schemeClr val="tx1"/>
+                </a:solidFill>
+                <a:latin typeface="Arial" charset="0"/>
+              </a:defRPr>
+            </a:lvl2pPr>
+            <a:lvl3pPr marL="1143000" indent="-228600" defTabSz="1433513" eaLnBrk="0" hangingPunct="0">
+              <a:defRPr sz="2900">
+                <a:solidFill>
+                  <a:schemeClr val="tx1"/>
+                </a:solidFill>
+                <a:latin typeface="Arial" charset="0"/>
+              </a:defRPr>
+            </a:lvl3pPr>
+            <a:lvl4pPr marL="1600200" indent="-228600" defTabSz="1433513" eaLnBrk="0" hangingPunct="0">
+              <a:defRPr sz="2900">
+                <a:solidFill>
+                  <a:schemeClr val="tx1"/>
+                </a:solidFill>
+                <a:latin typeface="Arial" charset="0"/>
+              </a:defRPr>
+            </a:lvl4pPr>
+            <a:lvl5pPr marL="2057400" indent="-228600" defTabSz="1433513" eaLnBrk="0" hangingPunct="0">
+              <a:defRPr sz="2900">
+                <a:solidFill>
+                  <a:schemeClr val="tx1"/>
+                </a:solidFill>
+                <a:latin typeface="Arial" charset="0"/>
+              </a:defRPr>
+            </a:lvl5pPr>
+            <a:lvl6pPr marL="2514600" indent="-228600" defTabSz="1433513" eaLnBrk="0" fontAlgn="base" hangingPunct="0">
+              <a:spcBef>
+                <a:spcPct val="0"/>
+              </a:spcBef>
+              <a:spcAft>
+                <a:spcPct val="0"/>
+              </a:spcAft>
+              <a:defRPr sz="2900">
+                <a:solidFill>
+                  <a:schemeClr val="tx1"/>
+                </a:solidFill>
+                <a:latin typeface="Arial" charset="0"/>
+              </a:defRPr>
+            </a:lvl6pPr>
+            <a:lvl7pPr marL="2971800" indent="-228600" defTabSz="1433513" eaLnBrk="0" fontAlgn="base" hangingPunct="0">
+              <a:spcBef>
+                <a:spcPct val="0"/>
+              </a:spcBef>
+              <a:spcAft>
+                <a:spcPct val="0"/>
+              </a:spcAft>
+              <a:defRPr sz="2900">
+                <a:solidFill>
+                  <a:schemeClr val="tx1"/>
+                </a:solidFill>
+                <a:latin typeface="Arial" charset="0"/>
+              </a:defRPr>
+            </a:lvl7pPr>
+            <a:lvl8pPr marL="3429000" indent="-228600" defTabSz="1433513" eaLnBrk="0" fontAlgn="base" hangingPunct="0">
+              <a:spcBef>
+                <a:spcPct val="0"/>
+              </a:spcBef>
+              <a:spcAft>
+                <a:spcPct val="0"/>
+              </a:spcAft>
+              <a:defRPr sz="2900">
+                <a:solidFill>
+                  <a:schemeClr val="tx1"/>
+                </a:solidFill>
+                <a:latin typeface="Arial" charset="0"/>
+              </a:defRPr>
+            </a:lvl8pPr>
+            <a:lvl9pPr marL="3886200" indent="-228600" defTabSz="1433513" eaLnBrk="0" fontAlgn="base" hangingPunct="0">
+              <a:spcBef>
+                <a:spcPct val="0"/>
+              </a:spcBef>
+              <a:spcAft>
+                <a:spcPct val="0"/>
+              </a:spcAft>
+              <a:defRPr sz="2900">
+                <a:solidFill>
+                  <a:schemeClr val="tx1"/>
+                </a:solidFill>
+                <a:latin typeface="Arial" charset="0"/>
+              </a:defRPr>
+            </a:lvl9pPr>
+          </a:lstStyle>
+          <a:p>
+            <a:pPr algn="ctr" eaLnBrk="1" hangingPunct="1">
+              <a:spcBef>
+                <a:spcPct val="50000"/>
+              </a:spcBef>
+            </a:pPr>
+            <a:r>
+              <a:rPr lang="en-US" altLang="x-none" b="1" dirty="0" smtClean="0"/>
+              <a:t>Card Layout</a:t>
+            </a:r>
+          </a:p>
+        </p:txBody>
+      </p:sp>
+    </p:spTree>
+  </p:cSld>
+  <p:clrMapOvr>
+    <a:masterClrMapping/>
+  </p:clrMapOvr>
+</p:sld>
+</file>
+
+<file path=ppt/slides/slide3.xml><?xml version="1.0" encoding="utf-8"?>
+<p:sld xmlns:a="http://schemas.openxmlformats.org/drawingml/2006/main" xmlns:r="http://schemas.openxmlformats.org/officeDocument/2006/relationships" xmlns:p="http://schemas.openxmlformats.org/presentationml/2006/main">
+  <p:cSld>
+    <p:bg>
+      <p:bgPr>
+        <a:solidFill>
+          <a:schemeClr val="bg1"/>
+        </a:solidFill>
+        <a:effectLst/>
+      </p:bgPr>
+    </p:bg>
+    <p:spTree>
+      <p:nvGrpSpPr>
+        <p:cNvPr id="1" name=""/>
+        <p:cNvGrpSpPr/>
+        <p:nvPr/>
+      </p:nvGrpSpPr>
+      <p:grpSpPr>
+        <a:xfrm>
+          <a:off x="0" y="0"/>
+          <a:ext cx="0" cy="0"/>
+          <a:chOff x="0" y="0"/>
+          <a:chExt cx="0" cy="0"/>
+        </a:xfrm>
+      </p:grpSpPr>
+      <p:sp>
+        <p:nvSpPr>
+          <p:cNvPr id="2050" name="Line 15"/>
+          <p:cNvSpPr>
+            <a:spLocks noChangeShapeType="1"/>
+          </p:cNvSpPr>
+          <p:nvPr/>
+        </p:nvSpPr>
+        <p:spPr bwMode="auto">
+          <a:xfrm>
+            <a:off x="0" y="1406525"/>
+            <a:ext cx="15122525" cy="0"/>
+          </a:xfrm>
+          <a:prstGeom prst="line">
+            <a:avLst/>
+          </a:prstGeom>
+          <a:noFill/>
+          <a:ln w="114300">
+            <a:solidFill>
+              <a:srgbClr val="00FFFF"/>
+            </a:solidFill>
+            <a:round/>
+            <a:headEnd/>
+            <a:tailEnd/>
+          </a:ln>
+          <a:extLst>
+            <a:ext uri="{909E8E84-426E-40DD-AFC4-6F175D3DCCD1}">
+              <a14:hiddenFill xmlns="" xmlns:a14="http://schemas.microsoft.com/office/drawing/2010/main">
+                <a:noFill/>
+              </a14:hiddenFill>
+            </a:ext>
+          </a:extLst>
+        </p:spPr>
+        <p:txBody>
+          <a:bodyPr lIns="94064" tIns="47032" rIns="94064" bIns="47032"/>
+          <a:lstStyle/>
+          <a:p>
+            <a:endParaRPr lang="en-US"/>
+          </a:p>
+        </p:txBody>
+      </p:sp>
+      <p:pic>
+        <p:nvPicPr>
+          <p:cNvPr id="2051" name="Picture 17" descr="logo large"/>
+          <p:cNvPicPr>
+            <a:picLocks noChangeAspect="1" noChangeArrowheads="1"/>
+          </p:cNvPicPr>
+          <p:nvPr/>
+        </p:nvPicPr>
+        <p:blipFill>
+          <a:blip r:embed="rId3" cstate="print">
+            <a:extLst>
+              <a:ext uri="{28A0092B-C50C-407E-A947-70E740481C1C}">
+                <a14:useLocalDpi xmlns="" xmlns:a14="http://schemas.microsoft.com/office/drawing/2010/main" val="0"/>
+              </a:ext>
+            </a:extLst>
+          </a:blip>
+          <a:srcRect/>
+          <a:stretch>
+            <a:fillRect/>
+          </a:stretch>
+        </p:blipFill>
+        <p:spPr bwMode="auto">
+          <a:xfrm>
+            <a:off x="0" y="0"/>
+            <a:ext cx="3946525" cy="1357313"/>
+          </a:xfrm>
+          <a:prstGeom prst="rect">
+            <a:avLst/>
+          </a:prstGeom>
+          <a:noFill/>
+          <a:ln>
+            <a:noFill/>
+          </a:ln>
+          <a:extLst>
+            <a:ext uri="{909E8E84-426E-40DD-AFC4-6F175D3DCCD1}">
+              <a14:hiddenFill xmlns="" xmlns:a14="http://schemas.microsoft.com/office/drawing/2010/main">
+                <a:solidFill>
+                  <a:srgbClr val="FFFFFF"/>
+                </a:solidFill>
+              </a14:hiddenFill>
+            </a:ext>
+            <a:ext uri="{91240B29-F687-4F45-9708-019B960494DF}">
+              <a14:hiddenLine xmlns="" xmlns:a14="http://schemas.microsoft.com/office/drawing/2010/main" w="9525">
+                <a:solidFill>
+                  <a:srgbClr val="000000"/>
+                </a:solidFill>
+                <a:miter lim="800000"/>
+                <a:headEnd/>
+                <a:tailEnd/>
+              </a14:hiddenLine>
+            </a:ext>
+          </a:extLst>
+        </p:spPr>
+      </p:pic>
+      <p:sp>
+        <p:nvSpPr>
+          <p:cNvPr id="2052" name="Rectangle 14"/>
+          <p:cNvSpPr>
+            <a:spLocks noChangeArrowheads="1"/>
+          </p:cNvSpPr>
+          <p:nvPr/>
+        </p:nvSpPr>
+        <p:spPr bwMode="auto">
+          <a:xfrm>
+            <a:off x="0" y="1425575"/>
+            <a:ext cx="15122525" cy="9267825"/>
+          </a:xfrm>
+          <a:prstGeom prst="rect">
+            <a:avLst/>
+          </a:prstGeom>
+          <a:solidFill>
+            <a:srgbClr val="046381"/>
+          </a:solidFill>
+          <a:ln>
+            <a:noFill/>
+          </a:ln>
+          <a:extLst>
+            <a:ext uri="{91240B29-F687-4F45-9708-019B960494DF}">
+              <a14:hiddenLine xmlns="" xmlns:a14="http://schemas.microsoft.com/office/drawing/2010/main" w="9525">
+                <a:solidFill>
+                  <a:srgbClr val="000000"/>
+                </a:solidFill>
+                <a:miter lim="800000"/>
+                <a:headEnd/>
+                <a:tailEnd/>
+              </a14:hiddenLine>
+            </a:ext>
+          </a:extLst>
+        </p:spPr>
+        <p:txBody>
+          <a:bodyPr wrap="none" lIns="47165" tIns="23582" rIns="47165" bIns="23582" anchor="ctr"/>
+          <a:lstStyle>
+            <a:lvl1pPr defTabSz="471488" eaLnBrk="0" hangingPunct="0">
+              <a:defRPr sz="2900">
+                <a:solidFill>
+                  <a:schemeClr val="tx1"/>
+                </a:solidFill>
+                <a:latin typeface="Arial" charset="0"/>
+              </a:defRPr>
+            </a:lvl1pPr>
+            <a:lvl2pPr marL="742950" indent="-285750" defTabSz="471488" eaLnBrk="0" hangingPunct="0">
+              <a:defRPr sz="2900">
+                <a:solidFill>
+                  <a:schemeClr val="tx1"/>
+                </a:solidFill>
+                <a:latin typeface="Arial" charset="0"/>
+              </a:defRPr>
+            </a:lvl2pPr>
+            <a:lvl3pPr marL="1143000" indent="-228600" defTabSz="471488" eaLnBrk="0" hangingPunct="0">
+              <a:defRPr sz="2900">
+                <a:solidFill>
+                  <a:schemeClr val="tx1"/>
+                </a:solidFill>
+                <a:latin typeface="Arial" charset="0"/>
+              </a:defRPr>
+            </a:lvl3pPr>
+            <a:lvl4pPr marL="1600200" indent="-228600" defTabSz="471488" eaLnBrk="0" hangingPunct="0">
+              <a:defRPr sz="2900">
+                <a:solidFill>
+                  <a:schemeClr val="tx1"/>
+                </a:solidFill>
+                <a:latin typeface="Arial" charset="0"/>
+              </a:defRPr>
+            </a:lvl4pPr>
+            <a:lvl5pPr marL="2057400" indent="-228600" defTabSz="471488" eaLnBrk="0" hangingPunct="0">
+              <a:defRPr sz="2900">
+                <a:solidFill>
+                  <a:schemeClr val="tx1"/>
+                </a:solidFill>
+                <a:latin typeface="Arial" charset="0"/>
+              </a:defRPr>
+            </a:lvl5pPr>
+            <a:lvl6pPr marL="2514600" indent="-228600" defTabSz="471488" eaLnBrk="0" fontAlgn="base" hangingPunct="0">
+              <a:spcBef>
+                <a:spcPct val="0"/>
+              </a:spcBef>
+              <a:spcAft>
+                <a:spcPct val="0"/>
+              </a:spcAft>
+              <a:defRPr sz="2900">
+                <a:solidFill>
+                  <a:schemeClr val="tx1"/>
+                </a:solidFill>
+                <a:latin typeface="Arial" charset="0"/>
+              </a:defRPr>
+            </a:lvl6pPr>
+            <a:lvl7pPr marL="2971800" indent="-228600" defTabSz="471488" eaLnBrk="0" fontAlgn="base" hangingPunct="0">
+              <a:spcBef>
+                <a:spcPct val="0"/>
+              </a:spcBef>
+              <a:spcAft>
+                <a:spcPct val="0"/>
+              </a:spcAft>
+              <a:defRPr sz="2900">
+                <a:solidFill>
+                  <a:schemeClr val="tx1"/>
+                </a:solidFill>
+                <a:latin typeface="Arial" charset="0"/>
+              </a:defRPr>
+            </a:lvl7pPr>
+            <a:lvl8pPr marL="3429000" indent="-228600" defTabSz="471488" eaLnBrk="0" fontAlgn="base" hangingPunct="0">
+              <a:spcBef>
+                <a:spcPct val="0"/>
+              </a:spcBef>
+              <a:spcAft>
+                <a:spcPct val="0"/>
+              </a:spcAft>
+              <a:defRPr sz="2900">
+                <a:solidFill>
+                  <a:schemeClr val="tx1"/>
+                </a:solidFill>
+                <a:latin typeface="Arial" charset="0"/>
+              </a:defRPr>
+            </a:lvl8pPr>
+            <a:lvl9pPr marL="3886200" indent="-228600" defTabSz="471488" eaLnBrk="0" fontAlgn="base" hangingPunct="0">
+              <a:spcBef>
+                <a:spcPct val="0"/>
+              </a:spcBef>
+              <a:spcAft>
+                <a:spcPct val="0"/>
+              </a:spcAft>
+              <a:defRPr sz="2900">
+                <a:solidFill>
+                  <a:schemeClr val="tx1"/>
+                </a:solidFill>
+                <a:latin typeface="Arial" charset="0"/>
+              </a:defRPr>
+            </a:lvl9pPr>
+          </a:lstStyle>
+          <a:p>
+            <a:pPr eaLnBrk="1" hangingPunct="1"/>
+            <a:endParaRPr lang="en-US" altLang="x-none"/>
+          </a:p>
+        </p:txBody>
+      </p:sp>
+      <p:pic>
+        <p:nvPicPr>
+          <p:cNvPr id="2053" name="Picture 5" descr="use RH modified.jpg"/>
+          <p:cNvPicPr>
+            <a:picLocks noChangeAspect="1"/>
+          </p:cNvPicPr>
+          <p:nvPr/>
+        </p:nvPicPr>
+        <p:blipFill>
+          <a:blip r:embed="rId4" cstate="print">
+            <a:extLst>
+              <a:ext uri="{28A0092B-C50C-407E-A947-70E740481C1C}">
+                <a14:useLocalDpi xmlns="" xmlns:a14="http://schemas.microsoft.com/office/drawing/2010/main" val="0"/>
+              </a:ext>
+            </a:extLst>
+          </a:blip>
+          <a:srcRect/>
+          <a:stretch>
+            <a:fillRect/>
+          </a:stretch>
+        </p:blipFill>
+        <p:spPr bwMode="auto">
+          <a:xfrm>
+            <a:off x="9472613" y="0"/>
+            <a:ext cx="5662612" cy="1363663"/>
+          </a:xfrm>
+          <a:prstGeom prst="rect">
+            <a:avLst/>
+          </a:prstGeom>
+          <a:noFill/>
+          <a:ln>
+            <a:noFill/>
+          </a:ln>
+          <a:extLst>
+            <a:ext uri="{909E8E84-426E-40DD-AFC4-6F175D3DCCD1}">
+              <a14:hiddenFill xmlns="" xmlns:a14="http://schemas.microsoft.com/office/drawing/2010/main">
+                <a:solidFill>
+                  <a:srgbClr val="FFFFFF"/>
+                </a:solidFill>
+              </a14:hiddenFill>
+            </a:ext>
+            <a:ext uri="{91240B29-F687-4F45-9708-019B960494DF}">
+              <a14:hiddenLine xmlns="" xmlns:a14="http://schemas.microsoft.com/office/drawing/2010/main" w="9525">
+                <a:solidFill>
+                  <a:srgbClr val="000000"/>
+                </a:solidFill>
+                <a:miter lim="800000"/>
+                <a:headEnd/>
+                <a:tailEnd/>
+              </a14:hiddenLine>
+            </a:ext>
+          </a:extLst>
+        </p:spPr>
+      </p:pic>
+      <p:sp>
+        <p:nvSpPr>
+          <p:cNvPr id="2054" name="Text Box 6"/>
+          <p:cNvSpPr txBox="1">
+            <a:spLocks noChangeArrowheads="1"/>
+          </p:cNvSpPr>
+          <p:nvPr/>
+        </p:nvSpPr>
+        <p:spPr bwMode="auto">
+          <a:xfrm>
+            <a:off x="7633270" y="1602284"/>
+            <a:ext cx="7278886" cy="493712"/>
+          </a:xfrm>
+          <a:prstGeom prst="rect">
+            <a:avLst/>
+          </a:prstGeom>
+          <a:noFill/>
+          <a:ln>
+            <a:noFill/>
+          </a:ln>
+          <a:extLst>
+            <a:ext uri="{909E8E84-426E-40DD-AFC4-6F175D3DCCD1}">
+              <a14:hiddenFill xmlns="" xmlns:a14="http://schemas.microsoft.com/office/drawing/2010/main">
+                <a:solidFill>
+                  <a:srgbClr val="FFFFFF"/>
+                </a:solidFill>
+              </a14:hiddenFill>
+            </a:ext>
+            <a:ext uri="{91240B29-F687-4F45-9708-019B960494DF}">
+              <a14:hiddenLine xmlns="" xmlns:a14="http://schemas.microsoft.com/office/drawing/2010/main" w="9525">
+                <a:solidFill>
+                  <a:srgbClr val="000000"/>
+                </a:solidFill>
+                <a:miter lim="800000"/>
+                <a:headEnd/>
+                <a:tailEnd/>
+              </a14:hiddenLine>
+            </a:ext>
+          </a:extLst>
+        </p:spPr>
+        <p:txBody>
+          <a:bodyPr wrap="square" lIns="47165" tIns="23582" rIns="47165" bIns="23582">
+            <a:spAutoFit/>
+          </a:bodyPr>
+          <a:lstStyle>
+            <a:lvl1pPr defTabSz="1433513" eaLnBrk="0" hangingPunct="0">
+              <a:defRPr sz="2900">
+                <a:solidFill>
+                  <a:schemeClr val="tx1"/>
+                </a:solidFill>
+                <a:latin typeface="Arial" charset="0"/>
+              </a:defRPr>
+            </a:lvl1pPr>
+            <a:lvl2pPr marL="742950" indent="-285750" defTabSz="1433513" eaLnBrk="0" hangingPunct="0">
+              <a:defRPr sz="2900">
+                <a:solidFill>
+                  <a:schemeClr val="tx1"/>
+                </a:solidFill>
+                <a:latin typeface="Arial" charset="0"/>
+              </a:defRPr>
+            </a:lvl2pPr>
+            <a:lvl3pPr marL="1143000" indent="-228600" defTabSz="1433513" eaLnBrk="0" hangingPunct="0">
+              <a:defRPr sz="2900">
+                <a:solidFill>
+                  <a:schemeClr val="tx1"/>
+                </a:solidFill>
+                <a:latin typeface="Arial" charset="0"/>
+              </a:defRPr>
+            </a:lvl3pPr>
+            <a:lvl4pPr marL="1600200" indent="-228600" defTabSz="1433513" eaLnBrk="0" hangingPunct="0">
+              <a:defRPr sz="2900">
+                <a:solidFill>
+                  <a:schemeClr val="tx1"/>
+                </a:solidFill>
+                <a:latin typeface="Arial" charset="0"/>
+              </a:defRPr>
+            </a:lvl4pPr>
+            <a:lvl5pPr marL="2057400" indent="-228600" defTabSz="1433513" eaLnBrk="0" hangingPunct="0">
+              <a:defRPr sz="2900">
+                <a:solidFill>
+                  <a:schemeClr val="tx1"/>
+                </a:solidFill>
+                <a:latin typeface="Arial" charset="0"/>
+              </a:defRPr>
+            </a:lvl5pPr>
+            <a:lvl6pPr marL="2514600" indent="-228600" defTabSz="1433513" eaLnBrk="0" fontAlgn="base" hangingPunct="0">
+              <a:spcBef>
+                <a:spcPct val="0"/>
+              </a:spcBef>
+              <a:spcAft>
+                <a:spcPct val="0"/>
+              </a:spcAft>
+              <a:defRPr sz="2900">
+                <a:solidFill>
+                  <a:schemeClr val="tx1"/>
+                </a:solidFill>
+                <a:latin typeface="Arial" charset="0"/>
+              </a:defRPr>
+            </a:lvl6pPr>
+            <a:lvl7pPr marL="2971800" indent="-228600" defTabSz="1433513" eaLnBrk="0" fontAlgn="base" hangingPunct="0">
+              <a:spcBef>
+                <a:spcPct val="0"/>
+              </a:spcBef>
+              <a:spcAft>
+                <a:spcPct val="0"/>
+              </a:spcAft>
+              <a:defRPr sz="2900">
+                <a:solidFill>
+                  <a:schemeClr val="tx1"/>
+                </a:solidFill>
+                <a:latin typeface="Arial" charset="0"/>
+              </a:defRPr>
+            </a:lvl7pPr>
+            <a:lvl8pPr marL="3429000" indent="-228600" defTabSz="1433513" eaLnBrk="0" fontAlgn="base" hangingPunct="0">
+              <a:spcBef>
+                <a:spcPct val="0"/>
+              </a:spcBef>
+              <a:spcAft>
+                <a:spcPct val="0"/>
+              </a:spcAft>
+              <a:defRPr sz="2900">
+                <a:solidFill>
+                  <a:schemeClr val="tx1"/>
+                </a:solidFill>
+                <a:latin typeface="Arial" charset="0"/>
+              </a:defRPr>
+            </a:lvl8pPr>
+            <a:lvl9pPr marL="3886200" indent="-228600" defTabSz="1433513" eaLnBrk="0" fontAlgn="base" hangingPunct="0">
+              <a:spcBef>
+                <a:spcPct val="0"/>
+              </a:spcBef>
+              <a:spcAft>
+                <a:spcPct val="0"/>
+              </a:spcAft>
+              <a:defRPr sz="2900">
+                <a:solidFill>
+                  <a:schemeClr val="tx1"/>
+                </a:solidFill>
+                <a:latin typeface="Arial" charset="0"/>
+              </a:defRPr>
+            </a:lvl9pPr>
+          </a:lstStyle>
+          <a:p>
+            <a:pPr algn="ctr" eaLnBrk="1" hangingPunct="1">
+              <a:spcBef>
+                <a:spcPct val="50000"/>
+              </a:spcBef>
+            </a:pPr>
+            <a:r>
+              <a:rPr lang="en-US" altLang="x-none" dirty="0" smtClean="0">
+                <a:solidFill>
+                  <a:schemeClr val="bg1"/>
+                </a:solidFill>
+              </a:rPr>
+              <a:t>Supervisor: Joseph Walton-Rivers</a:t>
+            </a:r>
+            <a:endParaRPr lang="en-US" altLang="x-none" dirty="0">
+              <a:solidFill>
+                <a:schemeClr val="bg1"/>
+              </a:solidFill>
+            </a:endParaRPr>
+          </a:p>
+        </p:txBody>
+      </p:sp>
+      <p:sp>
+        <p:nvSpPr>
+          <p:cNvPr id="2058" name="Rectangle 10"/>
+          <p:cNvSpPr>
+            <a:spLocks noChangeArrowheads="1"/>
+          </p:cNvSpPr>
+          <p:nvPr/>
+        </p:nvSpPr>
+        <p:spPr bwMode="auto">
+          <a:xfrm>
+            <a:off x="7633270" y="2382839"/>
+            <a:ext cx="7303519" cy="3899965"/>
+          </a:xfrm>
+          <a:prstGeom prst="rect">
+            <a:avLst/>
+          </a:prstGeom>
+          <a:solidFill>
+            <a:schemeClr val="bg1"/>
+          </a:solidFill>
+          <a:ln w="9525">
+            <a:solidFill>
+              <a:schemeClr val="tx1"/>
+            </a:solidFill>
+            <a:miter lim="800000"/>
+            <a:headEnd/>
+            <a:tailEnd/>
+          </a:ln>
+        </p:spPr>
+        <p:txBody>
+          <a:bodyPr/>
+          <a:lstStyle>
+            <a:lvl1pPr eaLnBrk="0" hangingPunct="0">
+              <a:defRPr sz="2900">
+                <a:solidFill>
+                  <a:schemeClr val="tx1"/>
+                </a:solidFill>
+                <a:latin typeface="Arial" charset="0"/>
+              </a:defRPr>
+            </a:lvl1pPr>
+            <a:lvl2pPr marL="742950" indent="-285750" eaLnBrk="0" hangingPunct="0">
+              <a:defRPr sz="2900">
+                <a:solidFill>
+                  <a:schemeClr val="tx1"/>
+                </a:solidFill>
+                <a:latin typeface="Arial" charset="0"/>
+              </a:defRPr>
+            </a:lvl2pPr>
+            <a:lvl3pPr marL="1143000" indent="-228600" eaLnBrk="0" hangingPunct="0">
+              <a:defRPr sz="2900">
+                <a:solidFill>
+                  <a:schemeClr val="tx1"/>
+                </a:solidFill>
+                <a:latin typeface="Arial" charset="0"/>
+              </a:defRPr>
+            </a:lvl3pPr>
+            <a:lvl4pPr marL="1600200" indent="-228600" eaLnBrk="0" hangingPunct="0">
+              <a:defRPr sz="2900">
+                <a:solidFill>
+                  <a:schemeClr val="tx1"/>
+                </a:solidFill>
+                <a:latin typeface="Arial" charset="0"/>
+              </a:defRPr>
+            </a:lvl4pPr>
+            <a:lvl5pPr marL="2057400" indent="-228600" eaLnBrk="0" hangingPunct="0">
+              <a:defRPr sz="2900">
+                <a:solidFill>
+                  <a:schemeClr val="tx1"/>
+                </a:solidFill>
+                <a:latin typeface="Arial" charset="0"/>
+              </a:defRPr>
+            </a:lvl5pPr>
+            <a:lvl6pPr marL="2514600" indent="-228600" eaLnBrk="0" fontAlgn="base" hangingPunct="0">
+              <a:spcBef>
+                <a:spcPct val="0"/>
+              </a:spcBef>
+              <a:spcAft>
+                <a:spcPct val="0"/>
+              </a:spcAft>
+              <a:defRPr sz="2900">
+                <a:solidFill>
+                  <a:schemeClr val="tx1"/>
+                </a:solidFill>
+                <a:latin typeface="Arial" charset="0"/>
+              </a:defRPr>
+            </a:lvl6pPr>
+            <a:lvl7pPr marL="2971800" indent="-228600" eaLnBrk="0" fontAlgn="base" hangingPunct="0">
+              <a:spcBef>
+                <a:spcPct val="0"/>
+              </a:spcBef>
+              <a:spcAft>
+                <a:spcPct val="0"/>
+              </a:spcAft>
+              <a:defRPr sz="2900">
+                <a:solidFill>
+                  <a:schemeClr val="tx1"/>
+                </a:solidFill>
+                <a:latin typeface="Arial" charset="0"/>
+              </a:defRPr>
+            </a:lvl7pPr>
+            <a:lvl8pPr marL="3429000" indent="-228600" eaLnBrk="0" fontAlgn="base" hangingPunct="0">
+              <a:spcBef>
+                <a:spcPct val="0"/>
+              </a:spcBef>
+              <a:spcAft>
+                <a:spcPct val="0"/>
+              </a:spcAft>
+              <a:defRPr sz="2900">
+                <a:solidFill>
+                  <a:schemeClr val="tx1"/>
+                </a:solidFill>
+                <a:latin typeface="Arial" charset="0"/>
+              </a:defRPr>
+            </a:lvl8pPr>
+            <a:lvl9pPr marL="3886200" indent="-228600" eaLnBrk="0" fontAlgn="base" hangingPunct="0">
+              <a:spcBef>
+                <a:spcPct val="0"/>
+              </a:spcBef>
+              <a:spcAft>
+                <a:spcPct val="0"/>
+              </a:spcAft>
+              <a:defRPr sz="2900">
+                <a:solidFill>
+                  <a:schemeClr val="tx1"/>
+                </a:solidFill>
+                <a:latin typeface="Arial" charset="0"/>
+              </a:defRPr>
+            </a:lvl9pPr>
+          </a:lstStyle>
+          <a:p>
+            <a:pPr eaLnBrk="1" hangingPunct="1"/>
+            <a:endParaRPr lang="x-none" altLang="x-none" sz="2000"/>
+          </a:p>
+        </p:txBody>
+      </p:sp>
+      <p:sp>
+        <p:nvSpPr>
+          <p:cNvPr id="2059" name="TextBox 11"/>
+          <p:cNvSpPr txBox="1">
+            <a:spLocks noChangeArrowheads="1"/>
+          </p:cNvSpPr>
+          <p:nvPr/>
+        </p:nvSpPr>
+        <p:spPr bwMode="auto">
+          <a:xfrm>
+            <a:off x="4248894" y="450156"/>
+            <a:ext cx="6624736" cy="538609"/>
+          </a:xfrm>
+          <a:prstGeom prst="rect">
+            <a:avLst/>
+          </a:prstGeom>
+          <a:noFill/>
+          <a:ln>
+            <a:noFill/>
+          </a:ln>
+          <a:extLst>
+            <a:ext uri="{909E8E84-426E-40DD-AFC4-6F175D3DCCD1}">
+              <a14:hiddenFill xmlns="" xmlns:a14="http://schemas.microsoft.com/office/drawing/2010/main">
+                <a:solidFill>
+                  <a:srgbClr val="FFFFFF"/>
+                </a:solidFill>
+              </a14:hiddenFill>
+            </a:ext>
+            <a:ext uri="{91240B29-F687-4F45-9708-019B960494DF}">
+              <a14:hiddenLine xmlns="" xmlns:a14="http://schemas.microsoft.com/office/drawing/2010/main" w="9525">
+                <a:solidFill>
+                  <a:srgbClr val="000000"/>
+                </a:solidFill>
+                <a:miter lim="800000"/>
+                <a:headEnd/>
+                <a:tailEnd/>
+              </a14:hiddenLine>
+            </a:ext>
+          </a:extLst>
+        </p:spPr>
+        <p:txBody>
+          <a:bodyPr wrap="square">
+            <a:spAutoFit/>
+          </a:bodyPr>
+          <a:lstStyle>
+            <a:lvl1pPr eaLnBrk="0" hangingPunct="0">
+              <a:defRPr sz="2900">
+                <a:solidFill>
+                  <a:schemeClr val="tx1"/>
+                </a:solidFill>
+                <a:latin typeface="Arial" charset="0"/>
+              </a:defRPr>
+            </a:lvl1pPr>
+            <a:lvl2pPr marL="742950" indent="-285750" eaLnBrk="0" hangingPunct="0">
+              <a:defRPr sz="2900">
+                <a:solidFill>
+                  <a:schemeClr val="tx1"/>
+                </a:solidFill>
+                <a:latin typeface="Arial" charset="0"/>
+              </a:defRPr>
+            </a:lvl2pPr>
+            <a:lvl3pPr marL="1143000" indent="-228600" eaLnBrk="0" hangingPunct="0">
+              <a:defRPr sz="2900">
+                <a:solidFill>
+                  <a:schemeClr val="tx1"/>
+                </a:solidFill>
+                <a:latin typeface="Arial" charset="0"/>
+              </a:defRPr>
+            </a:lvl3pPr>
+            <a:lvl4pPr marL="1600200" indent="-228600" eaLnBrk="0" hangingPunct="0">
+              <a:defRPr sz="2900">
+                <a:solidFill>
+                  <a:schemeClr val="tx1"/>
+                </a:solidFill>
+                <a:latin typeface="Arial" charset="0"/>
+              </a:defRPr>
+            </a:lvl4pPr>
+            <a:lvl5pPr marL="2057400" indent="-228600" eaLnBrk="0" hangingPunct="0">
+              <a:defRPr sz="2900">
+                <a:solidFill>
+                  <a:schemeClr val="tx1"/>
+                </a:solidFill>
+                <a:latin typeface="Arial" charset="0"/>
+              </a:defRPr>
+            </a:lvl5pPr>
+            <a:lvl6pPr marL="2514600" indent="-228600" eaLnBrk="0" fontAlgn="base" hangingPunct="0">
+              <a:spcBef>
+                <a:spcPct val="0"/>
+              </a:spcBef>
+              <a:spcAft>
+                <a:spcPct val="0"/>
+              </a:spcAft>
+              <a:defRPr sz="2900">
+                <a:solidFill>
+                  <a:schemeClr val="tx1"/>
+                </a:solidFill>
+                <a:latin typeface="Arial" charset="0"/>
+              </a:defRPr>
+            </a:lvl6pPr>
+            <a:lvl7pPr marL="2971800" indent="-228600" eaLnBrk="0" fontAlgn="base" hangingPunct="0">
+              <a:spcBef>
+                <a:spcPct val="0"/>
+              </a:spcBef>
+              <a:spcAft>
+                <a:spcPct val="0"/>
+              </a:spcAft>
+              <a:defRPr sz="2900">
+                <a:solidFill>
+                  <a:schemeClr val="tx1"/>
+                </a:solidFill>
+                <a:latin typeface="Arial" charset="0"/>
+              </a:defRPr>
+            </a:lvl7pPr>
+            <a:lvl8pPr marL="3429000" indent="-228600" eaLnBrk="0" fontAlgn="base" hangingPunct="0">
+              <a:spcBef>
+                <a:spcPct val="0"/>
+              </a:spcBef>
+              <a:spcAft>
+                <a:spcPct val="0"/>
+              </a:spcAft>
+              <a:defRPr sz="2900">
+                <a:solidFill>
+                  <a:schemeClr val="tx1"/>
+                </a:solidFill>
+                <a:latin typeface="Arial" charset="0"/>
+              </a:defRPr>
+            </a:lvl8pPr>
+            <a:lvl9pPr marL="3886200" indent="-228600" eaLnBrk="0" fontAlgn="base" hangingPunct="0">
+              <a:spcBef>
+                <a:spcPct val="0"/>
+              </a:spcBef>
+              <a:spcAft>
+                <a:spcPct val="0"/>
+              </a:spcAft>
+              <a:defRPr sz="2900">
+                <a:solidFill>
+                  <a:schemeClr val="tx1"/>
+                </a:solidFill>
+                <a:latin typeface="Arial" charset="0"/>
+              </a:defRPr>
+            </a:lvl9pPr>
+          </a:lstStyle>
+          <a:p>
+            <a:pPr algn="ctr" eaLnBrk="1" hangingPunct="1"/>
+            <a:r>
+              <a:rPr lang="en-US" altLang="x-none" dirty="0" smtClean="0"/>
+              <a:t>Lords: An Online Deck-Building Game</a:t>
+            </a:r>
+            <a:endParaRPr lang="en-US" altLang="x-none" dirty="0"/>
+          </a:p>
+        </p:txBody>
+      </p:sp>
+      <p:sp>
+        <p:nvSpPr>
+          <p:cNvPr id="13" name="Text Box 6"/>
+          <p:cNvSpPr txBox="1">
+            <a:spLocks noChangeArrowheads="1"/>
+          </p:cNvSpPr>
+          <p:nvPr/>
+        </p:nvSpPr>
+        <p:spPr bwMode="auto">
+          <a:xfrm>
+            <a:off x="216446" y="1602284"/>
+            <a:ext cx="7272808" cy="493712"/>
+          </a:xfrm>
+          <a:prstGeom prst="rect">
+            <a:avLst/>
+          </a:prstGeom>
+          <a:noFill/>
+          <a:ln>
+            <a:noFill/>
+          </a:ln>
+          <a:extLst>
+            <a:ext uri="{909E8E84-426E-40DD-AFC4-6F175D3DCCD1}">
+              <a14:hiddenFill xmlns="" xmlns:a14="http://schemas.microsoft.com/office/drawing/2010/main">
+                <a:solidFill>
+                  <a:srgbClr val="FFFFFF"/>
+                </a:solidFill>
+              </a14:hiddenFill>
+            </a:ext>
+            <a:ext uri="{91240B29-F687-4F45-9708-019B960494DF}">
+              <a14:hiddenLine xmlns="" xmlns:a14="http://schemas.microsoft.com/office/drawing/2010/main" w="9525">
+                <a:solidFill>
+                  <a:srgbClr val="000000"/>
+                </a:solidFill>
+                <a:miter lim="800000"/>
+                <a:headEnd/>
+                <a:tailEnd/>
+              </a14:hiddenLine>
+            </a:ext>
+          </a:extLst>
+        </p:spPr>
+        <p:txBody>
+          <a:bodyPr wrap="square" lIns="47165" tIns="23582" rIns="47165" bIns="23582">
+            <a:spAutoFit/>
+          </a:bodyPr>
+          <a:lstStyle>
+            <a:lvl1pPr defTabSz="1433513" eaLnBrk="0" hangingPunct="0">
+              <a:defRPr sz="2900">
+                <a:solidFill>
+                  <a:schemeClr val="tx1"/>
+                </a:solidFill>
+                <a:latin typeface="Arial" charset="0"/>
+              </a:defRPr>
+            </a:lvl1pPr>
+            <a:lvl2pPr marL="742950" indent="-285750" defTabSz="1433513" eaLnBrk="0" hangingPunct="0">
+              <a:defRPr sz="2900">
+                <a:solidFill>
+                  <a:schemeClr val="tx1"/>
+                </a:solidFill>
+                <a:latin typeface="Arial" charset="0"/>
+              </a:defRPr>
+            </a:lvl2pPr>
+            <a:lvl3pPr marL="1143000" indent="-228600" defTabSz="1433513" eaLnBrk="0" hangingPunct="0">
+              <a:defRPr sz="2900">
+                <a:solidFill>
+                  <a:schemeClr val="tx1"/>
+                </a:solidFill>
+                <a:latin typeface="Arial" charset="0"/>
+              </a:defRPr>
+            </a:lvl3pPr>
+            <a:lvl4pPr marL="1600200" indent="-228600" defTabSz="1433513" eaLnBrk="0" hangingPunct="0">
+              <a:defRPr sz="2900">
+                <a:solidFill>
+                  <a:schemeClr val="tx1"/>
+                </a:solidFill>
+                <a:latin typeface="Arial" charset="0"/>
+              </a:defRPr>
+            </a:lvl4pPr>
+            <a:lvl5pPr marL="2057400" indent="-228600" defTabSz="1433513" eaLnBrk="0" hangingPunct="0">
+              <a:defRPr sz="2900">
+                <a:solidFill>
+                  <a:schemeClr val="tx1"/>
+                </a:solidFill>
+                <a:latin typeface="Arial" charset="0"/>
+              </a:defRPr>
+            </a:lvl5pPr>
+            <a:lvl6pPr marL="2514600" indent="-228600" defTabSz="1433513" eaLnBrk="0" fontAlgn="base" hangingPunct="0">
+              <a:spcBef>
+                <a:spcPct val="0"/>
+              </a:spcBef>
+              <a:spcAft>
+                <a:spcPct val="0"/>
+              </a:spcAft>
+              <a:defRPr sz="2900">
+                <a:solidFill>
+                  <a:schemeClr val="tx1"/>
+                </a:solidFill>
+                <a:latin typeface="Arial" charset="0"/>
+              </a:defRPr>
+            </a:lvl6pPr>
+            <a:lvl7pPr marL="2971800" indent="-228600" defTabSz="1433513" eaLnBrk="0" fontAlgn="base" hangingPunct="0">
+              <a:spcBef>
+                <a:spcPct val="0"/>
+              </a:spcBef>
+              <a:spcAft>
+                <a:spcPct val="0"/>
+              </a:spcAft>
+              <a:defRPr sz="2900">
+                <a:solidFill>
+                  <a:schemeClr val="tx1"/>
+                </a:solidFill>
+                <a:latin typeface="Arial" charset="0"/>
+              </a:defRPr>
+            </a:lvl7pPr>
+            <a:lvl8pPr marL="3429000" indent="-228600" defTabSz="1433513" eaLnBrk="0" fontAlgn="base" hangingPunct="0">
+              <a:spcBef>
+                <a:spcPct val="0"/>
+              </a:spcBef>
+              <a:spcAft>
+                <a:spcPct val="0"/>
+              </a:spcAft>
+              <a:defRPr sz="2900">
+                <a:solidFill>
+                  <a:schemeClr val="tx1"/>
+                </a:solidFill>
+                <a:latin typeface="Arial" charset="0"/>
+              </a:defRPr>
+            </a:lvl8pPr>
+            <a:lvl9pPr marL="3886200" indent="-228600" defTabSz="1433513" eaLnBrk="0" fontAlgn="base" hangingPunct="0">
+              <a:spcBef>
+                <a:spcPct val="0"/>
+              </a:spcBef>
+              <a:spcAft>
+                <a:spcPct val="0"/>
+              </a:spcAft>
+              <a:defRPr sz="2900">
+                <a:solidFill>
+                  <a:schemeClr val="tx1"/>
+                </a:solidFill>
+                <a:latin typeface="Arial" charset="0"/>
+              </a:defRPr>
+            </a:lvl9pPr>
+          </a:lstStyle>
+          <a:p>
+            <a:pPr algn="ctr" eaLnBrk="1" hangingPunct="1">
+              <a:spcBef>
+                <a:spcPct val="50000"/>
+              </a:spcBef>
+            </a:pPr>
+            <a:r>
+              <a:rPr lang="en-US" altLang="x-none" dirty="0" smtClean="0">
+                <a:solidFill>
+                  <a:schemeClr val="bg1"/>
+                </a:solidFill>
+              </a:rPr>
+              <a:t>Developer: Tyler Thorn</a:t>
+            </a:r>
+            <a:endParaRPr lang="en-US" altLang="x-none" dirty="0">
+              <a:solidFill>
+                <a:schemeClr val="bg1"/>
+              </a:solidFill>
+            </a:endParaRPr>
+          </a:p>
+        </p:txBody>
+      </p:sp>
+      <p:pic>
+        <p:nvPicPr>
+          <p:cNvPr id="1026" name="Picture 2"/>
           <p:cNvPicPr>
             <a:picLocks noChangeAspect="1" noChangeArrowheads="1"/>
           </p:cNvPicPr>
@@ -4599,8 +9407,8 @@
         </p:blipFill>
         <p:spPr bwMode="auto">
           <a:xfrm>
-            <a:off x="5689054" y="7146900"/>
-            <a:ext cx="5328592" cy="3004976"/>
+            <a:off x="8785398" y="2970436"/>
+            <a:ext cx="5290524" cy="3256409"/>
           </a:xfrm>
           <a:prstGeom prst="rect">
             <a:avLst/>
@@ -4614,9 +9422,1075 @@
           </a:ln>
         </p:spPr>
       </p:pic>
+      <p:sp>
+        <p:nvSpPr>
+          <p:cNvPr id="15" name="Rectangle 10"/>
+          <p:cNvSpPr>
+            <a:spLocks noChangeArrowheads="1"/>
+          </p:cNvSpPr>
+          <p:nvPr/>
+        </p:nvSpPr>
+        <p:spPr bwMode="auto">
+          <a:xfrm>
+            <a:off x="11305678" y="6426820"/>
+            <a:ext cx="3631111" cy="3899965"/>
+          </a:xfrm>
+          <a:prstGeom prst="rect">
+            <a:avLst/>
+          </a:prstGeom>
+          <a:solidFill>
+            <a:schemeClr val="bg1"/>
+          </a:solidFill>
+          <a:ln w="9525">
+            <a:solidFill>
+              <a:schemeClr val="tx1"/>
+            </a:solidFill>
+            <a:miter lim="800000"/>
+            <a:headEnd/>
+            <a:tailEnd/>
+          </a:ln>
+        </p:spPr>
+        <p:txBody>
+          <a:bodyPr/>
+          <a:lstStyle>
+            <a:lvl1pPr eaLnBrk="0" hangingPunct="0">
+              <a:defRPr sz="2900">
+                <a:solidFill>
+                  <a:schemeClr val="tx1"/>
+                </a:solidFill>
+                <a:latin typeface="Arial" charset="0"/>
+              </a:defRPr>
+            </a:lvl1pPr>
+            <a:lvl2pPr marL="742950" indent="-285750" eaLnBrk="0" hangingPunct="0">
+              <a:defRPr sz="2900">
+                <a:solidFill>
+                  <a:schemeClr val="tx1"/>
+                </a:solidFill>
+                <a:latin typeface="Arial" charset="0"/>
+              </a:defRPr>
+            </a:lvl2pPr>
+            <a:lvl3pPr marL="1143000" indent="-228600" eaLnBrk="0" hangingPunct="0">
+              <a:defRPr sz="2900">
+                <a:solidFill>
+                  <a:schemeClr val="tx1"/>
+                </a:solidFill>
+                <a:latin typeface="Arial" charset="0"/>
+              </a:defRPr>
+            </a:lvl3pPr>
+            <a:lvl4pPr marL="1600200" indent="-228600" eaLnBrk="0" hangingPunct="0">
+              <a:defRPr sz="2900">
+                <a:solidFill>
+                  <a:schemeClr val="tx1"/>
+                </a:solidFill>
+                <a:latin typeface="Arial" charset="0"/>
+              </a:defRPr>
+            </a:lvl4pPr>
+            <a:lvl5pPr marL="2057400" indent="-228600" eaLnBrk="0" hangingPunct="0">
+              <a:defRPr sz="2900">
+                <a:solidFill>
+                  <a:schemeClr val="tx1"/>
+                </a:solidFill>
+                <a:latin typeface="Arial" charset="0"/>
+              </a:defRPr>
+            </a:lvl5pPr>
+            <a:lvl6pPr marL="2514600" indent="-228600" eaLnBrk="0" fontAlgn="base" hangingPunct="0">
+              <a:spcBef>
+                <a:spcPct val="0"/>
+              </a:spcBef>
+              <a:spcAft>
+                <a:spcPct val="0"/>
+              </a:spcAft>
+              <a:defRPr sz="2900">
+                <a:solidFill>
+                  <a:schemeClr val="tx1"/>
+                </a:solidFill>
+                <a:latin typeface="Arial" charset="0"/>
+              </a:defRPr>
+            </a:lvl6pPr>
+            <a:lvl7pPr marL="2971800" indent="-228600" eaLnBrk="0" fontAlgn="base" hangingPunct="0">
+              <a:spcBef>
+                <a:spcPct val="0"/>
+              </a:spcBef>
+              <a:spcAft>
+                <a:spcPct val="0"/>
+              </a:spcAft>
+              <a:defRPr sz="2900">
+                <a:solidFill>
+                  <a:schemeClr val="tx1"/>
+                </a:solidFill>
+                <a:latin typeface="Arial" charset="0"/>
+              </a:defRPr>
+            </a:lvl7pPr>
+            <a:lvl8pPr marL="3429000" indent="-228600" eaLnBrk="0" fontAlgn="base" hangingPunct="0">
+              <a:spcBef>
+                <a:spcPct val="0"/>
+              </a:spcBef>
+              <a:spcAft>
+                <a:spcPct val="0"/>
+              </a:spcAft>
+              <a:defRPr sz="2900">
+                <a:solidFill>
+                  <a:schemeClr val="tx1"/>
+                </a:solidFill>
+                <a:latin typeface="Arial" charset="0"/>
+              </a:defRPr>
+            </a:lvl8pPr>
+            <a:lvl9pPr marL="3886200" indent="-228600" eaLnBrk="0" fontAlgn="base" hangingPunct="0">
+              <a:spcBef>
+                <a:spcPct val="0"/>
+              </a:spcBef>
+              <a:spcAft>
+                <a:spcPct val="0"/>
+              </a:spcAft>
+              <a:defRPr sz="2900">
+                <a:solidFill>
+                  <a:schemeClr val="tx1"/>
+                </a:solidFill>
+                <a:latin typeface="Arial" charset="0"/>
+              </a:defRPr>
+            </a:lvl9pPr>
+          </a:lstStyle>
+          <a:p>
+            <a:pPr eaLnBrk="1" hangingPunct="1"/>
+            <a:endParaRPr lang="x-none" altLang="x-none" sz="2000"/>
+          </a:p>
+        </p:txBody>
+      </p:sp>
+      <p:sp>
+        <p:nvSpPr>
+          <p:cNvPr id="19" name="Rectangle 10"/>
+          <p:cNvSpPr>
+            <a:spLocks noChangeArrowheads="1"/>
+          </p:cNvSpPr>
+          <p:nvPr/>
+        </p:nvSpPr>
+        <p:spPr bwMode="auto">
+          <a:xfrm>
+            <a:off x="144438" y="6426820"/>
+            <a:ext cx="10945216" cy="3899965"/>
+          </a:xfrm>
+          <a:prstGeom prst="rect">
+            <a:avLst/>
+          </a:prstGeom>
+          <a:solidFill>
+            <a:schemeClr val="bg1"/>
+          </a:solidFill>
+          <a:ln w="9525">
+            <a:solidFill>
+              <a:schemeClr val="tx1"/>
+            </a:solidFill>
+            <a:miter lim="800000"/>
+            <a:headEnd/>
+            <a:tailEnd/>
+          </a:ln>
+        </p:spPr>
+        <p:txBody>
+          <a:bodyPr/>
+          <a:lstStyle>
+            <a:lvl1pPr eaLnBrk="0" hangingPunct="0">
+              <a:defRPr sz="2900">
+                <a:solidFill>
+                  <a:schemeClr val="tx1"/>
+                </a:solidFill>
+                <a:latin typeface="Arial" charset="0"/>
+              </a:defRPr>
+            </a:lvl1pPr>
+            <a:lvl2pPr marL="742950" indent="-285750" eaLnBrk="0" hangingPunct="0">
+              <a:defRPr sz="2900">
+                <a:solidFill>
+                  <a:schemeClr val="tx1"/>
+                </a:solidFill>
+                <a:latin typeface="Arial" charset="0"/>
+              </a:defRPr>
+            </a:lvl2pPr>
+            <a:lvl3pPr marL="1143000" indent="-228600" eaLnBrk="0" hangingPunct="0">
+              <a:defRPr sz="2900">
+                <a:solidFill>
+                  <a:schemeClr val="tx1"/>
+                </a:solidFill>
+                <a:latin typeface="Arial" charset="0"/>
+              </a:defRPr>
+            </a:lvl3pPr>
+            <a:lvl4pPr marL="1600200" indent="-228600" eaLnBrk="0" hangingPunct="0">
+              <a:defRPr sz="2900">
+                <a:solidFill>
+                  <a:schemeClr val="tx1"/>
+                </a:solidFill>
+                <a:latin typeface="Arial" charset="0"/>
+              </a:defRPr>
+            </a:lvl4pPr>
+            <a:lvl5pPr marL="2057400" indent="-228600" eaLnBrk="0" hangingPunct="0">
+              <a:defRPr sz="2900">
+                <a:solidFill>
+                  <a:schemeClr val="tx1"/>
+                </a:solidFill>
+                <a:latin typeface="Arial" charset="0"/>
+              </a:defRPr>
+            </a:lvl5pPr>
+            <a:lvl6pPr marL="2514600" indent="-228600" eaLnBrk="0" fontAlgn="base" hangingPunct="0">
+              <a:spcBef>
+                <a:spcPct val="0"/>
+              </a:spcBef>
+              <a:spcAft>
+                <a:spcPct val="0"/>
+              </a:spcAft>
+              <a:defRPr sz="2900">
+                <a:solidFill>
+                  <a:schemeClr val="tx1"/>
+                </a:solidFill>
+                <a:latin typeface="Arial" charset="0"/>
+              </a:defRPr>
+            </a:lvl6pPr>
+            <a:lvl7pPr marL="2971800" indent="-228600" eaLnBrk="0" fontAlgn="base" hangingPunct="0">
+              <a:spcBef>
+                <a:spcPct val="0"/>
+              </a:spcBef>
+              <a:spcAft>
+                <a:spcPct val="0"/>
+              </a:spcAft>
+              <a:defRPr sz="2900">
+                <a:solidFill>
+                  <a:schemeClr val="tx1"/>
+                </a:solidFill>
+                <a:latin typeface="Arial" charset="0"/>
+              </a:defRPr>
+            </a:lvl7pPr>
+            <a:lvl8pPr marL="3429000" indent="-228600" eaLnBrk="0" fontAlgn="base" hangingPunct="0">
+              <a:spcBef>
+                <a:spcPct val="0"/>
+              </a:spcBef>
+              <a:spcAft>
+                <a:spcPct val="0"/>
+              </a:spcAft>
+              <a:defRPr sz="2900">
+                <a:solidFill>
+                  <a:schemeClr val="tx1"/>
+                </a:solidFill>
+                <a:latin typeface="Arial" charset="0"/>
+              </a:defRPr>
+            </a:lvl8pPr>
+            <a:lvl9pPr marL="3886200" indent="-228600" eaLnBrk="0" fontAlgn="base" hangingPunct="0">
+              <a:spcBef>
+                <a:spcPct val="0"/>
+              </a:spcBef>
+              <a:spcAft>
+                <a:spcPct val="0"/>
+              </a:spcAft>
+              <a:defRPr sz="2900">
+                <a:solidFill>
+                  <a:schemeClr val="tx1"/>
+                </a:solidFill>
+                <a:latin typeface="Arial" charset="0"/>
+              </a:defRPr>
+            </a:lvl9pPr>
+          </a:lstStyle>
+          <a:p>
+            <a:pPr eaLnBrk="1" hangingPunct="1"/>
+            <a:endParaRPr lang="x-none" altLang="x-none" sz="2000"/>
+          </a:p>
+        </p:txBody>
+      </p:sp>
+      <p:sp>
+        <p:nvSpPr>
+          <p:cNvPr id="1031" name="AutoShape 7" descr="Image result for c# logo"/>
+          <p:cNvSpPr>
+            <a:spLocks noChangeAspect="1" noChangeArrowheads="1"/>
+          </p:cNvSpPr>
+          <p:nvPr/>
+        </p:nvSpPr>
+        <p:spPr bwMode="auto">
+          <a:xfrm>
+            <a:off x="155575" y="-144463"/>
+            <a:ext cx="304800" cy="304801"/>
+          </a:xfrm>
+          <a:prstGeom prst="rect">
+            <a:avLst/>
+          </a:prstGeom>
+          <a:noFill/>
+        </p:spPr>
+        <p:txBody>
+          <a:bodyPr vert="horz" wrap="square" lIns="91440" tIns="45720" rIns="91440" bIns="45720" numCol="1" anchor="t" anchorCtr="0" compatLnSpc="1">
+            <a:prstTxWarp prst="textNoShape">
+              <a:avLst/>
+            </a:prstTxWarp>
+          </a:bodyPr>
+          <a:lstStyle/>
+          <a:p>
+            <a:endParaRPr lang="en-GB"/>
+          </a:p>
+        </p:txBody>
+      </p:sp>
+      <p:sp>
+        <p:nvSpPr>
+          <p:cNvPr id="1033" name="AutoShape 9" descr="Image result for c# logo"/>
+          <p:cNvSpPr>
+            <a:spLocks noChangeAspect="1" noChangeArrowheads="1"/>
+          </p:cNvSpPr>
+          <p:nvPr/>
+        </p:nvSpPr>
+        <p:spPr bwMode="auto">
+          <a:xfrm>
+            <a:off x="155575" y="-144463"/>
+            <a:ext cx="304800" cy="304801"/>
+          </a:xfrm>
+          <a:prstGeom prst="rect">
+            <a:avLst/>
+          </a:prstGeom>
+          <a:noFill/>
+        </p:spPr>
+        <p:txBody>
+          <a:bodyPr vert="horz" wrap="square" lIns="91440" tIns="45720" rIns="91440" bIns="45720" numCol="1" anchor="t" anchorCtr="0" compatLnSpc="1">
+            <a:prstTxWarp prst="textNoShape">
+              <a:avLst/>
+            </a:prstTxWarp>
+          </a:bodyPr>
+          <a:lstStyle/>
+          <a:p>
+            <a:endParaRPr lang="en-GB"/>
+          </a:p>
+        </p:txBody>
+      </p:sp>
+      <p:sp>
+        <p:nvSpPr>
+          <p:cNvPr id="1035" name="AutoShape 11" descr="Image result for c# logo"/>
+          <p:cNvSpPr>
+            <a:spLocks noChangeAspect="1" noChangeArrowheads="1"/>
+          </p:cNvSpPr>
+          <p:nvPr/>
+        </p:nvSpPr>
+        <p:spPr bwMode="auto">
+          <a:xfrm>
+            <a:off x="155575" y="-144463"/>
+            <a:ext cx="304800" cy="304801"/>
+          </a:xfrm>
+          <a:prstGeom prst="rect">
+            <a:avLst/>
+          </a:prstGeom>
+          <a:noFill/>
+        </p:spPr>
+        <p:txBody>
+          <a:bodyPr vert="horz" wrap="square" lIns="91440" tIns="45720" rIns="91440" bIns="45720" numCol="1" anchor="t" anchorCtr="0" compatLnSpc="1">
+            <a:prstTxWarp prst="textNoShape">
+              <a:avLst/>
+            </a:prstTxWarp>
+          </a:bodyPr>
+          <a:lstStyle/>
+          <a:p>
+            <a:endParaRPr lang="en-GB"/>
+          </a:p>
+        </p:txBody>
+      </p:sp>
+      <p:sp>
+        <p:nvSpPr>
+          <p:cNvPr id="21" name="Rectangle 10"/>
+          <p:cNvSpPr>
+            <a:spLocks noChangeArrowheads="1"/>
+          </p:cNvSpPr>
+          <p:nvPr/>
+        </p:nvSpPr>
+        <p:spPr bwMode="auto">
+          <a:xfrm>
+            <a:off x="144438" y="2394372"/>
+            <a:ext cx="7375527" cy="3899965"/>
+          </a:xfrm>
+          <a:prstGeom prst="rect">
+            <a:avLst/>
+          </a:prstGeom>
+          <a:solidFill>
+            <a:schemeClr val="bg1"/>
+          </a:solidFill>
+          <a:ln w="9525">
+            <a:solidFill>
+              <a:schemeClr val="tx1"/>
+            </a:solidFill>
+            <a:miter lim="800000"/>
+            <a:headEnd/>
+            <a:tailEnd/>
+          </a:ln>
+        </p:spPr>
+        <p:txBody>
+          <a:bodyPr/>
+          <a:lstStyle>
+            <a:lvl1pPr eaLnBrk="0" hangingPunct="0">
+              <a:defRPr sz="2900">
+                <a:solidFill>
+                  <a:schemeClr val="tx1"/>
+                </a:solidFill>
+                <a:latin typeface="Arial" charset="0"/>
+              </a:defRPr>
+            </a:lvl1pPr>
+            <a:lvl2pPr marL="742950" indent="-285750" eaLnBrk="0" hangingPunct="0">
+              <a:defRPr sz="2900">
+                <a:solidFill>
+                  <a:schemeClr val="tx1"/>
+                </a:solidFill>
+                <a:latin typeface="Arial" charset="0"/>
+              </a:defRPr>
+            </a:lvl2pPr>
+            <a:lvl3pPr marL="1143000" indent="-228600" eaLnBrk="0" hangingPunct="0">
+              <a:defRPr sz="2900">
+                <a:solidFill>
+                  <a:schemeClr val="tx1"/>
+                </a:solidFill>
+                <a:latin typeface="Arial" charset="0"/>
+              </a:defRPr>
+            </a:lvl3pPr>
+            <a:lvl4pPr marL="1600200" indent="-228600" eaLnBrk="0" hangingPunct="0">
+              <a:defRPr sz="2900">
+                <a:solidFill>
+                  <a:schemeClr val="tx1"/>
+                </a:solidFill>
+                <a:latin typeface="Arial" charset="0"/>
+              </a:defRPr>
+            </a:lvl4pPr>
+            <a:lvl5pPr marL="2057400" indent="-228600" eaLnBrk="0" hangingPunct="0">
+              <a:defRPr sz="2900">
+                <a:solidFill>
+                  <a:schemeClr val="tx1"/>
+                </a:solidFill>
+                <a:latin typeface="Arial" charset="0"/>
+              </a:defRPr>
+            </a:lvl5pPr>
+            <a:lvl6pPr marL="2514600" indent="-228600" eaLnBrk="0" fontAlgn="base" hangingPunct="0">
+              <a:spcBef>
+                <a:spcPct val="0"/>
+              </a:spcBef>
+              <a:spcAft>
+                <a:spcPct val="0"/>
+              </a:spcAft>
+              <a:defRPr sz="2900">
+                <a:solidFill>
+                  <a:schemeClr val="tx1"/>
+                </a:solidFill>
+                <a:latin typeface="Arial" charset="0"/>
+              </a:defRPr>
+            </a:lvl6pPr>
+            <a:lvl7pPr marL="2971800" indent="-228600" eaLnBrk="0" fontAlgn="base" hangingPunct="0">
+              <a:spcBef>
+                <a:spcPct val="0"/>
+              </a:spcBef>
+              <a:spcAft>
+                <a:spcPct val="0"/>
+              </a:spcAft>
+              <a:defRPr sz="2900">
+                <a:solidFill>
+                  <a:schemeClr val="tx1"/>
+                </a:solidFill>
+                <a:latin typeface="Arial" charset="0"/>
+              </a:defRPr>
+            </a:lvl7pPr>
+            <a:lvl8pPr marL="3429000" indent="-228600" eaLnBrk="0" fontAlgn="base" hangingPunct="0">
+              <a:spcBef>
+                <a:spcPct val="0"/>
+              </a:spcBef>
+              <a:spcAft>
+                <a:spcPct val="0"/>
+              </a:spcAft>
+              <a:defRPr sz="2900">
+                <a:solidFill>
+                  <a:schemeClr val="tx1"/>
+                </a:solidFill>
+                <a:latin typeface="Arial" charset="0"/>
+              </a:defRPr>
+            </a:lvl8pPr>
+            <a:lvl9pPr marL="3886200" indent="-228600" eaLnBrk="0" fontAlgn="base" hangingPunct="0">
+              <a:spcBef>
+                <a:spcPct val="0"/>
+              </a:spcBef>
+              <a:spcAft>
+                <a:spcPct val="0"/>
+              </a:spcAft>
+              <a:defRPr sz="2900">
+                <a:solidFill>
+                  <a:schemeClr val="tx1"/>
+                </a:solidFill>
+                <a:latin typeface="Arial" charset="0"/>
+              </a:defRPr>
+            </a:lvl9pPr>
+          </a:lstStyle>
+          <a:p>
+            <a:pPr eaLnBrk="1" hangingPunct="1"/>
+            <a:endParaRPr lang="x-none" altLang="x-none" sz="2000"/>
+          </a:p>
+        </p:txBody>
+      </p:sp>
+      <p:sp>
+        <p:nvSpPr>
+          <p:cNvPr id="22" name="Text Box 6"/>
+          <p:cNvSpPr txBox="1">
+            <a:spLocks noChangeArrowheads="1"/>
+          </p:cNvSpPr>
+          <p:nvPr/>
+        </p:nvSpPr>
+        <p:spPr bwMode="auto">
+          <a:xfrm>
+            <a:off x="1872630" y="2538388"/>
+            <a:ext cx="3528392" cy="493901"/>
+          </a:xfrm>
+          <a:prstGeom prst="rect">
+            <a:avLst/>
+          </a:prstGeom>
+          <a:noFill/>
+          <a:ln>
+            <a:noFill/>
+          </a:ln>
+          <a:extLst>
+            <a:ext uri="{909E8E84-426E-40DD-AFC4-6F175D3DCCD1}">
+              <a14:hiddenFill xmlns="" xmlns:a14="http://schemas.microsoft.com/office/drawing/2010/main">
+                <a:solidFill>
+                  <a:srgbClr val="FFFFFF"/>
+                </a:solidFill>
+              </a14:hiddenFill>
+            </a:ext>
+            <a:ext uri="{91240B29-F687-4F45-9708-019B960494DF}">
+              <a14:hiddenLine xmlns="" xmlns:a14="http://schemas.microsoft.com/office/drawing/2010/main" w="9525">
+                <a:solidFill>
+                  <a:srgbClr val="000000"/>
+                </a:solidFill>
+                <a:miter lim="800000"/>
+                <a:headEnd/>
+                <a:tailEnd/>
+              </a14:hiddenLine>
+            </a:ext>
+          </a:extLst>
+        </p:spPr>
+        <p:txBody>
+          <a:bodyPr wrap="square" lIns="47165" tIns="23582" rIns="47165" bIns="23582">
+            <a:spAutoFit/>
+          </a:bodyPr>
+          <a:lstStyle>
+            <a:lvl1pPr defTabSz="1433513" eaLnBrk="0" hangingPunct="0">
+              <a:defRPr sz="2900">
+                <a:solidFill>
+                  <a:schemeClr val="tx1"/>
+                </a:solidFill>
+                <a:latin typeface="Arial" charset="0"/>
+              </a:defRPr>
+            </a:lvl1pPr>
+            <a:lvl2pPr marL="742950" indent="-285750" defTabSz="1433513" eaLnBrk="0" hangingPunct="0">
+              <a:defRPr sz="2900">
+                <a:solidFill>
+                  <a:schemeClr val="tx1"/>
+                </a:solidFill>
+                <a:latin typeface="Arial" charset="0"/>
+              </a:defRPr>
+            </a:lvl2pPr>
+            <a:lvl3pPr marL="1143000" indent="-228600" defTabSz="1433513" eaLnBrk="0" hangingPunct="0">
+              <a:defRPr sz="2900">
+                <a:solidFill>
+                  <a:schemeClr val="tx1"/>
+                </a:solidFill>
+                <a:latin typeface="Arial" charset="0"/>
+              </a:defRPr>
+            </a:lvl3pPr>
+            <a:lvl4pPr marL="1600200" indent="-228600" defTabSz="1433513" eaLnBrk="0" hangingPunct="0">
+              <a:defRPr sz="2900">
+                <a:solidFill>
+                  <a:schemeClr val="tx1"/>
+                </a:solidFill>
+                <a:latin typeface="Arial" charset="0"/>
+              </a:defRPr>
+            </a:lvl4pPr>
+            <a:lvl5pPr marL="2057400" indent="-228600" defTabSz="1433513" eaLnBrk="0" hangingPunct="0">
+              <a:defRPr sz="2900">
+                <a:solidFill>
+                  <a:schemeClr val="tx1"/>
+                </a:solidFill>
+                <a:latin typeface="Arial" charset="0"/>
+              </a:defRPr>
+            </a:lvl5pPr>
+            <a:lvl6pPr marL="2514600" indent="-228600" defTabSz="1433513" eaLnBrk="0" fontAlgn="base" hangingPunct="0">
+              <a:spcBef>
+                <a:spcPct val="0"/>
+              </a:spcBef>
+              <a:spcAft>
+                <a:spcPct val="0"/>
+              </a:spcAft>
+              <a:defRPr sz="2900">
+                <a:solidFill>
+                  <a:schemeClr val="tx1"/>
+                </a:solidFill>
+                <a:latin typeface="Arial" charset="0"/>
+              </a:defRPr>
+            </a:lvl6pPr>
+            <a:lvl7pPr marL="2971800" indent="-228600" defTabSz="1433513" eaLnBrk="0" fontAlgn="base" hangingPunct="0">
+              <a:spcBef>
+                <a:spcPct val="0"/>
+              </a:spcBef>
+              <a:spcAft>
+                <a:spcPct val="0"/>
+              </a:spcAft>
+              <a:defRPr sz="2900">
+                <a:solidFill>
+                  <a:schemeClr val="tx1"/>
+                </a:solidFill>
+                <a:latin typeface="Arial" charset="0"/>
+              </a:defRPr>
+            </a:lvl7pPr>
+            <a:lvl8pPr marL="3429000" indent="-228600" defTabSz="1433513" eaLnBrk="0" fontAlgn="base" hangingPunct="0">
+              <a:spcBef>
+                <a:spcPct val="0"/>
+              </a:spcBef>
+              <a:spcAft>
+                <a:spcPct val="0"/>
+              </a:spcAft>
+              <a:defRPr sz="2900">
+                <a:solidFill>
+                  <a:schemeClr val="tx1"/>
+                </a:solidFill>
+                <a:latin typeface="Arial" charset="0"/>
+              </a:defRPr>
+            </a:lvl8pPr>
+            <a:lvl9pPr marL="3886200" indent="-228600" defTabSz="1433513" eaLnBrk="0" fontAlgn="base" hangingPunct="0">
+              <a:spcBef>
+                <a:spcPct val="0"/>
+              </a:spcBef>
+              <a:spcAft>
+                <a:spcPct val="0"/>
+              </a:spcAft>
+              <a:defRPr sz="2900">
+                <a:solidFill>
+                  <a:schemeClr val="tx1"/>
+                </a:solidFill>
+                <a:latin typeface="Arial" charset="0"/>
+              </a:defRPr>
+            </a:lvl9pPr>
+          </a:lstStyle>
+          <a:p>
+            <a:pPr algn="ctr" eaLnBrk="1" hangingPunct="1">
+              <a:spcBef>
+                <a:spcPct val="50000"/>
+              </a:spcBef>
+            </a:pPr>
+            <a:r>
+              <a:rPr lang="en-US" altLang="x-none" b="1" dirty="0" smtClean="0"/>
+              <a:t>Project Features</a:t>
+            </a:r>
+          </a:p>
+        </p:txBody>
+      </p:sp>
+      <p:sp>
+        <p:nvSpPr>
+          <p:cNvPr id="23" name="TextBox 22"/>
+          <p:cNvSpPr txBox="1"/>
+          <p:nvPr/>
+        </p:nvSpPr>
+        <p:spPr>
+          <a:xfrm>
+            <a:off x="648494" y="3042444"/>
+            <a:ext cx="5976664" cy="3477875"/>
+          </a:xfrm>
+          <a:prstGeom prst="rect">
+            <a:avLst/>
+          </a:prstGeom>
+          <a:noFill/>
+        </p:spPr>
+        <p:txBody>
+          <a:bodyPr wrap="square" rtlCol="0">
+            <a:spAutoFit/>
+          </a:bodyPr>
+          <a:lstStyle/>
+          <a:p>
+            <a:pPr>
+              <a:buFont typeface="Arial" pitchFamily="34" charset="0"/>
+              <a:buChar char="•"/>
+            </a:pPr>
+            <a:r>
+              <a:rPr lang="en-GB" sz="2000" dirty="0" smtClean="0"/>
+              <a:t> A custom C# server running a 1-on-1 online multiplayer card game</a:t>
+            </a:r>
+          </a:p>
+          <a:p>
+            <a:pPr>
+              <a:buFont typeface="Arial" pitchFamily="34" charset="0"/>
+              <a:buChar char="•"/>
+            </a:pPr>
+            <a:r>
+              <a:rPr lang="en-GB" sz="2000" dirty="0" smtClean="0"/>
+              <a:t> Dark fantasy theme</a:t>
+            </a:r>
+          </a:p>
+          <a:p>
+            <a:pPr>
+              <a:buFont typeface="Arial" pitchFamily="34" charset="0"/>
+              <a:buChar char="•"/>
+            </a:pPr>
+            <a:r>
+              <a:rPr lang="en-GB" sz="2000" dirty="0" smtClean="0"/>
+              <a:t> Designed with resource management </a:t>
+            </a:r>
+            <a:r>
+              <a:rPr lang="en-GB" sz="2000" dirty="0" smtClean="0"/>
+              <a:t>in mind</a:t>
+            </a:r>
+            <a:endParaRPr lang="en-GB" sz="2000" dirty="0" smtClean="0"/>
+          </a:p>
+          <a:p>
+            <a:pPr>
+              <a:buFont typeface="Arial" pitchFamily="34" charset="0"/>
+              <a:buChar char="•"/>
+            </a:pPr>
+            <a:r>
+              <a:rPr lang="en-GB" sz="2000" dirty="0" smtClean="0"/>
+              <a:t> A wide variety of cards with different </a:t>
+            </a:r>
+            <a:r>
+              <a:rPr lang="en-GB" sz="2000" dirty="0" smtClean="0"/>
+              <a:t>effects</a:t>
+            </a:r>
+            <a:endParaRPr lang="en-GB" sz="2000" dirty="0" smtClean="0"/>
+          </a:p>
+          <a:p>
+            <a:pPr>
+              <a:buFont typeface="Arial" pitchFamily="34" charset="0"/>
+              <a:buChar char="•"/>
+            </a:pPr>
+            <a:r>
+              <a:rPr lang="en-GB" sz="2000" dirty="0" smtClean="0"/>
+              <a:t> Lord cards with powerful abilities that can turn the tide of </a:t>
+            </a:r>
+            <a:r>
+              <a:rPr lang="en-GB" sz="2000" dirty="0" smtClean="0"/>
+              <a:t>battle</a:t>
+            </a:r>
+          </a:p>
+          <a:p>
+            <a:pPr>
+              <a:buFont typeface="Arial" pitchFamily="34" charset="0"/>
+              <a:buChar char="•"/>
+            </a:pPr>
+            <a:r>
+              <a:rPr lang="en-GB" sz="2000" dirty="0" smtClean="0"/>
+              <a:t> </a:t>
+            </a:r>
+            <a:r>
+              <a:rPr lang="en-GB" sz="2000" dirty="0" smtClean="0"/>
+              <a:t>Employ </a:t>
+            </a:r>
+            <a:r>
+              <a:rPr lang="en-GB" sz="2000" dirty="0" smtClean="0"/>
+              <a:t>a variety of strategies – overwhelm your opponent with swarms of units, or manage your gold carefully and win the long game</a:t>
+            </a:r>
+          </a:p>
+          <a:p>
+            <a:endParaRPr lang="en-GB" sz="2000" dirty="0" smtClean="0"/>
+          </a:p>
+        </p:txBody>
+      </p:sp>
+      <p:sp>
+        <p:nvSpPr>
+          <p:cNvPr id="25" name="Text Box 6"/>
+          <p:cNvSpPr txBox="1">
+            <a:spLocks noChangeArrowheads="1"/>
+          </p:cNvSpPr>
+          <p:nvPr/>
+        </p:nvSpPr>
+        <p:spPr bwMode="auto">
+          <a:xfrm>
+            <a:off x="3960862" y="6570836"/>
+            <a:ext cx="3528392" cy="493901"/>
+          </a:xfrm>
+          <a:prstGeom prst="rect">
+            <a:avLst/>
+          </a:prstGeom>
+          <a:noFill/>
+          <a:ln>
+            <a:noFill/>
+          </a:ln>
+          <a:extLst>
+            <a:ext uri="{909E8E84-426E-40DD-AFC4-6F175D3DCCD1}">
+              <a14:hiddenFill xmlns="" xmlns:a14="http://schemas.microsoft.com/office/drawing/2010/main">
+                <a:solidFill>
+                  <a:srgbClr val="FFFFFF"/>
+                </a:solidFill>
+              </a14:hiddenFill>
+            </a:ext>
+            <a:ext uri="{91240B29-F687-4F45-9708-019B960494DF}">
+              <a14:hiddenLine xmlns="" xmlns:a14="http://schemas.microsoft.com/office/drawing/2010/main" w="9525">
+                <a:solidFill>
+                  <a:srgbClr val="000000"/>
+                </a:solidFill>
+                <a:miter lim="800000"/>
+                <a:headEnd/>
+                <a:tailEnd/>
+              </a14:hiddenLine>
+            </a:ext>
+          </a:extLst>
+        </p:spPr>
+        <p:txBody>
+          <a:bodyPr wrap="square" lIns="47165" tIns="23582" rIns="47165" bIns="23582">
+            <a:spAutoFit/>
+          </a:bodyPr>
+          <a:lstStyle>
+            <a:lvl1pPr defTabSz="1433513" eaLnBrk="0" hangingPunct="0">
+              <a:defRPr sz="2900">
+                <a:solidFill>
+                  <a:schemeClr val="tx1"/>
+                </a:solidFill>
+                <a:latin typeface="Arial" charset="0"/>
+              </a:defRPr>
+            </a:lvl1pPr>
+            <a:lvl2pPr marL="742950" indent="-285750" defTabSz="1433513" eaLnBrk="0" hangingPunct="0">
+              <a:defRPr sz="2900">
+                <a:solidFill>
+                  <a:schemeClr val="tx1"/>
+                </a:solidFill>
+                <a:latin typeface="Arial" charset="0"/>
+              </a:defRPr>
+            </a:lvl2pPr>
+            <a:lvl3pPr marL="1143000" indent="-228600" defTabSz="1433513" eaLnBrk="0" hangingPunct="0">
+              <a:defRPr sz="2900">
+                <a:solidFill>
+                  <a:schemeClr val="tx1"/>
+                </a:solidFill>
+                <a:latin typeface="Arial" charset="0"/>
+              </a:defRPr>
+            </a:lvl3pPr>
+            <a:lvl4pPr marL="1600200" indent="-228600" defTabSz="1433513" eaLnBrk="0" hangingPunct="0">
+              <a:defRPr sz="2900">
+                <a:solidFill>
+                  <a:schemeClr val="tx1"/>
+                </a:solidFill>
+                <a:latin typeface="Arial" charset="0"/>
+              </a:defRPr>
+            </a:lvl4pPr>
+            <a:lvl5pPr marL="2057400" indent="-228600" defTabSz="1433513" eaLnBrk="0" hangingPunct="0">
+              <a:defRPr sz="2900">
+                <a:solidFill>
+                  <a:schemeClr val="tx1"/>
+                </a:solidFill>
+                <a:latin typeface="Arial" charset="0"/>
+              </a:defRPr>
+            </a:lvl5pPr>
+            <a:lvl6pPr marL="2514600" indent="-228600" defTabSz="1433513" eaLnBrk="0" fontAlgn="base" hangingPunct="0">
+              <a:spcBef>
+                <a:spcPct val="0"/>
+              </a:spcBef>
+              <a:spcAft>
+                <a:spcPct val="0"/>
+              </a:spcAft>
+              <a:defRPr sz="2900">
+                <a:solidFill>
+                  <a:schemeClr val="tx1"/>
+                </a:solidFill>
+                <a:latin typeface="Arial" charset="0"/>
+              </a:defRPr>
+            </a:lvl6pPr>
+            <a:lvl7pPr marL="2971800" indent="-228600" defTabSz="1433513" eaLnBrk="0" fontAlgn="base" hangingPunct="0">
+              <a:spcBef>
+                <a:spcPct val="0"/>
+              </a:spcBef>
+              <a:spcAft>
+                <a:spcPct val="0"/>
+              </a:spcAft>
+              <a:defRPr sz="2900">
+                <a:solidFill>
+                  <a:schemeClr val="tx1"/>
+                </a:solidFill>
+                <a:latin typeface="Arial" charset="0"/>
+              </a:defRPr>
+            </a:lvl7pPr>
+            <a:lvl8pPr marL="3429000" indent="-228600" defTabSz="1433513" eaLnBrk="0" fontAlgn="base" hangingPunct="0">
+              <a:spcBef>
+                <a:spcPct val="0"/>
+              </a:spcBef>
+              <a:spcAft>
+                <a:spcPct val="0"/>
+              </a:spcAft>
+              <a:defRPr sz="2900">
+                <a:solidFill>
+                  <a:schemeClr val="tx1"/>
+                </a:solidFill>
+                <a:latin typeface="Arial" charset="0"/>
+              </a:defRPr>
+            </a:lvl8pPr>
+            <a:lvl9pPr marL="3886200" indent="-228600" defTabSz="1433513" eaLnBrk="0" fontAlgn="base" hangingPunct="0">
+              <a:spcBef>
+                <a:spcPct val="0"/>
+              </a:spcBef>
+              <a:spcAft>
+                <a:spcPct val="0"/>
+              </a:spcAft>
+              <a:defRPr sz="2900">
+                <a:solidFill>
+                  <a:schemeClr val="tx1"/>
+                </a:solidFill>
+                <a:latin typeface="Arial" charset="0"/>
+              </a:defRPr>
+            </a:lvl9pPr>
+          </a:lstStyle>
+          <a:p>
+            <a:pPr algn="ctr" eaLnBrk="1" hangingPunct="1">
+              <a:spcBef>
+                <a:spcPct val="50000"/>
+              </a:spcBef>
+            </a:pPr>
+            <a:r>
+              <a:rPr lang="en-US" altLang="x-none" b="1" dirty="0" smtClean="0"/>
+              <a:t>Game layout</a:t>
+            </a:r>
+            <a:endParaRPr lang="en-US" altLang="x-none" b="1" dirty="0" smtClean="0"/>
+          </a:p>
+        </p:txBody>
+      </p:sp>
+      <p:sp>
+        <p:nvSpPr>
+          <p:cNvPr id="26" name="Text Box 6"/>
+          <p:cNvSpPr txBox="1">
+            <a:spLocks noChangeArrowheads="1"/>
+          </p:cNvSpPr>
+          <p:nvPr/>
+        </p:nvSpPr>
+        <p:spPr bwMode="auto">
+          <a:xfrm>
+            <a:off x="9505478" y="2466380"/>
+            <a:ext cx="3528392" cy="493901"/>
+          </a:xfrm>
+          <a:prstGeom prst="rect">
+            <a:avLst/>
+          </a:prstGeom>
+          <a:noFill/>
+          <a:ln>
+            <a:noFill/>
+          </a:ln>
+          <a:extLst>
+            <a:ext uri="{909E8E84-426E-40DD-AFC4-6F175D3DCCD1}">
+              <a14:hiddenFill xmlns="" xmlns:a14="http://schemas.microsoft.com/office/drawing/2010/main">
+                <a:solidFill>
+                  <a:srgbClr val="FFFFFF"/>
+                </a:solidFill>
+              </a14:hiddenFill>
+            </a:ext>
+            <a:ext uri="{91240B29-F687-4F45-9708-019B960494DF}">
+              <a14:hiddenLine xmlns="" xmlns:a14="http://schemas.microsoft.com/office/drawing/2010/main" w="9525">
+                <a:solidFill>
+                  <a:srgbClr val="000000"/>
+                </a:solidFill>
+                <a:miter lim="800000"/>
+                <a:headEnd/>
+                <a:tailEnd/>
+              </a14:hiddenLine>
+            </a:ext>
+          </a:extLst>
+        </p:spPr>
+        <p:txBody>
+          <a:bodyPr wrap="square" lIns="47165" tIns="23582" rIns="47165" bIns="23582">
+            <a:spAutoFit/>
+          </a:bodyPr>
+          <a:lstStyle>
+            <a:lvl1pPr defTabSz="1433513" eaLnBrk="0" hangingPunct="0">
+              <a:defRPr sz="2900">
+                <a:solidFill>
+                  <a:schemeClr val="tx1"/>
+                </a:solidFill>
+                <a:latin typeface="Arial" charset="0"/>
+              </a:defRPr>
+            </a:lvl1pPr>
+            <a:lvl2pPr marL="742950" indent="-285750" defTabSz="1433513" eaLnBrk="0" hangingPunct="0">
+              <a:defRPr sz="2900">
+                <a:solidFill>
+                  <a:schemeClr val="tx1"/>
+                </a:solidFill>
+                <a:latin typeface="Arial" charset="0"/>
+              </a:defRPr>
+            </a:lvl2pPr>
+            <a:lvl3pPr marL="1143000" indent="-228600" defTabSz="1433513" eaLnBrk="0" hangingPunct="0">
+              <a:defRPr sz="2900">
+                <a:solidFill>
+                  <a:schemeClr val="tx1"/>
+                </a:solidFill>
+                <a:latin typeface="Arial" charset="0"/>
+              </a:defRPr>
+            </a:lvl3pPr>
+            <a:lvl4pPr marL="1600200" indent="-228600" defTabSz="1433513" eaLnBrk="0" hangingPunct="0">
+              <a:defRPr sz="2900">
+                <a:solidFill>
+                  <a:schemeClr val="tx1"/>
+                </a:solidFill>
+                <a:latin typeface="Arial" charset="0"/>
+              </a:defRPr>
+            </a:lvl4pPr>
+            <a:lvl5pPr marL="2057400" indent="-228600" defTabSz="1433513" eaLnBrk="0" hangingPunct="0">
+              <a:defRPr sz="2900">
+                <a:solidFill>
+                  <a:schemeClr val="tx1"/>
+                </a:solidFill>
+                <a:latin typeface="Arial" charset="0"/>
+              </a:defRPr>
+            </a:lvl5pPr>
+            <a:lvl6pPr marL="2514600" indent="-228600" defTabSz="1433513" eaLnBrk="0" fontAlgn="base" hangingPunct="0">
+              <a:spcBef>
+                <a:spcPct val="0"/>
+              </a:spcBef>
+              <a:spcAft>
+                <a:spcPct val="0"/>
+              </a:spcAft>
+              <a:defRPr sz="2900">
+                <a:solidFill>
+                  <a:schemeClr val="tx1"/>
+                </a:solidFill>
+                <a:latin typeface="Arial" charset="0"/>
+              </a:defRPr>
+            </a:lvl6pPr>
+            <a:lvl7pPr marL="2971800" indent="-228600" defTabSz="1433513" eaLnBrk="0" fontAlgn="base" hangingPunct="0">
+              <a:spcBef>
+                <a:spcPct val="0"/>
+              </a:spcBef>
+              <a:spcAft>
+                <a:spcPct val="0"/>
+              </a:spcAft>
+              <a:defRPr sz="2900">
+                <a:solidFill>
+                  <a:schemeClr val="tx1"/>
+                </a:solidFill>
+                <a:latin typeface="Arial" charset="0"/>
+              </a:defRPr>
+            </a:lvl7pPr>
+            <a:lvl8pPr marL="3429000" indent="-228600" defTabSz="1433513" eaLnBrk="0" fontAlgn="base" hangingPunct="0">
+              <a:spcBef>
+                <a:spcPct val="0"/>
+              </a:spcBef>
+              <a:spcAft>
+                <a:spcPct val="0"/>
+              </a:spcAft>
+              <a:defRPr sz="2900">
+                <a:solidFill>
+                  <a:schemeClr val="tx1"/>
+                </a:solidFill>
+                <a:latin typeface="Arial" charset="0"/>
+              </a:defRPr>
+            </a:lvl8pPr>
+            <a:lvl9pPr marL="3886200" indent="-228600" defTabSz="1433513" eaLnBrk="0" fontAlgn="base" hangingPunct="0">
+              <a:spcBef>
+                <a:spcPct val="0"/>
+              </a:spcBef>
+              <a:spcAft>
+                <a:spcPct val="0"/>
+              </a:spcAft>
+              <a:defRPr sz="2900">
+                <a:solidFill>
+                  <a:schemeClr val="tx1"/>
+                </a:solidFill>
+                <a:latin typeface="Arial" charset="0"/>
+              </a:defRPr>
+            </a:lvl9pPr>
+          </a:lstStyle>
+          <a:p>
+            <a:pPr algn="ctr" eaLnBrk="1" hangingPunct="1">
+              <a:spcBef>
+                <a:spcPct val="50000"/>
+              </a:spcBef>
+            </a:pPr>
+            <a:r>
+              <a:rPr lang="en-US" altLang="x-none" b="1" dirty="0" smtClean="0"/>
+              <a:t>Card Layout</a:t>
+            </a:r>
+          </a:p>
+        </p:txBody>
+      </p:sp>
       <p:pic>
         <p:nvPicPr>
-          <p:cNvPr id="1029" name="Picture 5"/>
+          <p:cNvPr id="4" name="Picture 2"/>
           <p:cNvPicPr>
             <a:picLocks noChangeAspect="1" noChangeArrowheads="1"/>
           </p:cNvPicPr>
@@ -4631,8 +10505,8 @@
         </p:blipFill>
         <p:spPr bwMode="auto">
           <a:xfrm>
-            <a:off x="288454" y="7146900"/>
-            <a:ext cx="5369518" cy="3004583"/>
+            <a:off x="864518" y="7290916"/>
+            <a:ext cx="10081120" cy="2715453"/>
           </a:xfrm>
           <a:prstGeom prst="rect">
             <a:avLst/>
@@ -4646,99 +10520,9 @@
           </a:ln>
         </p:spPr>
       </p:pic>
-      <p:sp>
-        <p:nvSpPr>
-          <p:cNvPr id="1031" name="AutoShape 7" descr="Image result for c# logo"/>
-          <p:cNvSpPr>
-            <a:spLocks noChangeAspect="1" noChangeArrowheads="1"/>
-          </p:cNvSpPr>
-          <p:nvPr/>
-        </p:nvSpPr>
-        <p:spPr bwMode="auto">
-          <a:xfrm>
-            <a:off x="155575" y="-144463"/>
-            <a:ext cx="304800" cy="304801"/>
-          </a:xfrm>
-          <a:prstGeom prst="rect">
-            <a:avLst/>
-          </a:prstGeom>
-          <a:noFill/>
-        </p:spPr>
-        <p:txBody>
-          <a:bodyPr vert="horz" wrap="square" lIns="91440" tIns="45720" rIns="91440" bIns="45720" numCol="1" anchor="t" anchorCtr="0" compatLnSpc="1">
-            <a:prstTxWarp prst="textNoShape">
-              <a:avLst/>
-            </a:prstTxWarp>
-          </a:bodyPr>
-          <a:lstStyle/>
-          <a:p>
-            <a:endParaRPr lang="en-GB"/>
-          </a:p>
-        </p:txBody>
-      </p:sp>
-      <p:sp>
-        <p:nvSpPr>
-          <p:cNvPr id="1033" name="AutoShape 9" descr="Image result for c# logo"/>
-          <p:cNvSpPr>
-            <a:spLocks noChangeAspect="1" noChangeArrowheads="1"/>
-          </p:cNvSpPr>
-          <p:nvPr/>
-        </p:nvSpPr>
-        <p:spPr bwMode="auto">
-          <a:xfrm>
-            <a:off x="155575" y="-144463"/>
-            <a:ext cx="304800" cy="304801"/>
-          </a:xfrm>
-          <a:prstGeom prst="rect">
-            <a:avLst/>
-          </a:prstGeom>
-          <a:noFill/>
-        </p:spPr>
-        <p:txBody>
-          <a:bodyPr vert="horz" wrap="square" lIns="91440" tIns="45720" rIns="91440" bIns="45720" numCol="1" anchor="t" anchorCtr="0" compatLnSpc="1">
-            <a:prstTxWarp prst="textNoShape">
-              <a:avLst/>
-            </a:prstTxWarp>
-          </a:bodyPr>
-          <a:lstStyle/>
-          <a:p>
-            <a:endParaRPr lang="en-GB"/>
-          </a:p>
-        </p:txBody>
-      </p:sp>
-      <p:sp>
-        <p:nvSpPr>
-          <p:cNvPr id="1035" name="AutoShape 11" descr="Image result for c# logo"/>
-          <p:cNvSpPr>
-            <a:spLocks noChangeAspect="1" noChangeArrowheads="1"/>
-          </p:cNvSpPr>
-          <p:nvPr/>
-        </p:nvSpPr>
-        <p:spPr bwMode="auto">
-          <a:xfrm>
-            <a:off x="155575" y="-144463"/>
-            <a:ext cx="304800" cy="304801"/>
-          </a:xfrm>
-          <a:prstGeom prst="rect">
-            <a:avLst/>
-          </a:prstGeom>
-          <a:noFill/>
-        </p:spPr>
-        <p:txBody>
-          <a:bodyPr vert="horz" wrap="square" lIns="91440" tIns="45720" rIns="91440" bIns="45720" numCol="1" anchor="t" anchorCtr="0" compatLnSpc="1">
-            <a:prstTxWarp prst="textNoShape">
-              <a:avLst/>
-            </a:prstTxWarp>
-          </a:bodyPr>
-          <a:lstStyle/>
-          <a:p>
-            <a:endParaRPr lang="en-GB"/>
-          </a:p>
-        </p:txBody>
-      </p:sp>
       <p:pic>
         <p:nvPicPr>
-          <p:cNvPr id="1041" name="Picture 17" descr="Image result for unity logo"/>
+          <p:cNvPr id="27" name="Picture 17" descr="Image result for unity logo"/>
           <p:cNvPicPr>
             <a:picLocks noChangeAspect="1" noChangeArrowheads="1"/>
           </p:cNvPicPr>
@@ -4764,7 +10548,7 @@
       </p:pic>
       <p:pic>
         <p:nvPicPr>
-          <p:cNvPr id="1037" name="Picture 13" descr="Image result for c# logo"/>
+          <p:cNvPr id="28" name="Picture 13" descr="Image result for c# logo"/>
           <p:cNvPicPr>
             <a:picLocks noChangeAspect="1" noChangeArrowheads="1"/>
           </p:cNvPicPr>
@@ -4788,373 +10572,6 @@
           <a:noFill/>
         </p:spPr>
       </p:pic>
-      <p:sp>
-        <p:nvSpPr>
-          <p:cNvPr id="21" name="Rectangle 10"/>
-          <p:cNvSpPr>
-            <a:spLocks noChangeArrowheads="1"/>
-          </p:cNvSpPr>
-          <p:nvPr/>
-        </p:nvSpPr>
-        <p:spPr bwMode="auto">
-          <a:xfrm>
-            <a:off x="144438" y="2394372"/>
-            <a:ext cx="7375527" cy="3899965"/>
-          </a:xfrm>
-          <a:prstGeom prst="rect">
-            <a:avLst/>
-          </a:prstGeom>
-          <a:solidFill>
-            <a:schemeClr val="bg1"/>
-          </a:solidFill>
-          <a:ln w="9525">
-            <a:solidFill>
-              <a:schemeClr val="tx1"/>
-            </a:solidFill>
-            <a:miter lim="800000"/>
-            <a:headEnd/>
-            <a:tailEnd/>
-          </a:ln>
-        </p:spPr>
-        <p:txBody>
-          <a:bodyPr/>
-          <a:lstStyle>
-            <a:lvl1pPr eaLnBrk="0" hangingPunct="0">
-              <a:defRPr sz="2900">
-                <a:solidFill>
-                  <a:schemeClr val="tx1"/>
-                </a:solidFill>
-                <a:latin typeface="Arial" charset="0"/>
-              </a:defRPr>
-            </a:lvl1pPr>
-            <a:lvl2pPr marL="742950" indent="-285750" eaLnBrk="0" hangingPunct="0">
-              <a:defRPr sz="2900">
-                <a:solidFill>
-                  <a:schemeClr val="tx1"/>
-                </a:solidFill>
-                <a:latin typeface="Arial" charset="0"/>
-              </a:defRPr>
-            </a:lvl2pPr>
-            <a:lvl3pPr marL="1143000" indent="-228600" eaLnBrk="0" hangingPunct="0">
-              <a:defRPr sz="2900">
-                <a:solidFill>
-                  <a:schemeClr val="tx1"/>
-                </a:solidFill>
-                <a:latin typeface="Arial" charset="0"/>
-              </a:defRPr>
-            </a:lvl3pPr>
-            <a:lvl4pPr marL="1600200" indent="-228600" eaLnBrk="0" hangingPunct="0">
-              <a:defRPr sz="2900">
-                <a:solidFill>
-                  <a:schemeClr val="tx1"/>
-                </a:solidFill>
-                <a:latin typeface="Arial" charset="0"/>
-              </a:defRPr>
-            </a:lvl4pPr>
-            <a:lvl5pPr marL="2057400" indent="-228600" eaLnBrk="0" hangingPunct="0">
-              <a:defRPr sz="2900">
-                <a:solidFill>
-                  <a:schemeClr val="tx1"/>
-                </a:solidFill>
-                <a:latin typeface="Arial" charset="0"/>
-              </a:defRPr>
-            </a:lvl5pPr>
-            <a:lvl6pPr marL="2514600" indent="-228600" eaLnBrk="0" fontAlgn="base" hangingPunct="0">
-              <a:spcBef>
-                <a:spcPct val="0"/>
-              </a:spcBef>
-              <a:spcAft>
-                <a:spcPct val="0"/>
-              </a:spcAft>
-              <a:defRPr sz="2900">
-                <a:solidFill>
-                  <a:schemeClr val="tx1"/>
-                </a:solidFill>
-                <a:latin typeface="Arial" charset="0"/>
-              </a:defRPr>
-            </a:lvl6pPr>
-            <a:lvl7pPr marL="2971800" indent="-228600" eaLnBrk="0" fontAlgn="base" hangingPunct="0">
-              <a:spcBef>
-                <a:spcPct val="0"/>
-              </a:spcBef>
-              <a:spcAft>
-                <a:spcPct val="0"/>
-              </a:spcAft>
-              <a:defRPr sz="2900">
-                <a:solidFill>
-                  <a:schemeClr val="tx1"/>
-                </a:solidFill>
-                <a:latin typeface="Arial" charset="0"/>
-              </a:defRPr>
-            </a:lvl7pPr>
-            <a:lvl8pPr marL="3429000" indent="-228600" eaLnBrk="0" fontAlgn="base" hangingPunct="0">
-              <a:spcBef>
-                <a:spcPct val="0"/>
-              </a:spcBef>
-              <a:spcAft>
-                <a:spcPct val="0"/>
-              </a:spcAft>
-              <a:defRPr sz="2900">
-                <a:solidFill>
-                  <a:schemeClr val="tx1"/>
-                </a:solidFill>
-                <a:latin typeface="Arial" charset="0"/>
-              </a:defRPr>
-            </a:lvl8pPr>
-            <a:lvl9pPr marL="3886200" indent="-228600" eaLnBrk="0" fontAlgn="base" hangingPunct="0">
-              <a:spcBef>
-                <a:spcPct val="0"/>
-              </a:spcBef>
-              <a:spcAft>
-                <a:spcPct val="0"/>
-              </a:spcAft>
-              <a:defRPr sz="2900">
-                <a:solidFill>
-                  <a:schemeClr val="tx1"/>
-                </a:solidFill>
-                <a:latin typeface="Arial" charset="0"/>
-              </a:defRPr>
-            </a:lvl9pPr>
-          </a:lstStyle>
-          <a:p>
-            <a:pPr eaLnBrk="1" hangingPunct="1"/>
-            <a:endParaRPr lang="x-none" altLang="x-none" sz="2000"/>
-          </a:p>
-        </p:txBody>
-      </p:sp>
-      <p:sp>
-        <p:nvSpPr>
-          <p:cNvPr id="22" name="Text Box 6"/>
-          <p:cNvSpPr txBox="1">
-            <a:spLocks noChangeArrowheads="1"/>
-          </p:cNvSpPr>
-          <p:nvPr/>
-        </p:nvSpPr>
-        <p:spPr bwMode="auto">
-          <a:xfrm>
-            <a:off x="1872630" y="2538388"/>
-            <a:ext cx="3528392" cy="493901"/>
-          </a:xfrm>
-          <a:prstGeom prst="rect">
-            <a:avLst/>
-          </a:prstGeom>
-          <a:noFill/>
-          <a:ln>
-            <a:noFill/>
-          </a:ln>
-          <a:extLst>
-            <a:ext uri="{909E8E84-426E-40DD-AFC4-6F175D3DCCD1}">
-              <a14:hiddenFill xmlns="" xmlns:a14="http://schemas.microsoft.com/office/drawing/2010/main">
-                <a:solidFill>
-                  <a:srgbClr val="FFFFFF"/>
-                </a:solidFill>
-              </a14:hiddenFill>
-            </a:ext>
-            <a:ext uri="{91240B29-F687-4F45-9708-019B960494DF}">
-              <a14:hiddenLine xmlns="" xmlns:a14="http://schemas.microsoft.com/office/drawing/2010/main" w="9525">
-                <a:solidFill>
-                  <a:srgbClr val="000000"/>
-                </a:solidFill>
-                <a:miter lim="800000"/>
-                <a:headEnd/>
-                <a:tailEnd/>
-              </a14:hiddenLine>
-            </a:ext>
-          </a:extLst>
-        </p:spPr>
-        <p:txBody>
-          <a:bodyPr wrap="square" lIns="47165" tIns="23582" rIns="47165" bIns="23582">
-            <a:spAutoFit/>
-          </a:bodyPr>
-          <a:lstStyle>
-            <a:lvl1pPr defTabSz="1433513" eaLnBrk="0" hangingPunct="0">
-              <a:defRPr sz="2900">
-                <a:solidFill>
-                  <a:schemeClr val="tx1"/>
-                </a:solidFill>
-                <a:latin typeface="Arial" charset="0"/>
-              </a:defRPr>
-            </a:lvl1pPr>
-            <a:lvl2pPr marL="742950" indent="-285750" defTabSz="1433513" eaLnBrk="0" hangingPunct="0">
-              <a:defRPr sz="2900">
-                <a:solidFill>
-                  <a:schemeClr val="tx1"/>
-                </a:solidFill>
-                <a:latin typeface="Arial" charset="0"/>
-              </a:defRPr>
-            </a:lvl2pPr>
-            <a:lvl3pPr marL="1143000" indent="-228600" defTabSz="1433513" eaLnBrk="0" hangingPunct="0">
-              <a:defRPr sz="2900">
-                <a:solidFill>
-                  <a:schemeClr val="tx1"/>
-                </a:solidFill>
-                <a:latin typeface="Arial" charset="0"/>
-              </a:defRPr>
-            </a:lvl3pPr>
-            <a:lvl4pPr marL="1600200" indent="-228600" defTabSz="1433513" eaLnBrk="0" hangingPunct="0">
-              <a:defRPr sz="2900">
-                <a:solidFill>
-                  <a:schemeClr val="tx1"/>
-                </a:solidFill>
-                <a:latin typeface="Arial" charset="0"/>
-              </a:defRPr>
-            </a:lvl4pPr>
-            <a:lvl5pPr marL="2057400" indent="-228600" defTabSz="1433513" eaLnBrk="0" hangingPunct="0">
-              <a:defRPr sz="2900">
-                <a:solidFill>
-                  <a:schemeClr val="tx1"/>
-                </a:solidFill>
-                <a:latin typeface="Arial" charset="0"/>
-              </a:defRPr>
-            </a:lvl5pPr>
-            <a:lvl6pPr marL="2514600" indent="-228600" defTabSz="1433513" eaLnBrk="0" fontAlgn="base" hangingPunct="0">
-              <a:spcBef>
-                <a:spcPct val="0"/>
-              </a:spcBef>
-              <a:spcAft>
-                <a:spcPct val="0"/>
-              </a:spcAft>
-              <a:defRPr sz="2900">
-                <a:solidFill>
-                  <a:schemeClr val="tx1"/>
-                </a:solidFill>
-                <a:latin typeface="Arial" charset="0"/>
-              </a:defRPr>
-            </a:lvl6pPr>
-            <a:lvl7pPr marL="2971800" indent="-228600" defTabSz="1433513" eaLnBrk="0" fontAlgn="base" hangingPunct="0">
-              <a:spcBef>
-                <a:spcPct val="0"/>
-              </a:spcBef>
-              <a:spcAft>
-                <a:spcPct val="0"/>
-              </a:spcAft>
-              <a:defRPr sz="2900">
-                <a:solidFill>
-                  <a:schemeClr val="tx1"/>
-                </a:solidFill>
-                <a:latin typeface="Arial" charset="0"/>
-              </a:defRPr>
-            </a:lvl7pPr>
-            <a:lvl8pPr marL="3429000" indent="-228600" defTabSz="1433513" eaLnBrk="0" fontAlgn="base" hangingPunct="0">
-              <a:spcBef>
-                <a:spcPct val="0"/>
-              </a:spcBef>
-              <a:spcAft>
-                <a:spcPct val="0"/>
-              </a:spcAft>
-              <a:defRPr sz="2900">
-                <a:solidFill>
-                  <a:schemeClr val="tx1"/>
-                </a:solidFill>
-                <a:latin typeface="Arial" charset="0"/>
-              </a:defRPr>
-            </a:lvl8pPr>
-            <a:lvl9pPr marL="3886200" indent="-228600" defTabSz="1433513" eaLnBrk="0" fontAlgn="base" hangingPunct="0">
-              <a:spcBef>
-                <a:spcPct val="0"/>
-              </a:spcBef>
-              <a:spcAft>
-                <a:spcPct val="0"/>
-              </a:spcAft>
-              <a:defRPr sz="2900">
-                <a:solidFill>
-                  <a:schemeClr val="tx1"/>
-                </a:solidFill>
-                <a:latin typeface="Arial" charset="0"/>
-              </a:defRPr>
-            </a:lvl9pPr>
-          </a:lstStyle>
-          <a:p>
-            <a:pPr algn="ctr" eaLnBrk="1" hangingPunct="1">
-              <a:spcBef>
-                <a:spcPct val="50000"/>
-              </a:spcBef>
-            </a:pPr>
-            <a:r>
-              <a:rPr lang="en-US" altLang="x-none" dirty="0" smtClean="0"/>
-              <a:t>Features</a:t>
-            </a:r>
-          </a:p>
-        </p:txBody>
-      </p:sp>
-      <p:sp>
-        <p:nvSpPr>
-          <p:cNvPr id="23" name="TextBox 22"/>
-          <p:cNvSpPr txBox="1"/>
-          <p:nvPr/>
-        </p:nvSpPr>
-        <p:spPr>
-          <a:xfrm>
-            <a:off x="648494" y="3330476"/>
-            <a:ext cx="5976664" cy="1938992"/>
-          </a:xfrm>
-          <a:prstGeom prst="rect">
-            <a:avLst/>
-          </a:prstGeom>
-          <a:noFill/>
-        </p:spPr>
-        <p:txBody>
-          <a:bodyPr wrap="square" rtlCol="0">
-            <a:spAutoFit/>
-          </a:bodyPr>
-          <a:lstStyle/>
-          <a:p>
-            <a:pPr>
-              <a:buFont typeface="Arial" pitchFamily="34" charset="0"/>
-              <a:buChar char="•"/>
-            </a:pPr>
-            <a:r>
-              <a:rPr lang="en-GB" sz="2000" dirty="0" smtClean="0"/>
-              <a:t>1-on-1 online multiplayer card game with a </a:t>
-            </a:r>
-          </a:p>
-          <a:p>
-            <a:pPr>
-              <a:buFont typeface="Arial" pitchFamily="34" charset="0"/>
-              <a:buChar char="•"/>
-            </a:pPr>
-            <a:r>
-              <a:rPr lang="en-GB" sz="2000" dirty="0" smtClean="0"/>
-              <a:t>D</a:t>
-            </a:r>
-            <a:r>
-              <a:rPr lang="en-GB" sz="2000" dirty="0" smtClean="0"/>
-              <a:t>ark fantasy theme.</a:t>
-            </a:r>
-          </a:p>
-          <a:p>
-            <a:pPr>
-              <a:buFont typeface="Arial" pitchFamily="34" charset="0"/>
-              <a:buChar char="•"/>
-            </a:pPr>
-            <a:r>
-              <a:rPr lang="en-GB" sz="2000" dirty="0" smtClean="0"/>
-              <a:t>Resource management.</a:t>
-            </a:r>
-          </a:p>
-          <a:p>
-            <a:pPr>
-              <a:buFont typeface="Arial" pitchFamily="34" charset="0"/>
-              <a:buChar char="•"/>
-            </a:pPr>
-            <a:r>
-              <a:rPr lang="en-GB" sz="2000" dirty="0" smtClean="0"/>
-              <a:t>A wide variety of cards.</a:t>
-            </a:r>
-          </a:p>
-          <a:p>
-            <a:pPr>
-              <a:buFont typeface="Arial" pitchFamily="34" charset="0"/>
-              <a:buChar char="•"/>
-            </a:pPr>
-            <a:r>
-              <a:rPr lang="en-GB" sz="2000" dirty="0" smtClean="0"/>
-              <a:t>Lord cards with powerful abilities that can turn the tide of battle.</a:t>
-            </a:r>
-            <a:endParaRPr lang="en-GB" sz="2000" dirty="0"/>
-          </a:p>
-        </p:txBody>
-      </p:sp>
     </p:spTree>
   </p:cSld>
   <p:clrMapOvr>
@@ -6006,6 +11423,289 @@
 </a:theme>
 </file>
 
+<file path=ppt/theme/theme2.xml><?xml version="1.0" encoding="utf-8"?>
+<a:theme xmlns:a="http://schemas.openxmlformats.org/drawingml/2006/main" name="Office Theme">
+  <a:themeElements>
+    <a:clrScheme name="Office">
+      <a:dk1>
+        <a:sysClr val="windowText" lastClr="000000"/>
+      </a:dk1>
+      <a:lt1>
+        <a:sysClr val="window" lastClr="FFFFFF"/>
+      </a:lt1>
+      <a:dk2>
+        <a:srgbClr val="1F497D"/>
+      </a:dk2>
+      <a:lt2>
+        <a:srgbClr val="EEECE1"/>
+      </a:lt2>
+      <a:accent1>
+        <a:srgbClr val="4F81BD"/>
+      </a:accent1>
+      <a:accent2>
+        <a:srgbClr val="C0504D"/>
+      </a:accent2>
+      <a:accent3>
+        <a:srgbClr val="9BBB59"/>
+      </a:accent3>
+      <a:accent4>
+        <a:srgbClr val="8064A2"/>
+      </a:accent4>
+      <a:accent5>
+        <a:srgbClr val="4BACC6"/>
+      </a:accent5>
+      <a:accent6>
+        <a:srgbClr val="F79646"/>
+      </a:accent6>
+      <a:hlink>
+        <a:srgbClr val="0000FF"/>
+      </a:hlink>
+      <a:folHlink>
+        <a:srgbClr val="800080"/>
+      </a:folHlink>
+    </a:clrScheme>
+    <a:fontScheme name="Office">
+      <a:majorFont>
+        <a:latin typeface="Calibri"/>
+        <a:ea typeface=""/>
+        <a:cs typeface=""/>
+        <a:font script="Jpan" typeface="ＭＳ Ｐゴシック"/>
+        <a:font script="Hang" typeface="맑은 고딕"/>
+        <a:font script="Hans" typeface="宋体"/>
+        <a:font script="Hant" typeface="新細明體"/>
+        <a:font script="Arab" typeface="Times New Roman"/>
+        <a:font script="Hebr" typeface="Times New Roman"/>
+        <a:font script="Thai" typeface="Angsana New"/>
+        <a:font script="Ethi" typeface="Nyala"/>
+        <a:font script="Beng" typeface="Vrinda"/>
+        <a:font script="Gujr" typeface="Shruti"/>
+        <a:font script="Khmr" typeface="MoolBoran"/>
+        <a:font script="Knda" typeface="Tunga"/>
+        <a:font script="Guru" typeface="Raavi"/>
+        <a:font script="Cans" typeface="Euphemia"/>
+        <a:font script="Cher" typeface="Plantagenet Cherokee"/>
+        <a:font script="Yiii" typeface="Microsoft Yi Baiti"/>
+        <a:font script="Tibt" typeface="Microsoft Himalaya"/>
+        <a:font script="Thaa" typeface="MV Boli"/>
+        <a:font script="Deva" typeface="Mangal"/>
+        <a:font script="Telu" typeface="Gautami"/>
+        <a:font script="Taml" typeface="Latha"/>
+        <a:font script="Syrc" typeface="Estrangelo Edessa"/>
+        <a:font script="Orya" typeface="Kalinga"/>
+        <a:font script="Mlym" typeface="Kartika"/>
+        <a:font script="Laoo" typeface="DokChampa"/>
+        <a:font script="Sinh" typeface="Iskoola Pota"/>
+        <a:font script="Mong" typeface="Mongolian Baiti"/>
+        <a:font script="Viet" typeface="Times New Roman"/>
+        <a:font script="Uigh" typeface="Microsoft Uighur"/>
+      </a:majorFont>
+      <a:minorFont>
+        <a:latin typeface="Calibri"/>
+        <a:ea typeface=""/>
+        <a:cs typeface=""/>
+        <a:font script="Jpan" typeface="ＭＳ Ｐゴシック"/>
+        <a:font script="Hang" typeface="맑은 고딕"/>
+        <a:font script="Hans" typeface="宋体"/>
+        <a:font script="Hant" typeface="新細明體"/>
+        <a:font script="Arab" typeface="Arial"/>
+        <a:font script="Hebr" typeface="Arial"/>
+        <a:font script="Thai" typeface="Cordia New"/>
+        <a:font script="Ethi" typeface="Nyala"/>
+        <a:font script="Beng" typeface="Vrinda"/>
+        <a:font script="Gujr" typeface="Shruti"/>
+        <a:font script="Khmr" typeface="DaunPenh"/>
+        <a:font script="Knda" typeface="Tunga"/>
+        <a:font script="Guru" typeface="Raavi"/>
+        <a:font script="Cans" typeface="Euphemia"/>
+        <a:font script="Cher" typeface="Plantagenet Cherokee"/>
+        <a:font script="Yiii" typeface="Microsoft Yi Baiti"/>
+        <a:font script="Tibt" typeface="Microsoft Himalaya"/>
+        <a:font script="Thaa" typeface="MV Boli"/>
+        <a:font script="Deva" typeface="Mangal"/>
+        <a:font script="Telu" typeface="Gautami"/>
+        <a:font script="Taml" typeface="Latha"/>
+        <a:font script="Syrc" typeface="Estrangelo Edessa"/>
+        <a:font script="Orya" typeface="Kalinga"/>
+        <a:font script="Mlym" typeface="Kartika"/>
+        <a:font script="Laoo" typeface="DokChampa"/>
+        <a:font script="Sinh" typeface="Iskoola Pota"/>
+        <a:font script="Mong" typeface="Mongolian Baiti"/>
+        <a:font script="Viet" typeface="Arial"/>
+        <a:font script="Uigh" typeface="Microsoft Uighur"/>
+      </a:minorFont>
+    </a:fontScheme>
+    <a:fmtScheme name="Office">
+      <a:fillStyleLst>
+        <a:solidFill>
+          <a:schemeClr val="phClr"/>
+        </a:solidFill>
+        <a:gradFill rotWithShape="1">
+          <a:gsLst>
+            <a:gs pos="0">
+              <a:schemeClr val="phClr">
+                <a:tint val="50000"/>
+                <a:satMod val="300000"/>
+              </a:schemeClr>
+            </a:gs>
+            <a:gs pos="35000">
+              <a:schemeClr val="phClr">
+                <a:tint val="37000"/>
+                <a:satMod val="300000"/>
+              </a:schemeClr>
+            </a:gs>
+            <a:gs pos="100000">
+              <a:schemeClr val="phClr">
+                <a:tint val="15000"/>
+                <a:satMod val="350000"/>
+              </a:schemeClr>
+            </a:gs>
+          </a:gsLst>
+          <a:lin ang="16200000" scaled="1"/>
+        </a:gradFill>
+        <a:gradFill rotWithShape="1">
+          <a:gsLst>
+            <a:gs pos="0">
+              <a:schemeClr val="phClr">
+                <a:shade val="51000"/>
+                <a:satMod val="130000"/>
+              </a:schemeClr>
+            </a:gs>
+            <a:gs pos="80000">
+              <a:schemeClr val="phClr">
+                <a:shade val="93000"/>
+                <a:satMod val="130000"/>
+              </a:schemeClr>
+            </a:gs>
+            <a:gs pos="100000">
+              <a:schemeClr val="phClr">
+                <a:shade val="94000"/>
+                <a:satMod val="135000"/>
+              </a:schemeClr>
+            </a:gs>
+          </a:gsLst>
+          <a:lin ang="16200000" scaled="0"/>
+        </a:gradFill>
+      </a:fillStyleLst>
+      <a:lnStyleLst>
+        <a:ln w="9525" cap="flat" cmpd="sng" algn="ctr">
+          <a:solidFill>
+            <a:schemeClr val="phClr">
+              <a:shade val="95000"/>
+              <a:satMod val="105000"/>
+            </a:schemeClr>
+          </a:solidFill>
+          <a:prstDash val="solid"/>
+        </a:ln>
+        <a:ln w="25400" cap="flat" cmpd="sng" algn="ctr">
+          <a:solidFill>
+            <a:schemeClr val="phClr"/>
+          </a:solidFill>
+          <a:prstDash val="solid"/>
+        </a:ln>
+        <a:ln w="38100" cap="flat" cmpd="sng" algn="ctr">
+          <a:solidFill>
+            <a:schemeClr val="phClr"/>
+          </a:solidFill>
+          <a:prstDash val="solid"/>
+        </a:ln>
+      </a:lnStyleLst>
+      <a:effectStyleLst>
+        <a:effectStyle>
+          <a:effectLst>
+            <a:outerShdw blurRad="40000" dist="20000" dir="5400000" rotWithShape="0">
+              <a:srgbClr val="000000">
+                <a:alpha val="38000"/>
+              </a:srgbClr>
+            </a:outerShdw>
+          </a:effectLst>
+        </a:effectStyle>
+        <a:effectStyle>
+          <a:effectLst>
+            <a:outerShdw blurRad="40000" dist="23000" dir="5400000" rotWithShape="0">
+              <a:srgbClr val="000000">
+                <a:alpha val="35000"/>
+              </a:srgbClr>
+            </a:outerShdw>
+          </a:effectLst>
+        </a:effectStyle>
+        <a:effectStyle>
+          <a:effectLst>
+            <a:outerShdw blurRad="40000" dist="23000" dir="5400000" rotWithShape="0">
+              <a:srgbClr val="000000">
+                <a:alpha val="35000"/>
+              </a:srgbClr>
+            </a:outerShdw>
+          </a:effectLst>
+          <a:scene3d>
+            <a:camera prst="orthographicFront">
+              <a:rot lat="0" lon="0" rev="0"/>
+            </a:camera>
+            <a:lightRig rig="threePt" dir="t">
+              <a:rot lat="0" lon="0" rev="1200000"/>
+            </a:lightRig>
+          </a:scene3d>
+          <a:sp3d>
+            <a:bevelT w="63500" h="25400"/>
+          </a:sp3d>
+        </a:effectStyle>
+      </a:effectStyleLst>
+      <a:bgFillStyleLst>
+        <a:solidFill>
+          <a:schemeClr val="phClr"/>
+        </a:solidFill>
+        <a:gradFill rotWithShape="1">
+          <a:gsLst>
+            <a:gs pos="0">
+              <a:schemeClr val="phClr">
+                <a:tint val="40000"/>
+                <a:satMod val="350000"/>
+              </a:schemeClr>
+            </a:gs>
+            <a:gs pos="40000">
+              <a:schemeClr val="phClr">
+                <a:tint val="45000"/>
+                <a:shade val="99000"/>
+                <a:satMod val="350000"/>
+              </a:schemeClr>
+            </a:gs>
+            <a:gs pos="100000">
+              <a:schemeClr val="phClr">
+                <a:shade val="20000"/>
+                <a:satMod val="255000"/>
+              </a:schemeClr>
+            </a:gs>
+          </a:gsLst>
+          <a:path path="circle">
+            <a:fillToRect l="50000" t="-80000" r="50000" b="180000"/>
+          </a:path>
+        </a:gradFill>
+        <a:gradFill rotWithShape="1">
+          <a:gsLst>
+            <a:gs pos="0">
+              <a:schemeClr val="phClr">
+                <a:tint val="80000"/>
+                <a:satMod val="300000"/>
+              </a:schemeClr>
+            </a:gs>
+            <a:gs pos="100000">
+              <a:schemeClr val="phClr">
+                <a:shade val="30000"/>
+                <a:satMod val="200000"/>
+              </a:schemeClr>
+            </a:gs>
+          </a:gsLst>
+          <a:path path="circle">
+            <a:fillToRect l="50000" t="50000" r="50000" b="50000"/>
+          </a:path>
+        </a:gradFill>
+      </a:bgFillStyleLst>
+    </a:fmtScheme>
+  </a:themeElements>
+  <a:objectDefaults/>
+  <a:extraClrSchemeLst/>
+</a:theme>
+</file>
+
 <file path=customXml/item1.xml><?xml version="1.0" encoding="utf-8"?>
 <ct:contentTypeSchema xmlns:ct="http://schemas.microsoft.com/office/2006/metadata/contentType" xmlns:ma="http://schemas.microsoft.com/office/2006/metadata/properties/metaAttributes" ct:_="" ma:_="" ma:contentTypeName="Document" ma:contentTypeID="0x01010097D40E6585C8784EB4F7A91A219ECB38" ma:contentTypeVersion="0" ma:contentTypeDescription="Create a new document." ma:contentTypeScope="" ma:versionID="225f1df7c0d1d866e72199d38b91779e">
   <xsd:schema xmlns:xsd="http://www.w3.org/2001/XMLSchema" xmlns:p="http://schemas.microsoft.com/office/2006/metadata/properties" targetNamespace="http://schemas.microsoft.com/office/2006/metadata/properties" ma:root="true" ma:fieldsID="4aeb20c0e3442673af7ee10786458764">
